--- a/funcional/clase3.pptx
+++ b/funcional/clase3.pptx
@@ -38,6 +38,17 @@
     <p:sldId id="282" r:id="rId31"/>
     <p:sldId id="283" r:id="rId32"/>
     <p:sldId id="284" r:id="rId33"/>
+    <p:sldId id="285" r:id="rId34"/>
+    <p:sldId id="286" r:id="rId35"/>
+    <p:sldId id="287" r:id="rId36"/>
+    <p:sldId id="288" r:id="rId37"/>
+    <p:sldId id="289" r:id="rId38"/>
+    <p:sldId id="290" r:id="rId39"/>
+    <p:sldId id="291" r:id="rId40"/>
+    <p:sldId id="292" r:id="rId41"/>
+    <p:sldId id="293" r:id="rId42"/>
+    <p:sldId id="294" r:id="rId43"/>
+    <p:sldId id="295" r:id="rId44"/>
   </p:sldIdLst>
   <p:sldSz cx="9144000" cy="6858000"/>
   <p:notesSz cx="6858000" cy="9144000"/>
@@ -321,7 +332,7 @@
             <a:pPr algn="r">
               <a:buNone/>
             </a:pPr>
-            <a:fld id="{F6830FCD-1E1A-49EF-AD88-CB6C2DDEC3B5}" type="slidenum">
+            <a:fld id="{82F41E1E-D50B-4AC7-BAC8-3D4FF7729685}" type="slidenum">
               <a:rPr b="0" lang="es-AR" sz="1400" spc="-1" strike="noStrike">
                 <a:latin typeface="Times New Roman"/>
               </a:rPr>
@@ -358,7 +369,7 @@
       </p:grpSpPr>
       <p:sp>
         <p:nvSpPr>
-          <p:cNvPr id="150" name="PlaceHolder 1"/>
+          <p:cNvPr id="172" name="PlaceHolder 1"/>
           <p:cNvSpPr>
             <a:spLocks noGrp="1"/>
           </p:cNvSpPr>
@@ -369,7 +380,7 @@
         <p:spPr>
           <a:xfrm>
             <a:off x="3884760" y="8685360"/>
-            <a:ext cx="2971080" cy="457920"/>
+            <a:ext cx="2970720" cy="457560"/>
           </a:xfrm>
           <a:prstGeom prst="rect">
             <a:avLst/>
@@ -399,7 +410,7 @@
       </p:sp>
       <p:sp>
         <p:nvSpPr>
-          <p:cNvPr id="151" name="PlaceHolder 2"/>
+          <p:cNvPr id="173" name="PlaceHolder 2"/>
           <p:cNvSpPr>
             <a:spLocks noGrp="1"/>
           </p:cNvSpPr>
@@ -410,7 +421,7 @@
         <p:spPr>
           <a:xfrm>
             <a:off x="1106640" y="812880"/>
-            <a:ext cx="5344560" cy="4007880"/>
+            <a:ext cx="5344200" cy="4007520"/>
           </a:xfrm>
           <a:prstGeom prst="rect">
             <a:avLst/>
@@ -422,7 +433,7 @@
       </p:sp>
       <p:sp>
         <p:nvSpPr>
-          <p:cNvPr id="152" name="PlaceHolder 3"/>
+          <p:cNvPr id="174" name="PlaceHolder 3"/>
           <p:cNvSpPr>
             <a:spLocks noGrp="1"/>
           </p:cNvSpPr>
@@ -433,7 +444,7 @@
         <p:spPr>
           <a:xfrm>
             <a:off x="755640" y="5078520"/>
-            <a:ext cx="6047640" cy="4811040"/>
+            <a:ext cx="6047280" cy="4810680"/>
           </a:xfrm>
           <a:prstGeom prst="rect">
             <a:avLst/>
@@ -478,7 +489,7 @@
       </p:grpSpPr>
       <p:sp>
         <p:nvSpPr>
-          <p:cNvPr id="153" name="PlaceHolder 1"/>
+          <p:cNvPr id="175" name="PlaceHolder 1"/>
           <p:cNvSpPr>
             <a:spLocks noGrp="1"/>
           </p:cNvSpPr>
@@ -489,7 +500,7 @@
         <p:spPr>
           <a:xfrm>
             <a:off x="3884760" y="8685360"/>
-            <a:ext cx="2971080" cy="457920"/>
+            <a:ext cx="2970720" cy="457560"/>
           </a:xfrm>
           <a:prstGeom prst="rect">
             <a:avLst/>
@@ -519,7 +530,7 @@
       </p:sp>
       <p:sp>
         <p:nvSpPr>
-          <p:cNvPr id="154" name="PlaceHolder 2"/>
+          <p:cNvPr id="176" name="PlaceHolder 2"/>
           <p:cNvSpPr>
             <a:spLocks noGrp="1"/>
           </p:cNvSpPr>
@@ -530,7 +541,7 @@
         <p:spPr>
           <a:xfrm>
             <a:off x="1106640" y="812880"/>
-            <a:ext cx="5344560" cy="4007880"/>
+            <a:ext cx="5344200" cy="4007520"/>
           </a:xfrm>
           <a:prstGeom prst="rect">
             <a:avLst/>
@@ -542,7 +553,7 @@
       </p:sp>
       <p:sp>
         <p:nvSpPr>
-          <p:cNvPr id="155" name="PlaceHolder 3"/>
+          <p:cNvPr id="177" name="PlaceHolder 3"/>
           <p:cNvSpPr>
             <a:spLocks noGrp="1"/>
           </p:cNvSpPr>
@@ -553,7 +564,7 @@
         <p:spPr>
           <a:xfrm>
             <a:off x="755640" y="5078520"/>
-            <a:ext cx="6047640" cy="4811040"/>
+            <a:ext cx="6047280" cy="4810680"/>
           </a:xfrm>
           <a:prstGeom prst="rect">
             <a:avLst/>
@@ -598,7 +609,7 @@
       </p:grpSpPr>
       <p:sp>
         <p:nvSpPr>
-          <p:cNvPr id="156" name="PlaceHolder 1"/>
+          <p:cNvPr id="178" name="PlaceHolder 1"/>
           <p:cNvSpPr>
             <a:spLocks noGrp="1"/>
           </p:cNvSpPr>
@@ -609,7 +620,7 @@
         <p:spPr>
           <a:xfrm>
             <a:off x="3884760" y="8685360"/>
-            <a:ext cx="2971080" cy="457920"/>
+            <a:ext cx="2970720" cy="457560"/>
           </a:xfrm>
           <a:prstGeom prst="rect">
             <a:avLst/>
@@ -639,7 +650,7 @@
       </p:sp>
       <p:sp>
         <p:nvSpPr>
-          <p:cNvPr id="157" name="PlaceHolder 2"/>
+          <p:cNvPr id="179" name="PlaceHolder 2"/>
           <p:cNvSpPr>
             <a:spLocks noGrp="1"/>
           </p:cNvSpPr>
@@ -650,7 +661,7 @@
         <p:spPr>
           <a:xfrm>
             <a:off x="1106640" y="812880"/>
-            <a:ext cx="5344560" cy="4007880"/>
+            <a:ext cx="5344200" cy="4007520"/>
           </a:xfrm>
           <a:prstGeom prst="rect">
             <a:avLst/>
@@ -662,7 +673,7 @@
       </p:sp>
       <p:sp>
         <p:nvSpPr>
-          <p:cNvPr id="158" name="PlaceHolder 3"/>
+          <p:cNvPr id="180" name="PlaceHolder 3"/>
           <p:cNvSpPr>
             <a:spLocks noGrp="1"/>
           </p:cNvSpPr>
@@ -673,7 +684,7 @@
         <p:spPr>
           <a:xfrm>
             <a:off x="755640" y="5078520"/>
-            <a:ext cx="6047640" cy="4811040"/>
+            <a:ext cx="6047280" cy="4810680"/>
           </a:xfrm>
           <a:prstGeom prst="rect">
             <a:avLst/>
@@ -718,7 +729,7 @@
       </p:grpSpPr>
       <p:sp>
         <p:nvSpPr>
-          <p:cNvPr id="159" name="PlaceHolder 1"/>
+          <p:cNvPr id="181" name="PlaceHolder 1"/>
           <p:cNvSpPr>
             <a:spLocks noGrp="1"/>
           </p:cNvSpPr>
@@ -729,7 +740,7 @@
         <p:spPr>
           <a:xfrm>
             <a:off x="3884760" y="8685360"/>
-            <a:ext cx="2971080" cy="457920"/>
+            <a:ext cx="2970720" cy="457560"/>
           </a:xfrm>
           <a:prstGeom prst="rect">
             <a:avLst/>
@@ -759,7 +770,7 @@
       </p:sp>
       <p:sp>
         <p:nvSpPr>
-          <p:cNvPr id="160" name="PlaceHolder 2"/>
+          <p:cNvPr id="182" name="PlaceHolder 2"/>
           <p:cNvSpPr>
             <a:spLocks noGrp="1"/>
           </p:cNvSpPr>
@@ -770,7 +781,7 @@
         <p:spPr>
           <a:xfrm>
             <a:off x="1106640" y="812880"/>
-            <a:ext cx="5344560" cy="4007880"/>
+            <a:ext cx="5344200" cy="4007520"/>
           </a:xfrm>
           <a:prstGeom prst="rect">
             <a:avLst/>
@@ -782,7 +793,7 @@
       </p:sp>
       <p:sp>
         <p:nvSpPr>
-          <p:cNvPr id="161" name="PlaceHolder 3"/>
+          <p:cNvPr id="183" name="PlaceHolder 3"/>
           <p:cNvSpPr>
             <a:spLocks noGrp="1"/>
           </p:cNvSpPr>
@@ -793,7 +804,7 @@
         <p:spPr>
           <a:xfrm>
             <a:off x="755640" y="5078520"/>
-            <a:ext cx="6047640" cy="4811040"/>
+            <a:ext cx="6047280" cy="4810680"/>
           </a:xfrm>
           <a:prstGeom prst="rect">
             <a:avLst/>
@@ -838,7 +849,7 @@
       </p:grpSpPr>
       <p:sp>
         <p:nvSpPr>
-          <p:cNvPr id="162" name="PlaceHolder 1"/>
+          <p:cNvPr id="184" name="PlaceHolder 1"/>
           <p:cNvSpPr>
             <a:spLocks noGrp="1"/>
           </p:cNvSpPr>
@@ -849,7 +860,7 @@
         <p:spPr>
           <a:xfrm>
             <a:off x="3884760" y="8685360"/>
-            <a:ext cx="2971080" cy="457920"/>
+            <a:ext cx="2970720" cy="457560"/>
           </a:xfrm>
           <a:prstGeom prst="rect">
             <a:avLst/>
@@ -879,7 +890,7 @@
       </p:sp>
       <p:sp>
         <p:nvSpPr>
-          <p:cNvPr id="163" name="PlaceHolder 2"/>
+          <p:cNvPr id="185" name="PlaceHolder 2"/>
           <p:cNvSpPr>
             <a:spLocks noGrp="1"/>
           </p:cNvSpPr>
@@ -890,7 +901,7 @@
         <p:spPr>
           <a:xfrm>
             <a:off x="1106640" y="812880"/>
-            <a:ext cx="5344560" cy="4007880"/>
+            <a:ext cx="5344200" cy="4007520"/>
           </a:xfrm>
           <a:prstGeom prst="rect">
             <a:avLst/>
@@ -902,7 +913,7 @@
       </p:sp>
       <p:sp>
         <p:nvSpPr>
-          <p:cNvPr id="164" name="PlaceHolder 3"/>
+          <p:cNvPr id="186" name="PlaceHolder 3"/>
           <p:cNvSpPr>
             <a:spLocks noGrp="1"/>
           </p:cNvSpPr>
@@ -913,7 +924,7 @@
         <p:spPr>
           <a:xfrm>
             <a:off x="755640" y="5078520"/>
-            <a:ext cx="6047640" cy="4811040"/>
+            <a:ext cx="6047280" cy="4810680"/>
           </a:xfrm>
           <a:prstGeom prst="rect">
             <a:avLst/>
@@ -958,7 +969,7 @@
       </p:grpSpPr>
       <p:sp>
         <p:nvSpPr>
-          <p:cNvPr id="165" name="PlaceHolder 1"/>
+          <p:cNvPr id="187" name="PlaceHolder 1"/>
           <p:cNvSpPr>
             <a:spLocks noGrp="1"/>
           </p:cNvSpPr>
@@ -969,7 +980,7 @@
         <p:spPr>
           <a:xfrm>
             <a:off x="3884760" y="8685360"/>
-            <a:ext cx="2971080" cy="457920"/>
+            <a:ext cx="2970720" cy="457560"/>
           </a:xfrm>
           <a:prstGeom prst="rect">
             <a:avLst/>
@@ -999,7 +1010,7 @@
       </p:sp>
       <p:sp>
         <p:nvSpPr>
-          <p:cNvPr id="166" name="PlaceHolder 2"/>
+          <p:cNvPr id="188" name="PlaceHolder 2"/>
           <p:cNvSpPr>
             <a:spLocks noGrp="1"/>
           </p:cNvSpPr>
@@ -1010,7 +1021,7 @@
         <p:spPr>
           <a:xfrm>
             <a:off x="1106640" y="812880"/>
-            <a:ext cx="5344560" cy="4007880"/>
+            <a:ext cx="5344200" cy="4007520"/>
           </a:xfrm>
           <a:prstGeom prst="rect">
             <a:avLst/>
@@ -1022,7 +1033,7 @@
       </p:sp>
       <p:sp>
         <p:nvSpPr>
-          <p:cNvPr id="167" name="PlaceHolder 3"/>
+          <p:cNvPr id="189" name="PlaceHolder 3"/>
           <p:cNvSpPr>
             <a:spLocks noGrp="1"/>
           </p:cNvSpPr>
@@ -1033,7 +1044,7 @@
         <p:spPr>
           <a:xfrm>
             <a:off x="755640" y="5078520"/>
-            <a:ext cx="6047640" cy="4811040"/>
+            <a:ext cx="6047280" cy="4810680"/>
           </a:xfrm>
           <a:prstGeom prst="rect">
             <a:avLst/>
@@ -1110,7 +1121,7 @@
         <p:txBody>
           <a:bodyPr/>
           <a:p>
-            <a:fld id="{FAC2F55F-7D74-4300-82FF-4395B6F68C1A}" type="slidenum">
+            <a:fld id="{A25AF02C-F58B-4360-B757-9FFCA8649E2D}" type="slidenum">
               <a:t>&lt;#&gt;</a:t>
             </a:fld>
           </a:p>
@@ -1298,7 +1309,7 @@
         <p:txBody>
           <a:bodyPr/>
           <a:p>
-            <a:fld id="{0401CDF4-7474-4401-8020-2F9DBDBFC50B}" type="slidenum">
+            <a:fld id="{2E8BCDBD-6FED-438E-92BD-BBEB1F4C1808}" type="slidenum">
               <a:t>&lt;#&gt;</a:t>
             </a:fld>
           </a:p>
@@ -1554,7 +1565,7 @@
         <p:txBody>
           <a:bodyPr/>
           <a:p>
-            <a:fld id="{4C1ED4E6-ECBA-4594-8632-1DB246B94EB3}" type="slidenum">
+            <a:fld id="{A4DB5726-EFED-4A7A-9AEC-8E71F4FFDE2B}" type="slidenum">
               <a:t>&lt;#&gt;</a:t>
             </a:fld>
           </a:p>
@@ -1878,7 +1889,7 @@
         <p:txBody>
           <a:bodyPr/>
           <a:p>
-            <a:fld id="{9555C8A5-34F7-4BD2-86AA-5AD4F9EC3A03}" type="slidenum">
+            <a:fld id="{CF3F28A8-2398-4C5F-B994-3896A4EB9152}" type="slidenum">
               <a:t>&lt;#&gt;</a:t>
             </a:fld>
           </a:p>
@@ -1961,7 +1972,7 @@
         <p:txBody>
           <a:bodyPr/>
           <a:p>
-            <a:fld id="{C7F3323D-486A-4A4E-8DA4-2843142D14C3}" type="slidenum">
+            <a:fld id="{2573D51F-1061-4421-AAB8-7C87BBFC287F}" type="slidenum">
               <a:t>&lt;#&gt;</a:t>
             </a:fld>
           </a:p>
@@ -2118,7 +2129,7 @@
         <p:txBody>
           <a:bodyPr/>
           <a:p>
-            <a:fld id="{31F2E7F1-C8A5-4D32-9524-CB35A9B87ED6}" type="slidenum">
+            <a:fld id="{6F8383E3-868F-4B5D-BC04-5731789A56D0}" type="slidenum">
               <a:t>&lt;#&gt;</a:t>
             </a:fld>
           </a:p>
@@ -2272,7 +2283,7 @@
         <p:txBody>
           <a:bodyPr/>
           <a:p>
-            <a:fld id="{8B5C270F-A042-4F6F-9DF2-72962FE79FC1}" type="slidenum">
+            <a:fld id="{ACFB8B30-9175-4C95-90AD-6D95F52EF7D2}" type="slidenum">
               <a:t>&lt;#&gt;</a:t>
             </a:fld>
           </a:p>
@@ -2460,7 +2471,7 @@
         <p:txBody>
           <a:bodyPr/>
           <a:p>
-            <a:fld id="{7A324D85-0E46-4066-AF53-900FC49B0A01}" type="slidenum">
+            <a:fld id="{71283C2B-3B99-49BC-8ED3-E5DADB763204}" type="slidenum">
               <a:t>&lt;#&gt;</a:t>
             </a:fld>
           </a:p>
@@ -2580,7 +2591,7 @@
         <p:txBody>
           <a:bodyPr/>
           <a:p>
-            <a:fld id="{8174B8CD-3687-4993-9A8F-C35F0E6E8A80}" type="slidenum">
+            <a:fld id="{DE902657-CE49-4504-B815-C36719AA8E56}" type="slidenum">
               <a:t>&lt;#&gt;</a:t>
             </a:fld>
           </a:p>
@@ -2700,7 +2711,7 @@
         <p:txBody>
           <a:bodyPr/>
           <a:p>
-            <a:fld id="{8C2215AF-5731-4C12-B0A5-80D986A9A81C}" type="slidenum">
+            <a:fld id="{A8CA4F8A-DE29-4F1A-916C-A87509FD881A}" type="slidenum">
               <a:t>&lt;#&gt;</a:t>
             </a:fld>
           </a:p>
@@ -2922,7 +2933,7 @@
         <p:txBody>
           <a:bodyPr/>
           <a:p>
-            <a:fld id="{25D443E3-8546-43E1-A110-6A90512403B8}" type="slidenum">
+            <a:fld id="{0AE1FD38-5871-4F84-82F1-D4808E9D6850}" type="slidenum">
               <a:t>&lt;#&gt;</a:t>
             </a:fld>
           </a:p>
@@ -3079,7 +3090,7 @@
         <p:txBody>
           <a:bodyPr/>
           <a:p>
-            <a:fld id="{AEAAC3A9-B70E-474D-B198-9FC850D8A170}" type="slidenum">
+            <a:fld id="{80CF406B-1A23-4416-B4A8-E9C364CB82DA}" type="slidenum">
               <a:t>&lt;#&gt;</a:t>
             </a:fld>
           </a:p>
@@ -3301,7 +3312,7 @@
         <p:txBody>
           <a:bodyPr/>
           <a:p>
-            <a:fld id="{DEA18E90-058C-4B54-A647-6916AEBBD942}" type="slidenum">
+            <a:fld id="{240EE9DD-FF1A-48A5-8750-876219410581}" type="slidenum">
               <a:t>&lt;#&gt;</a:t>
             </a:fld>
           </a:p>
@@ -3523,7 +3534,7 @@
         <p:txBody>
           <a:bodyPr/>
           <a:p>
-            <a:fld id="{A05C2F86-6A64-4467-A686-BD7979C42AA9}" type="slidenum">
+            <a:fld id="{879B44E3-5647-451B-8A3C-B7DB566268E1}" type="slidenum">
               <a:t>&lt;#&gt;</a:t>
             </a:fld>
           </a:p>
@@ -3711,7 +3722,7 @@
         <p:txBody>
           <a:bodyPr/>
           <a:p>
-            <a:fld id="{465EE06B-354F-4207-B42F-6DFA3A2459F8}" type="slidenum">
+            <a:fld id="{D1C6DBAD-3EBE-4515-B4AF-25D9A773A4A7}" type="slidenum">
               <a:t>&lt;#&gt;</a:t>
             </a:fld>
           </a:p>
@@ -3967,7 +3978,7 @@
         <p:txBody>
           <a:bodyPr/>
           <a:p>
-            <a:fld id="{3C0893CC-902C-46F5-A8FA-D8D47B71134B}" type="slidenum">
+            <a:fld id="{2C9A02BB-422A-49CA-8114-4F97FBAAB0D2}" type="slidenum">
               <a:t>&lt;#&gt;</a:t>
             </a:fld>
           </a:p>
@@ -4291,7 +4302,7 @@
         <p:txBody>
           <a:bodyPr/>
           <a:p>
-            <a:fld id="{AFBA9EC2-620E-4357-9080-BB230428185F}" type="slidenum">
+            <a:fld id="{2D78CA31-181D-46A8-8562-B841A801F853}" type="slidenum">
               <a:t>&lt;#&gt;</a:t>
             </a:fld>
           </a:p>
@@ -4445,7 +4456,7 @@
         <p:txBody>
           <a:bodyPr/>
           <a:p>
-            <a:fld id="{E14707A3-DC3B-458F-A96A-9CFBB6A867AF}" type="slidenum">
+            <a:fld id="{E033E5DF-C290-43A5-AD21-8FE793B57DBB}" type="slidenum">
               <a:t>&lt;#&gt;</a:t>
             </a:fld>
           </a:p>
@@ -4633,7 +4644,7 @@
         <p:txBody>
           <a:bodyPr/>
           <a:p>
-            <a:fld id="{BA1BC5A3-1E4B-4564-8A66-477ADE13A5E7}" type="slidenum">
+            <a:fld id="{31893F6C-7550-4F47-8858-CC35B732DF4F}" type="slidenum">
               <a:t>&lt;#&gt;</a:t>
             </a:fld>
           </a:p>
@@ -4753,7 +4764,7 @@
         <p:txBody>
           <a:bodyPr/>
           <a:p>
-            <a:fld id="{8457CBAA-B823-4C20-8A8A-A0F207730A5E}" type="slidenum">
+            <a:fld id="{9145FCD7-DF00-4AB9-B0A8-59BBEC8628AF}" type="slidenum">
               <a:t>&lt;#&gt;</a:t>
             </a:fld>
           </a:p>
@@ -4873,7 +4884,7 @@
         <p:txBody>
           <a:bodyPr/>
           <a:p>
-            <a:fld id="{93BCC157-6BD4-4114-9F0D-F178AF7FAFD3}" type="slidenum">
+            <a:fld id="{53AC5ECE-74DA-4763-A0A9-C320C5818214}" type="slidenum">
               <a:t>&lt;#&gt;</a:t>
             </a:fld>
           </a:p>
@@ -5095,7 +5106,7 @@
         <p:txBody>
           <a:bodyPr/>
           <a:p>
-            <a:fld id="{376BA0D8-3290-40A4-AD99-6CFC36DF8794}" type="slidenum">
+            <a:fld id="{00354039-3858-4C73-8578-B8C44D2CF253}" type="slidenum">
               <a:t>&lt;#&gt;</a:t>
             </a:fld>
           </a:p>
@@ -5317,7 +5328,7 @@
         <p:txBody>
           <a:bodyPr/>
           <a:p>
-            <a:fld id="{47F8E5CD-65FF-4075-8AB2-E504149738D3}" type="slidenum">
+            <a:fld id="{8BBE11BE-1438-4859-8613-37DD8D1743CE}" type="slidenum">
               <a:t>&lt;#&gt;</a:t>
             </a:fld>
           </a:p>
@@ -5539,7 +5550,7 @@
         <p:txBody>
           <a:bodyPr/>
           <a:p>
-            <a:fld id="{DDB569E1-9AC4-40F4-8CC6-944E41C40DD9}" type="slidenum">
+            <a:fld id="{38A0CDF1-FB79-48A8-8912-FF9DEA705C71}" type="slidenum">
               <a:t>&lt;#&gt;</a:t>
             </a:fld>
           </a:p>
@@ -5608,7 +5619,7 @@
         <p:spPr>
           <a:xfrm>
             <a:off x="0" y="0"/>
-            <a:ext cx="9155880" cy="6857280"/>
+            <a:ext cx="9155520" cy="6856920"/>
           </a:xfrm>
           <a:prstGeom prst="rect">
             <a:avLst/>
@@ -5631,7 +5642,7 @@
         <p:spPr>
           <a:xfrm>
             <a:off x="0" y="0"/>
-            <a:ext cx="9155880" cy="6857280"/>
+            <a:ext cx="9155520" cy="6856920"/>
           </a:xfrm>
           <a:prstGeom prst="rect">
             <a:avLst/>
@@ -5653,8 +5664,8 @@
         </p:nvSpPr>
         <p:spPr>
           <a:xfrm>
-            <a:off x="457200" y="190440"/>
-            <a:ext cx="8228880" cy="581760"/>
+            <a:off x="457200" y="273600"/>
+            <a:ext cx="8228880" cy="1144440"/>
           </a:xfrm>
           <a:prstGeom prst="rect">
             <a:avLst/>
@@ -5688,13 +5699,13 @@
             <a:spLocks noGrp="1"/>
           </p:cNvSpPr>
           <p:nvPr>
-            <p:ph type="ftr" idx="1"/>
+            <p:ph type="body"/>
           </p:nvPr>
         </p:nvSpPr>
         <p:spPr>
           <a:xfrm>
-            <a:off x="3124080" y="6245280"/>
-            <a:ext cx="2894760" cy="475560"/>
+            <a:off x="457200" y="1604520"/>
+            <a:ext cx="8228880" cy="3976920"/>
           </a:xfrm>
           <a:prstGeom prst="rect">
             <a:avLst/>
@@ -5705,35 +5716,161 @@
           </a:ln>
         </p:spPr>
         <p:txBody>
-          <a:bodyPr numCol="1" spcCol="0" lIns="90000" rIns="90000" tIns="45000" bIns="45000" anchor="t">
-            <a:noAutofit/>
+          <a:bodyPr lIns="0" rIns="0" tIns="0" bIns="0" anchor="t">
+            <a:normAutofit/>
           </a:bodyPr>
-          <a:lstStyle>
-            <a:lvl1pPr algn="ctr">
-              <a:lnSpc>
-                <a:spcPct val="100000"/>
-              </a:lnSpc>
-              <a:buNone/>
-              <a:defRPr b="0" lang="es-AR" sz="1400" spc="-1" strike="noStrike">
-                <a:latin typeface="Times New Roman"/>
-              </a:defRPr>
-            </a:lvl1pPr>
-          </a:lstStyle>
-          <a:p>
-            <a:pPr algn="ctr">
-              <a:lnSpc>
-                <a:spcPct val="100000"/>
-              </a:lnSpc>
-              <a:buNone/>
-            </a:pPr>
-            <a:r>
-              <a:rPr b="0" lang="es-AR" sz="1400" spc="-1" strike="noStrike">
-                <a:latin typeface="Times New Roman"/>
-              </a:rPr>
-              <a:t>&lt;pie de página&gt;</a:t>
-            </a:r>
-            <a:endParaRPr b="0" lang="es-AR" sz="1400" spc="-1" strike="noStrike">
-              <a:latin typeface="Times New Roman"/>
+          <a:p>
+            <a:pPr marL="432000" indent="-324000">
+              <a:spcBef>
+                <a:spcPts val="1417"/>
+              </a:spcBef>
+              <a:buClr>
+                <a:srgbClr val="000000"/>
+              </a:buClr>
+              <a:buSzPct val="45000"/>
+              <a:buFont typeface="Wingdings" charset="2"/>
+              <a:buChar char=""/>
+            </a:pPr>
+            <a:r>
+              <a:rPr b="0" lang="es-AR" sz="1800" spc="-1" strike="noStrike">
+                <a:latin typeface="Arial"/>
+              </a:rPr>
+              <a:t>Pulse para editar el formato de texto del esquema</a:t>
+            </a:r>
+            <a:endParaRPr b="0" lang="es-AR" sz="1800" spc="-1" strike="noStrike">
+              <a:latin typeface="Arial"/>
+            </a:endParaRPr>
+          </a:p>
+          <a:p>
+            <a:pPr lvl="1" marL="864000" indent="-324000">
+              <a:spcBef>
+                <a:spcPts val="1134"/>
+              </a:spcBef>
+              <a:buClr>
+                <a:srgbClr val="000000"/>
+              </a:buClr>
+              <a:buSzPct val="75000"/>
+              <a:buFont typeface="Symbol" charset="2"/>
+              <a:buChar char=""/>
+            </a:pPr>
+            <a:r>
+              <a:rPr b="0" lang="es-AR" sz="1800" spc="-1" strike="noStrike">
+                <a:latin typeface="Arial"/>
+              </a:rPr>
+              <a:t>Segundo nivel del esquema</a:t>
+            </a:r>
+            <a:endParaRPr b="0" lang="es-AR" sz="1800" spc="-1" strike="noStrike">
+              <a:latin typeface="Arial"/>
+            </a:endParaRPr>
+          </a:p>
+          <a:p>
+            <a:pPr lvl="2" marL="1296000" indent="-288000">
+              <a:spcBef>
+                <a:spcPts val="850"/>
+              </a:spcBef>
+              <a:buClr>
+                <a:srgbClr val="000000"/>
+              </a:buClr>
+              <a:buSzPct val="45000"/>
+              <a:buFont typeface="Wingdings" charset="2"/>
+              <a:buChar char=""/>
+            </a:pPr>
+            <a:r>
+              <a:rPr b="0" lang="es-AR" sz="1800" spc="-1" strike="noStrike">
+                <a:latin typeface="Arial"/>
+              </a:rPr>
+              <a:t>Tercer nivel del esquema</a:t>
+            </a:r>
+            <a:endParaRPr b="0" lang="es-AR" sz="1800" spc="-1" strike="noStrike">
+              <a:latin typeface="Arial"/>
+            </a:endParaRPr>
+          </a:p>
+          <a:p>
+            <a:pPr lvl="3" marL="1728000" indent="-216000">
+              <a:spcBef>
+                <a:spcPts val="567"/>
+              </a:spcBef>
+              <a:buClr>
+                <a:srgbClr val="000000"/>
+              </a:buClr>
+              <a:buSzPct val="75000"/>
+              <a:buFont typeface="Symbol" charset="2"/>
+              <a:buChar char=""/>
+            </a:pPr>
+            <a:r>
+              <a:rPr b="0" lang="es-AR" sz="1800" spc="-1" strike="noStrike">
+                <a:latin typeface="Arial"/>
+              </a:rPr>
+              <a:t>Cuarto nivel del esquema</a:t>
+            </a:r>
+            <a:endParaRPr b="0" lang="es-AR" sz="1800" spc="-1" strike="noStrike">
+              <a:latin typeface="Arial"/>
+            </a:endParaRPr>
+          </a:p>
+          <a:p>
+            <a:pPr lvl="4" marL="2160000" indent="-216000">
+              <a:spcBef>
+                <a:spcPts val="283"/>
+              </a:spcBef>
+              <a:buClr>
+                <a:srgbClr val="000000"/>
+              </a:buClr>
+              <a:buSzPct val="45000"/>
+              <a:buFont typeface="Wingdings" charset="2"/>
+              <a:buChar char=""/>
+            </a:pPr>
+            <a:r>
+              <a:rPr b="0" lang="es-AR" sz="1800" spc="-1" strike="noStrike">
+                <a:latin typeface="Arial"/>
+              </a:rPr>
+              <a:t>Quinto nivel del esquema</a:t>
+            </a:r>
+            <a:endParaRPr b="0" lang="es-AR" sz="1800" spc="-1" strike="noStrike">
+              <a:latin typeface="Arial"/>
+            </a:endParaRPr>
+          </a:p>
+          <a:p>
+            <a:pPr lvl="5" marL="2592000" indent="-216000">
+              <a:spcBef>
+                <a:spcPts val="283"/>
+              </a:spcBef>
+              <a:buClr>
+                <a:srgbClr val="000000"/>
+              </a:buClr>
+              <a:buSzPct val="45000"/>
+              <a:buFont typeface="Wingdings" charset="2"/>
+              <a:buChar char=""/>
+            </a:pPr>
+            <a:r>
+              <a:rPr b="0" lang="es-AR" sz="1800" spc="-1" strike="noStrike">
+                <a:latin typeface="Arial"/>
+              </a:rPr>
+              <a:t>Sexto nivel del esquema</a:t>
+            </a:r>
+            <a:endParaRPr b="0" lang="es-AR" sz="1800" spc="-1" strike="noStrike">
+              <a:latin typeface="Arial"/>
+            </a:endParaRPr>
+          </a:p>
+          <a:p>
+            <a:pPr lvl="6" marL="3024000" indent="-216000">
+              <a:spcBef>
+                <a:spcPts val="283"/>
+              </a:spcBef>
+              <a:buClr>
+                <a:srgbClr val="000000"/>
+              </a:buClr>
+              <a:buSzPct val="45000"/>
+              <a:buFont typeface="Wingdings" charset="2"/>
+              <a:buChar char=""/>
+            </a:pPr>
+            <a:r>
+              <a:rPr b="0" lang="es-AR" sz="1800" spc="-1" strike="noStrike">
+                <a:latin typeface="Arial"/>
+              </a:rPr>
+              <a:t>Séptimo nivel del esquema</a:t>
+            </a:r>
+            <a:endParaRPr b="0" lang="es-AR" sz="1800" spc="-1" strike="noStrike">
+              <a:latin typeface="Arial"/>
             </a:endParaRPr>
           </a:p>
         </p:txBody>
@@ -5745,13 +5882,13 @@
             <a:spLocks noGrp="1"/>
           </p:cNvSpPr>
           <p:nvPr>
-            <p:ph type="sldNum" idx="2"/>
+            <p:ph type="ftr" idx="1"/>
           </p:nvPr>
         </p:nvSpPr>
         <p:spPr>
           <a:xfrm>
-            <a:off x="6553080" y="6245280"/>
-            <a:ext cx="2133000" cy="475560"/>
+            <a:off x="3124080" y="6245280"/>
+            <a:ext cx="2894400" cy="475200"/>
           </a:xfrm>
           <a:prstGeom prst="rect">
             <a:avLst/>
@@ -5766,6 +5903,63 @@
             <a:noAutofit/>
           </a:bodyPr>
           <a:lstStyle>
+            <a:lvl1pPr algn="ctr">
+              <a:lnSpc>
+                <a:spcPct val="100000"/>
+              </a:lnSpc>
+              <a:buNone/>
+              <a:defRPr b="0" lang="es-AR" sz="1400" spc="-1" strike="noStrike">
+                <a:latin typeface="Times New Roman"/>
+              </a:defRPr>
+            </a:lvl1pPr>
+          </a:lstStyle>
+          <a:p>
+            <a:pPr algn="ctr">
+              <a:lnSpc>
+                <a:spcPct val="100000"/>
+              </a:lnSpc>
+              <a:buNone/>
+            </a:pPr>
+            <a:r>
+              <a:rPr b="0" lang="es-AR" sz="1400" spc="-1" strike="noStrike">
+                <a:latin typeface="Times New Roman"/>
+              </a:rPr>
+              <a:t>&lt;pie de página&gt;</a:t>
+            </a:r>
+            <a:endParaRPr b="0" lang="es-AR" sz="1400" spc="-1" strike="noStrike">
+              <a:latin typeface="Times New Roman"/>
+            </a:endParaRPr>
+          </a:p>
+        </p:txBody>
+      </p:sp>
+      <p:sp>
+        <p:nvSpPr>
+          <p:cNvPr id="5" name="PlaceHolder 4"/>
+          <p:cNvSpPr>
+            <a:spLocks noGrp="1"/>
+          </p:cNvSpPr>
+          <p:nvPr>
+            <p:ph type="sldNum" idx="2"/>
+          </p:nvPr>
+        </p:nvSpPr>
+        <p:spPr>
+          <a:xfrm>
+            <a:off x="6553080" y="6245280"/>
+            <a:ext cx="2132640" cy="475200"/>
+          </a:xfrm>
+          <a:prstGeom prst="rect">
+            <a:avLst/>
+          </a:prstGeom>
+          <a:noFill/>
+          <a:ln w="0">
+            <a:noFill/>
+          </a:ln>
+        </p:spPr>
+        <p:txBody>
+          <a:bodyPr numCol="1" spcCol="0" lIns="90000" rIns="90000" tIns="45000" bIns="45000" anchor="t">
+            <a:noAutofit/>
+          </a:bodyPr>
+          <a:lstStyle>
             <a:lvl1pPr>
               <a:lnSpc>
                 <a:spcPct val="100000"/>
@@ -5783,7 +5977,7 @@
               </a:lnSpc>
               <a:buNone/>
             </a:pPr>
-            <a:fld id="{70186EA7-06C8-438E-B687-7DAEB6C55001}" type="slidenum">
+            <a:fld id="{4AA9A061-275D-464C-B8D5-7558649F89DA}" type="slidenum">
               <a:rPr b="0" lang="es-AR" sz="2400" spc="-1" strike="noStrike">
                 <a:latin typeface="Times New Roman"/>
               </a:rPr>
@@ -5797,7 +5991,7 @@
       </p:sp>
       <p:sp>
         <p:nvSpPr>
-          <p:cNvPr id="5" name="PlaceHolder 4"/>
+          <p:cNvPr id="6" name="PlaceHolder 5"/>
           <p:cNvSpPr>
             <a:spLocks noGrp="1"/>
           </p:cNvSpPr>
@@ -5808,7 +6002,7 @@
         <p:spPr>
           <a:xfrm>
             <a:off x="457200" y="6245280"/>
-            <a:ext cx="2133000" cy="475560"/>
+            <a:ext cx="2132640" cy="475200"/>
           </a:xfrm>
           <a:prstGeom prst="rect">
             <a:avLst/>
@@ -5838,195 +6032,6 @@
             </a:r>
             <a:endParaRPr b="0" lang="es-AR" sz="1400" spc="-1" strike="noStrike">
               <a:latin typeface="Times New Roman"/>
-            </a:endParaRPr>
-          </a:p>
-        </p:txBody>
-      </p:sp>
-      <p:sp>
-        <p:nvSpPr>
-          <p:cNvPr id="6" name="PlaceHolder 5"/>
-          <p:cNvSpPr>
-            <a:spLocks noGrp="1"/>
-          </p:cNvSpPr>
-          <p:nvPr>
-            <p:ph type="body"/>
-          </p:nvPr>
-        </p:nvSpPr>
-        <p:spPr>
-          <a:xfrm>
-            <a:off x="457200" y="1604520"/>
-            <a:ext cx="8229240" cy="3977280"/>
-          </a:xfrm>
-          <a:prstGeom prst="rect">
-            <a:avLst/>
-          </a:prstGeom>
-          <a:noFill/>
-          <a:ln w="0">
-            <a:noFill/>
-          </a:ln>
-        </p:spPr>
-        <p:txBody>
-          <a:bodyPr lIns="0" rIns="0" tIns="0" bIns="0" anchor="t">
-            <a:normAutofit/>
-          </a:bodyPr>
-          <a:p>
-            <a:pPr marL="432000" indent="-324000">
-              <a:spcBef>
-                <a:spcPts val="1417"/>
-              </a:spcBef>
-              <a:buClr>
-                <a:srgbClr val="000000"/>
-              </a:buClr>
-              <a:buSzPct val="45000"/>
-              <a:buFont typeface="Wingdings" charset="2"/>
-              <a:buChar char=""/>
-            </a:pPr>
-            <a:r>
-              <a:rPr b="0" lang="es-AR" sz="3200" spc="-1" strike="noStrike">
-                <a:latin typeface="Arial"/>
-              </a:rPr>
-              <a:t>Pulse para editar el formato de texto del </a:t>
-            </a:r>
-            <a:r>
-              <a:rPr b="0" lang="es-AR" sz="3200" spc="-1" strike="noStrike">
-                <a:latin typeface="Arial"/>
-              </a:rPr>
-              <a:t>esquema</a:t>
-            </a:r>
-            <a:endParaRPr b="0" lang="es-AR" sz="3200" spc="-1" strike="noStrike">
-              <a:latin typeface="Arial"/>
-            </a:endParaRPr>
-          </a:p>
-          <a:p>
-            <a:pPr lvl="1" marL="864000" indent="-324000">
-              <a:spcBef>
-                <a:spcPts val="1134"/>
-              </a:spcBef>
-              <a:buClr>
-                <a:srgbClr val="000000"/>
-              </a:buClr>
-              <a:buSzPct val="75000"/>
-              <a:buFont typeface="Symbol" charset="2"/>
-              <a:buChar char=""/>
-            </a:pPr>
-            <a:r>
-              <a:rPr b="0" lang="es-AR" sz="2800" spc="-1" strike="noStrike">
-                <a:latin typeface="Arial"/>
-              </a:rPr>
-              <a:t>Segundo nivel del esquema</a:t>
-            </a:r>
-            <a:endParaRPr b="0" lang="es-AR" sz="2800" spc="-1" strike="noStrike">
-              <a:latin typeface="Arial"/>
-            </a:endParaRPr>
-          </a:p>
-          <a:p>
-            <a:pPr lvl="2" marL="1296000" indent="-288000">
-              <a:spcBef>
-                <a:spcPts val="850"/>
-              </a:spcBef>
-              <a:buClr>
-                <a:srgbClr val="000000"/>
-              </a:buClr>
-              <a:buSzPct val="45000"/>
-              <a:buFont typeface="Wingdings" charset="2"/>
-              <a:buChar char=""/>
-            </a:pPr>
-            <a:r>
-              <a:rPr b="0" lang="es-AR" sz="2400" spc="-1" strike="noStrike">
-                <a:latin typeface="Arial"/>
-              </a:rPr>
-              <a:t>Tercer nivel del esquema</a:t>
-            </a:r>
-            <a:endParaRPr b="0" lang="es-AR" sz="2400" spc="-1" strike="noStrike">
-              <a:latin typeface="Arial"/>
-            </a:endParaRPr>
-          </a:p>
-          <a:p>
-            <a:pPr lvl="3" marL="1728000" indent="-216000">
-              <a:spcBef>
-                <a:spcPts val="567"/>
-              </a:spcBef>
-              <a:buClr>
-                <a:srgbClr val="000000"/>
-              </a:buClr>
-              <a:buSzPct val="75000"/>
-              <a:buFont typeface="Symbol" charset="2"/>
-              <a:buChar char=""/>
-            </a:pPr>
-            <a:r>
-              <a:rPr b="0" lang="es-AR" sz="2000" spc="-1" strike="noStrike">
-                <a:latin typeface="Arial"/>
-              </a:rPr>
-              <a:t>Cuarto nivel del esquema</a:t>
-            </a:r>
-            <a:endParaRPr b="0" lang="es-AR" sz="2000" spc="-1" strike="noStrike">
-              <a:latin typeface="Arial"/>
-            </a:endParaRPr>
-          </a:p>
-          <a:p>
-            <a:pPr lvl="4" marL="2160000" indent="-216000">
-              <a:spcBef>
-                <a:spcPts val="283"/>
-              </a:spcBef>
-              <a:buClr>
-                <a:srgbClr val="000000"/>
-              </a:buClr>
-              <a:buSzPct val="45000"/>
-              <a:buFont typeface="Wingdings" charset="2"/>
-              <a:buChar char=""/>
-            </a:pPr>
-            <a:r>
-              <a:rPr b="0" lang="es-AR" sz="2000" spc="-1" strike="noStrike">
-                <a:latin typeface="Arial"/>
-              </a:rPr>
-              <a:t>Quinto nivel del esquema</a:t>
-            </a:r>
-            <a:endParaRPr b="0" lang="es-AR" sz="2000" spc="-1" strike="noStrike">
-              <a:latin typeface="Arial"/>
-            </a:endParaRPr>
-          </a:p>
-          <a:p>
-            <a:pPr lvl="5" marL="2592000" indent="-216000">
-              <a:spcBef>
-                <a:spcPts val="283"/>
-              </a:spcBef>
-              <a:buClr>
-                <a:srgbClr val="000000"/>
-              </a:buClr>
-              <a:buSzPct val="45000"/>
-              <a:buFont typeface="Wingdings" charset="2"/>
-              <a:buChar char=""/>
-            </a:pPr>
-            <a:r>
-              <a:rPr b="0" lang="es-AR" sz="2000" spc="-1" strike="noStrike">
-                <a:latin typeface="Arial"/>
-              </a:rPr>
-              <a:t>Sexto nivel del esquema</a:t>
-            </a:r>
-            <a:endParaRPr b="0" lang="es-AR" sz="2000" spc="-1" strike="noStrike">
-              <a:latin typeface="Arial"/>
-            </a:endParaRPr>
-          </a:p>
-          <a:p>
-            <a:pPr lvl="6" marL="3024000" indent="-216000">
-              <a:spcBef>
-                <a:spcPts val="283"/>
-              </a:spcBef>
-              <a:buClr>
-                <a:srgbClr val="000000"/>
-              </a:buClr>
-              <a:buSzPct val="45000"/>
-              <a:buFont typeface="Wingdings" charset="2"/>
-              <a:buChar char=""/>
-            </a:pPr>
-            <a:r>
-              <a:rPr b="0" lang="es-AR" sz="2000" spc="-1" strike="noStrike">
-                <a:latin typeface="Arial"/>
-              </a:rPr>
-              <a:t>Séptimo nivel del esquema</a:t>
-            </a:r>
-            <a:endParaRPr b="0" lang="es-AR" sz="2000" spc="-1" strike="noStrike">
-              <a:latin typeface="Arial"/>
             </a:endParaRPr>
           </a:p>
         </p:txBody>
@@ -6088,7 +6093,7 @@
         <p:spPr>
           <a:xfrm>
             <a:off x="0" y="0"/>
-            <a:ext cx="9155880" cy="6857280"/>
+            <a:ext cx="9155520" cy="6856920"/>
           </a:xfrm>
           <a:prstGeom prst="rect">
             <a:avLst/>
@@ -6111,7 +6116,7 @@
         <p:spPr>
           <a:xfrm>
             <a:off x="3124080" y="6245280"/>
-            <a:ext cx="2894760" cy="475560"/>
+            <a:ext cx="2894400" cy="475200"/>
           </a:xfrm>
           <a:prstGeom prst="rect">
             <a:avLst/>
@@ -6168,7 +6173,7 @@
         <p:spPr>
           <a:xfrm>
             <a:off x="6553080" y="6245280"/>
-            <a:ext cx="2133000" cy="475560"/>
+            <a:ext cx="2132640" cy="475200"/>
           </a:xfrm>
           <a:prstGeom prst="rect">
             <a:avLst/>
@@ -6200,7 +6205,7 @@
               </a:lnSpc>
               <a:buNone/>
             </a:pPr>
-            <a:fld id="{11B0F76F-725B-45E7-9332-1FB703F3A504}" type="slidenum">
+            <a:fld id="{D4607CC9-9669-4537-BE68-4A7F382B8C93}" type="slidenum">
               <a:rPr b="0" lang="es-AR" sz="2400" spc="-1" strike="noStrike">
                 <a:latin typeface="Times New Roman"/>
               </a:rPr>
@@ -6225,7 +6230,7 @@
         <p:spPr>
           <a:xfrm>
             <a:off x="457200" y="6245280"/>
-            <a:ext cx="2133000" cy="475560"/>
+            <a:ext cx="2132640" cy="475200"/>
           </a:xfrm>
           <a:prstGeom prst="rect">
             <a:avLst/>
@@ -6535,7 +6540,7 @@
         <p:spPr>
           <a:xfrm>
             <a:off x="0" y="0"/>
-            <a:ext cx="9143280" cy="6857280"/>
+            <a:ext cx="9142920" cy="6856920"/>
           </a:xfrm>
           <a:prstGeom prst="rect">
             <a:avLst/>
@@ -6558,7 +6563,7 @@
         <p:spPr>
           <a:xfrm>
             <a:off x="685800" y="1159560"/>
-            <a:ext cx="7771680" cy="1469160"/>
+            <a:ext cx="7771320" cy="1468800"/>
           </a:xfrm>
           <a:prstGeom prst="rect">
             <a:avLst/>
@@ -6611,7 +6616,7 @@
         <p:spPr>
           <a:xfrm>
             <a:off x="685800" y="3624480"/>
-            <a:ext cx="6400080" cy="824760"/>
+            <a:ext cx="6399720" cy="824400"/>
           </a:xfrm>
           <a:prstGeom prst="rect">
             <a:avLst/>
@@ -6698,13 +6703,13 @@
       <p:sp>
         <p:nvSpPr>
           <p:cNvPr id="110" name="PlaceHolder 6"/>
-          <p:cNvSpPr txBox="1"/>
+          <p:cNvSpPr/>
           <p:nvPr/>
         </p:nvSpPr>
         <p:spPr>
           <a:xfrm>
             <a:off x="360000" y="2067840"/>
-            <a:ext cx="8228880" cy="3692160"/>
+            <a:ext cx="8228520" cy="3691800"/>
           </a:xfrm>
           <a:prstGeom prst="rect">
             <a:avLst/>
@@ -6714,6 +6719,12 @@
             <a:noFill/>
           </a:ln>
         </p:spPr>
+        <p:style>
+          <a:lnRef idx="0"/>
+          <a:fillRef idx="0"/>
+          <a:effectRef idx="0"/>
+          <a:fontRef idx="minor"/>
+        </p:style>
         <p:txBody>
           <a:bodyPr lIns="90000" rIns="90000" tIns="45000" bIns="45000" anchor="t">
             <a:noAutofit/>
@@ -6882,13 +6893,13 @@
       <p:sp>
         <p:nvSpPr>
           <p:cNvPr id="111" name="PlaceHolder 7"/>
-          <p:cNvSpPr txBox="1"/>
+          <p:cNvSpPr/>
           <p:nvPr/>
         </p:nvSpPr>
         <p:spPr>
           <a:xfrm>
             <a:off x="457200" y="190440"/>
-            <a:ext cx="8228880" cy="581760"/>
+            <a:ext cx="8228520" cy="581400"/>
           </a:xfrm>
           <a:prstGeom prst="rect">
             <a:avLst/>
@@ -6898,6 +6909,12 @@
             <a:noFill/>
           </a:ln>
         </p:spPr>
+        <p:style>
+          <a:lnRef idx="0"/>
+          <a:fillRef idx="0"/>
+          <a:effectRef idx="0"/>
+          <a:fontRef idx="minor"/>
+        </p:style>
         <p:txBody>
           <a:bodyPr lIns="90000" rIns="90000" tIns="45000" bIns="45000" anchor="ctr">
             <a:noAutofit/>
@@ -6958,13 +6975,13 @@
       <p:sp>
         <p:nvSpPr>
           <p:cNvPr id="112" name="PlaceHolder 8"/>
-          <p:cNvSpPr txBox="1"/>
+          <p:cNvSpPr/>
           <p:nvPr/>
         </p:nvSpPr>
         <p:spPr>
           <a:xfrm>
             <a:off x="457200" y="190440"/>
-            <a:ext cx="8228880" cy="581760"/>
+            <a:ext cx="8228520" cy="581400"/>
           </a:xfrm>
           <a:prstGeom prst="rect">
             <a:avLst/>
@@ -6974,6 +6991,12 @@
             <a:noFill/>
           </a:ln>
         </p:spPr>
+        <p:style>
+          <a:lnRef idx="0"/>
+          <a:fillRef idx="0"/>
+          <a:effectRef idx="0"/>
+          <a:fontRef idx="minor"/>
+        </p:style>
         <p:txBody>
           <a:bodyPr lIns="90000" rIns="90000" tIns="45000" bIns="45000" anchor="ctr">
             <a:noAutofit/>
@@ -7004,13 +7027,13 @@
       <p:sp>
         <p:nvSpPr>
           <p:cNvPr id="113" name="PlaceHolder 9"/>
-          <p:cNvSpPr txBox="1"/>
+          <p:cNvSpPr/>
           <p:nvPr/>
         </p:nvSpPr>
         <p:spPr>
           <a:xfrm>
             <a:off x="457200" y="987840"/>
-            <a:ext cx="8228880" cy="4952160"/>
+            <a:ext cx="8228520" cy="4951800"/>
           </a:xfrm>
           <a:prstGeom prst="rect">
             <a:avLst/>
@@ -7020,6 +7043,12 @@
             <a:noFill/>
           </a:ln>
         </p:spPr>
+        <p:style>
+          <a:lnRef idx="0"/>
+          <a:fillRef idx="0"/>
+          <a:effectRef idx="0"/>
+          <a:fontRef idx="minor"/>
+        </p:style>
         <p:txBody>
           <a:bodyPr lIns="90000" rIns="90000" tIns="45000" bIns="45000" anchor="t">
             <a:noAutofit/>
@@ -7578,13 +7607,13 @@
       <p:sp>
         <p:nvSpPr>
           <p:cNvPr id="114" name=""/>
-          <p:cNvSpPr txBox="1"/>
+          <p:cNvSpPr/>
           <p:nvPr/>
         </p:nvSpPr>
         <p:spPr>
           <a:xfrm>
             <a:off x="3420000" y="3240000"/>
-            <a:ext cx="5141880" cy="1882080"/>
+            <a:ext cx="5141520" cy="1881720"/>
           </a:xfrm>
           <a:prstGeom prst="rect">
             <a:avLst/>
@@ -7594,16 +7623,34 @@
             <a:noFill/>
           </a:ln>
         </p:spPr>
+        <p:style>
+          <a:lnRef idx="0"/>
+          <a:fillRef idx="0"/>
+          <a:effectRef idx="0"/>
+          <a:fontRef idx="minor"/>
+        </p:style>
         <p:txBody>
           <a:bodyPr lIns="90000" rIns="90000" tIns="45000" bIns="45000" anchor="t">
             <a:noAutofit/>
           </a:bodyPr>
           <a:p>
+            <a:pPr>
+              <a:lnSpc>
+                <a:spcPct val="100000"/>
+              </a:lnSpc>
+              <a:buNone/>
+            </a:pPr>
             <a:endParaRPr b="0" lang="es-AR" sz="1800" spc="-1" strike="noStrike">
               <a:latin typeface="Arial"/>
             </a:endParaRPr>
           </a:p>
           <a:p>
+            <a:pPr>
+              <a:lnSpc>
+                <a:spcPct val="100000"/>
+              </a:lnSpc>
+              <a:buNone/>
+            </a:pPr>
             <a:r>
               <a:rPr b="0" lang="en-US" sz="1800" spc="-1" strike="noStrike">
                 <a:solidFill>
@@ -7619,11 +7666,23 @@
             </a:endParaRPr>
           </a:p>
           <a:p>
+            <a:pPr>
+              <a:lnSpc>
+                <a:spcPct val="100000"/>
+              </a:lnSpc>
+              <a:buNone/>
+            </a:pPr>
             <a:endParaRPr b="0" lang="es-AR" sz="1800" spc="-1" strike="noStrike">
               <a:latin typeface="Arial"/>
             </a:endParaRPr>
           </a:p>
           <a:p>
+            <a:pPr>
+              <a:lnSpc>
+                <a:spcPct val="100000"/>
+              </a:lnSpc>
+              <a:buNone/>
+            </a:pPr>
             <a:r>
               <a:rPr b="0" lang="en-US" sz="1800" spc="-1" strike="noStrike">
                 <a:solidFill>
@@ -7639,11 +7698,23 @@
             </a:endParaRPr>
           </a:p>
           <a:p>
+            <a:pPr>
+              <a:lnSpc>
+                <a:spcPct val="100000"/>
+              </a:lnSpc>
+              <a:buNone/>
+            </a:pPr>
             <a:endParaRPr b="0" lang="es-AR" sz="1800" spc="-1" strike="noStrike">
               <a:latin typeface="Arial"/>
             </a:endParaRPr>
           </a:p>
           <a:p>
+            <a:pPr>
+              <a:lnSpc>
+                <a:spcPct val="100000"/>
+              </a:lnSpc>
+              <a:buNone/>
+            </a:pPr>
             <a:r>
               <a:rPr b="0" lang="en-US" sz="1800" spc="-1" strike="noStrike">
                 <a:solidFill>
@@ -7693,13 +7764,13 @@
       <p:sp>
         <p:nvSpPr>
           <p:cNvPr id="115" name="PlaceHolder 10"/>
-          <p:cNvSpPr txBox="1"/>
+          <p:cNvSpPr/>
           <p:nvPr/>
         </p:nvSpPr>
         <p:spPr>
           <a:xfrm>
             <a:off x="457200" y="190440"/>
-            <a:ext cx="8228880" cy="581760"/>
+            <a:ext cx="8228520" cy="581400"/>
           </a:xfrm>
           <a:prstGeom prst="rect">
             <a:avLst/>
@@ -7709,6 +7780,12 @@
             <a:noFill/>
           </a:ln>
         </p:spPr>
+        <p:style>
+          <a:lnRef idx="0"/>
+          <a:fillRef idx="0"/>
+          <a:effectRef idx="0"/>
+          <a:fontRef idx="minor"/>
+        </p:style>
         <p:txBody>
           <a:bodyPr lIns="90000" rIns="90000" tIns="45000" bIns="45000" anchor="ctr">
             <a:noAutofit/>
@@ -7739,13 +7816,13 @@
       <p:sp>
         <p:nvSpPr>
           <p:cNvPr id="116" name="PlaceHolder 11"/>
-          <p:cNvSpPr txBox="1"/>
+          <p:cNvSpPr/>
           <p:nvPr/>
         </p:nvSpPr>
         <p:spPr>
           <a:xfrm>
             <a:off x="457200" y="844200"/>
-            <a:ext cx="8228880" cy="4952160"/>
+            <a:ext cx="8228520" cy="4951800"/>
           </a:xfrm>
           <a:prstGeom prst="rect">
             <a:avLst/>
@@ -7755,6 +7832,12 @@
             <a:noFill/>
           </a:ln>
         </p:spPr>
+        <p:style>
+          <a:lnRef idx="0"/>
+          <a:fillRef idx="0"/>
+          <a:effectRef idx="0"/>
+          <a:fontRef idx="minor"/>
+        </p:style>
         <p:txBody>
           <a:bodyPr lIns="90000" rIns="90000" tIns="45000" bIns="45000" anchor="t">
             <a:noAutofit/>
@@ -8266,13 +8349,13 @@
       <p:sp>
         <p:nvSpPr>
           <p:cNvPr id="117" name="PlaceHolder 12"/>
-          <p:cNvSpPr txBox="1"/>
+          <p:cNvSpPr/>
           <p:nvPr/>
         </p:nvSpPr>
         <p:spPr>
           <a:xfrm>
             <a:off x="457200" y="190440"/>
-            <a:ext cx="8228880" cy="581760"/>
+            <a:ext cx="8228520" cy="581400"/>
           </a:xfrm>
           <a:prstGeom prst="rect">
             <a:avLst/>
@@ -8282,6 +8365,12 @@
             <a:noFill/>
           </a:ln>
         </p:spPr>
+        <p:style>
+          <a:lnRef idx="0"/>
+          <a:fillRef idx="0"/>
+          <a:effectRef idx="0"/>
+          <a:fontRef idx="minor"/>
+        </p:style>
         <p:txBody>
           <a:bodyPr lIns="90000" rIns="90000" tIns="45000" bIns="45000" anchor="ctr">
             <a:noAutofit/>
@@ -8312,13 +8401,13 @@
       <p:sp>
         <p:nvSpPr>
           <p:cNvPr id="118" name="PlaceHolder 13"/>
-          <p:cNvSpPr txBox="1"/>
+          <p:cNvSpPr/>
           <p:nvPr/>
         </p:nvSpPr>
         <p:spPr>
           <a:xfrm>
             <a:off x="457200" y="844200"/>
-            <a:ext cx="8228880" cy="4952160"/>
+            <a:ext cx="8228520" cy="4951800"/>
           </a:xfrm>
           <a:prstGeom prst="rect">
             <a:avLst/>
@@ -8328,6 +8417,12 @@
             <a:noFill/>
           </a:ln>
         </p:spPr>
+        <p:style>
+          <a:lnRef idx="0"/>
+          <a:fillRef idx="0"/>
+          <a:effectRef idx="0"/>
+          <a:fontRef idx="minor"/>
+        </p:style>
         <p:txBody>
           <a:bodyPr lIns="90000" rIns="90000" tIns="45000" bIns="45000" anchor="t">
             <a:noAutofit/>
@@ -8428,6 +8523,7 @@
               <a:spcBef>
                 <a:spcPts val="479"/>
               </a:spcBef>
+              <a:buNone/>
               <a:tabLst>
                 <a:tab algn="l" pos="0"/>
               </a:tabLst>
@@ -8454,6 +8550,7 @@
               <a:spcBef>
                 <a:spcPts val="479"/>
               </a:spcBef>
+              <a:buNone/>
               <a:tabLst>
                 <a:tab algn="l" pos="0"/>
               </a:tabLst>
@@ -8480,6 +8577,7 @@
               <a:spcBef>
                 <a:spcPts val="479"/>
               </a:spcBef>
+              <a:buNone/>
               <a:tabLst>
                 <a:tab algn="l" pos="0"/>
               </a:tabLst>
@@ -8506,6 +8604,7 @@
               <a:spcBef>
                 <a:spcPts val="479"/>
               </a:spcBef>
+              <a:buNone/>
               <a:tabLst>
                 <a:tab algn="l" pos="0"/>
               </a:tabLst>
@@ -8532,6 +8631,7 @@
               <a:spcBef>
                 <a:spcPts val="479"/>
               </a:spcBef>
+              <a:buNone/>
               <a:tabLst>
                 <a:tab algn="l" pos="0"/>
               </a:tabLst>
@@ -8585,13 +8685,13 @@
       <p:sp>
         <p:nvSpPr>
           <p:cNvPr id="119" name=""/>
-          <p:cNvSpPr txBox="1"/>
+          <p:cNvSpPr/>
           <p:nvPr/>
         </p:nvSpPr>
         <p:spPr>
           <a:xfrm>
             <a:off x="180000" y="720000"/>
-            <a:ext cx="8280000" cy="5220000"/>
+            <a:ext cx="8279640" cy="5219640"/>
           </a:xfrm>
           <a:prstGeom prst="rect">
             <a:avLst/>
@@ -8601,11 +8701,23 @@
             <a:noFill/>
           </a:ln>
         </p:spPr>
+        <p:style>
+          <a:lnRef idx="0"/>
+          <a:fillRef idx="0"/>
+          <a:effectRef idx="0"/>
+          <a:fontRef idx="minor"/>
+        </p:style>
         <p:txBody>
           <a:bodyPr lIns="90000" rIns="90000" tIns="45000" bIns="45000" anchor="t">
-            <a:normAutofit fontScale="82000"/>
+            <a:normAutofit fontScale="80000"/>
           </a:bodyPr>
           <a:p>
+            <a:pPr>
+              <a:lnSpc>
+                <a:spcPct val="100000"/>
+              </a:lnSpc>
+              <a:buNone/>
+            </a:pPr>
             <a:r>
               <a:rPr b="0" lang="es-AR" sz="2400" spc="-1" strike="noStrike">
                 <a:latin typeface="Arial"/>
@@ -8617,6 +8729,12 @@
             </a:endParaRPr>
           </a:p>
           <a:p>
+            <a:pPr>
+              <a:lnSpc>
+                <a:spcPct val="100000"/>
+              </a:lnSpc>
+              <a:buNone/>
+            </a:pPr>
             <a:r>
               <a:rPr b="0" lang="es-AR" sz="2400" spc="-1" strike="noStrike">
                 <a:latin typeface="Arial"/>
@@ -8634,6 +8752,12 @@
             </a:endParaRPr>
           </a:p>
           <a:p>
+            <a:pPr>
+              <a:lnSpc>
+                <a:spcPct val="100000"/>
+              </a:lnSpc>
+              <a:buNone/>
+            </a:pPr>
             <a:r>
               <a:rPr b="0" lang="es-AR" sz="2400" spc="-1" strike="noStrike">
                 <a:latin typeface="Arial"/>
@@ -8651,6 +8775,12 @@
             </a:endParaRPr>
           </a:p>
           <a:p>
+            <a:pPr>
+              <a:lnSpc>
+                <a:spcPct val="100000"/>
+              </a:lnSpc>
+              <a:buNone/>
+            </a:pPr>
             <a:r>
               <a:rPr b="0" lang="es-AR" sz="2400" spc="-1" strike="noStrike">
                 <a:latin typeface="Arial"/>
@@ -8668,6 +8798,12 @@
             </a:endParaRPr>
           </a:p>
           <a:p>
+            <a:pPr>
+              <a:lnSpc>
+                <a:spcPct val="100000"/>
+              </a:lnSpc>
+              <a:buNone/>
+            </a:pPr>
             <a:r>
               <a:rPr b="0" lang="es-AR" sz="2400" spc="-1" strike="noStrike">
                 <a:latin typeface="Arial"/>
@@ -8685,6 +8821,12 @@
             </a:endParaRPr>
           </a:p>
           <a:p>
+            <a:pPr>
+              <a:lnSpc>
+                <a:spcPct val="100000"/>
+              </a:lnSpc>
+              <a:buNone/>
+            </a:pPr>
             <a:r>
               <a:rPr b="0" lang="es-AR" sz="2400" spc="-1" strike="noStrike">
                 <a:latin typeface="Arial"/>
@@ -8696,6 +8838,12 @@
             </a:endParaRPr>
           </a:p>
           <a:p>
+            <a:pPr>
+              <a:lnSpc>
+                <a:spcPct val="100000"/>
+              </a:lnSpc>
+              <a:buNone/>
+            </a:pPr>
             <a:r>
               <a:rPr b="0" lang="es-AR" sz="2400" spc="-1" strike="noStrike">
                 <a:latin typeface="Arial"/>
@@ -8707,6 +8855,12 @@
             </a:endParaRPr>
           </a:p>
           <a:p>
+            <a:pPr>
+              <a:lnSpc>
+                <a:spcPct val="100000"/>
+              </a:lnSpc>
+              <a:buNone/>
+            </a:pPr>
             <a:r>
               <a:rPr b="0" lang="es-AR" sz="2400" spc="-1" strike="noStrike">
                 <a:latin typeface="Arial"/>
@@ -8724,6 +8878,12 @@
             </a:endParaRPr>
           </a:p>
           <a:p>
+            <a:pPr>
+              <a:lnSpc>
+                <a:spcPct val="100000"/>
+              </a:lnSpc>
+              <a:buNone/>
+            </a:pPr>
             <a:r>
               <a:rPr b="0" lang="es-AR" sz="2400" spc="-1" strike="noStrike">
                 <a:latin typeface="Arial"/>
@@ -8741,6 +8901,12 @@
             </a:endParaRPr>
           </a:p>
           <a:p>
+            <a:pPr>
+              <a:lnSpc>
+                <a:spcPct val="100000"/>
+              </a:lnSpc>
+              <a:buNone/>
+            </a:pPr>
             <a:r>
               <a:rPr b="0" lang="es-AR" sz="2400" spc="-1" strike="noStrike">
                 <a:latin typeface="Arial"/>
@@ -8758,6 +8924,12 @@
             </a:endParaRPr>
           </a:p>
           <a:p>
+            <a:pPr>
+              <a:lnSpc>
+                <a:spcPct val="100000"/>
+              </a:lnSpc>
+              <a:buNone/>
+            </a:pPr>
             <a:r>
               <a:rPr b="0" lang="es-AR" sz="2400" spc="-1" strike="noStrike">
                 <a:latin typeface="Arial"/>
@@ -8769,6 +8941,12 @@
             </a:endParaRPr>
           </a:p>
           <a:p>
+            <a:pPr>
+              <a:lnSpc>
+                <a:spcPct val="100000"/>
+              </a:lnSpc>
+              <a:buNone/>
+            </a:pPr>
             <a:endParaRPr b="0" lang="es-AR" sz="2200" spc="-1" strike="noStrike">
               <a:latin typeface="Arial"/>
             </a:endParaRPr>
@@ -8880,13 +9058,13 @@
       <p:sp>
         <p:nvSpPr>
           <p:cNvPr id="120" name=""/>
-          <p:cNvSpPr txBox="1"/>
+          <p:cNvSpPr/>
           <p:nvPr/>
         </p:nvSpPr>
         <p:spPr>
           <a:xfrm>
             <a:off x="4454640" y="720000"/>
-            <a:ext cx="4545360" cy="1965240"/>
+            <a:ext cx="4545000" cy="1964880"/>
           </a:xfrm>
           <a:prstGeom prst="rect">
             <a:avLst/>
@@ -8896,16 +9074,34 @@
             <a:noFill/>
           </a:ln>
         </p:spPr>
+        <p:style>
+          <a:lnRef idx="0"/>
+          <a:fillRef idx="0"/>
+          <a:effectRef idx="0"/>
+          <a:fontRef idx="minor"/>
+        </p:style>
         <p:txBody>
           <a:bodyPr lIns="90000" rIns="90000" tIns="45000" bIns="45000" anchor="t">
             <a:noAutofit/>
           </a:bodyPr>
           <a:p>
+            <a:pPr>
+              <a:lnSpc>
+                <a:spcPct val="100000"/>
+              </a:lnSpc>
+              <a:buNone/>
+            </a:pPr>
             <a:endParaRPr b="0" lang="es-AR" sz="2200" spc="-1" strike="noStrike">
               <a:latin typeface="Arial"/>
             </a:endParaRPr>
           </a:p>
           <a:p>
+            <a:pPr>
+              <a:lnSpc>
+                <a:spcPct val="100000"/>
+              </a:lnSpc>
+              <a:buNone/>
+            </a:pPr>
             <a:r>
               <a:rPr b="0" lang="es-AR" sz="2200" spc="-1" strike="noStrike">
                 <a:latin typeface="Arial"/>
@@ -8917,6 +9113,12 @@
             </a:endParaRPr>
           </a:p>
           <a:p>
+            <a:pPr>
+              <a:lnSpc>
+                <a:spcPct val="100000"/>
+              </a:lnSpc>
+              <a:buNone/>
+            </a:pPr>
             <a:r>
               <a:rPr b="0" lang="es-AR" sz="2200" spc="-1" strike="noStrike">
                 <a:latin typeface="Arial"/>
@@ -8934,6 +9136,12 @@
             </a:endParaRPr>
           </a:p>
           <a:p>
+            <a:pPr>
+              <a:lnSpc>
+                <a:spcPct val="100000"/>
+              </a:lnSpc>
+              <a:buNone/>
+            </a:pPr>
             <a:r>
               <a:rPr b="0" lang="es-AR" sz="2200" spc="-1" strike="noStrike">
                 <a:latin typeface="Arial"/>
@@ -8951,6 +9159,12 @@
             </a:endParaRPr>
           </a:p>
           <a:p>
+            <a:pPr>
+              <a:lnSpc>
+                <a:spcPct val="100000"/>
+              </a:lnSpc>
+              <a:buNone/>
+            </a:pPr>
             <a:r>
               <a:rPr b="0" lang="es-AR" sz="2200" spc="-1" strike="noStrike">
                 <a:latin typeface="Arial"/>
@@ -8968,6 +9182,12 @@
             </a:endParaRPr>
           </a:p>
           <a:p>
+            <a:pPr>
+              <a:lnSpc>
+                <a:spcPct val="100000"/>
+              </a:lnSpc>
+              <a:buNone/>
+            </a:pPr>
             <a:r>
               <a:rPr b="0" lang="es-AR" sz="2200" spc="-1" strike="noStrike">
                 <a:latin typeface="Arial"/>
@@ -9013,13 +9233,13 @@
       <p:sp>
         <p:nvSpPr>
           <p:cNvPr id="121" name=""/>
-          <p:cNvSpPr txBox="1"/>
+          <p:cNvSpPr/>
           <p:nvPr/>
         </p:nvSpPr>
         <p:spPr>
           <a:xfrm>
-            <a:off x="360000" y="352080"/>
-            <a:ext cx="8280000" cy="4507920"/>
+            <a:off x="278280" y="860040"/>
+            <a:ext cx="8279640" cy="4507560"/>
           </a:xfrm>
           <a:prstGeom prst="rect">
             <a:avLst/>
@@ -9029,11 +9249,23 @@
             <a:noFill/>
           </a:ln>
         </p:spPr>
+        <p:style>
+          <a:lnRef idx="0"/>
+          <a:fillRef idx="0"/>
+          <a:effectRef idx="0"/>
+          <a:fontRef idx="minor"/>
+        </p:style>
         <p:txBody>
           <a:bodyPr lIns="90000" rIns="90000" tIns="45000" bIns="45000" anchor="t">
-            <a:normAutofit fontScale="80000"/>
+            <a:normAutofit fontScale="79000"/>
           </a:bodyPr>
           <a:p>
+            <a:pPr>
+              <a:lnSpc>
+                <a:spcPct val="100000"/>
+              </a:lnSpc>
+              <a:buNone/>
+            </a:pPr>
             <a:r>
               <a:rPr b="0" lang="es-AR" sz="2600" spc="-1" strike="noStrike">
                 <a:latin typeface="Arial"/>
@@ -9045,6 +9277,12 @@
             </a:endParaRPr>
           </a:p>
           <a:p>
+            <a:pPr>
+              <a:lnSpc>
+                <a:spcPct val="100000"/>
+              </a:lnSpc>
+              <a:buNone/>
+            </a:pPr>
             <a:r>
               <a:rPr b="0" lang="es-AR" sz="2600" spc="-1" strike="noStrike">
                 <a:latin typeface="Arial"/>
@@ -9056,11 +9294,23 @@
             </a:endParaRPr>
           </a:p>
           <a:p>
+            <a:pPr>
+              <a:lnSpc>
+                <a:spcPct val="100000"/>
+              </a:lnSpc>
+              <a:buNone/>
+            </a:pPr>
             <a:endParaRPr b="0" lang="es-AR" sz="2600" spc="-1" strike="noStrike">
               <a:latin typeface="Arial"/>
             </a:endParaRPr>
           </a:p>
           <a:p>
+            <a:pPr>
+              <a:lnSpc>
+                <a:spcPct val="100000"/>
+              </a:lnSpc>
+              <a:buNone/>
+            </a:pPr>
             <a:r>
               <a:rPr b="0" lang="es-AR" sz="2600" spc="-1" strike="noStrike">
                 <a:latin typeface="Arial"/>
@@ -9072,6 +9322,12 @@
             </a:endParaRPr>
           </a:p>
           <a:p>
+            <a:pPr>
+              <a:lnSpc>
+                <a:spcPct val="100000"/>
+              </a:lnSpc>
+              <a:buNone/>
+            </a:pPr>
             <a:r>
               <a:rPr b="0" lang="es-AR" sz="2600" spc="-1" strike="noStrike">
                 <a:latin typeface="Arial"/>
@@ -9089,6 +9345,12 @@
             </a:endParaRPr>
           </a:p>
           <a:p>
+            <a:pPr>
+              <a:lnSpc>
+                <a:spcPct val="100000"/>
+              </a:lnSpc>
+              <a:buNone/>
+            </a:pPr>
             <a:r>
               <a:rPr b="0" lang="es-AR" sz="2600" spc="-1" strike="noStrike">
                 <a:latin typeface="Arial"/>
@@ -9106,6 +9368,12 @@
             </a:endParaRPr>
           </a:p>
           <a:p>
+            <a:pPr>
+              <a:lnSpc>
+                <a:spcPct val="100000"/>
+              </a:lnSpc>
+              <a:buNone/>
+            </a:pPr>
             <a:r>
               <a:rPr b="0" lang="es-AR" sz="2600" spc="-1" strike="noStrike">
                 <a:latin typeface="Arial"/>
@@ -9117,11 +9385,23 @@
             </a:endParaRPr>
           </a:p>
           <a:p>
+            <a:pPr>
+              <a:lnSpc>
+                <a:spcPct val="100000"/>
+              </a:lnSpc>
+              <a:buNone/>
+            </a:pPr>
             <a:endParaRPr b="0" lang="es-AR" sz="2600" spc="-1" strike="noStrike">
               <a:latin typeface="Arial"/>
             </a:endParaRPr>
           </a:p>
           <a:p>
+            <a:pPr>
+              <a:lnSpc>
+                <a:spcPct val="100000"/>
+              </a:lnSpc>
+              <a:buNone/>
+            </a:pPr>
             <a:r>
               <a:rPr b="0" lang="es-AR" sz="2600" spc="-1" strike="noStrike">
                 <a:latin typeface="Arial"/>
@@ -9133,6 +9413,12 @@
             </a:endParaRPr>
           </a:p>
           <a:p>
+            <a:pPr>
+              <a:lnSpc>
+                <a:spcPct val="100000"/>
+              </a:lnSpc>
+              <a:buNone/>
+            </a:pPr>
             <a:r>
               <a:rPr b="0" lang="es-AR" sz="2600" spc="-1" strike="noStrike">
                 <a:latin typeface="Arial"/>
@@ -9150,6 +9436,12 @@
             </a:endParaRPr>
           </a:p>
           <a:p>
+            <a:pPr>
+              <a:lnSpc>
+                <a:spcPct val="100000"/>
+              </a:lnSpc>
+              <a:buNone/>
+            </a:pPr>
             <a:r>
               <a:rPr b="0" lang="es-AR" sz="2600" spc="-1" strike="noStrike">
                 <a:latin typeface="Arial"/>
@@ -9161,11 +9453,23 @@
             </a:endParaRPr>
           </a:p>
           <a:p>
+            <a:pPr>
+              <a:lnSpc>
+                <a:spcPct val="100000"/>
+              </a:lnSpc>
+              <a:buNone/>
+            </a:pPr>
             <a:endParaRPr b="0" lang="es-AR" sz="2600" spc="-1" strike="noStrike">
               <a:latin typeface="Arial"/>
             </a:endParaRPr>
           </a:p>
           <a:p>
+            <a:pPr>
+              <a:lnSpc>
+                <a:spcPct val="100000"/>
+              </a:lnSpc>
+              <a:buNone/>
+            </a:pPr>
             <a:r>
               <a:rPr b="0" lang="es-AR" sz="2600" spc="-1" strike="noStrike">
                 <a:latin typeface="Arial"/>
@@ -9211,13 +9515,13 @@
       <p:sp>
         <p:nvSpPr>
           <p:cNvPr id="122" name=""/>
-          <p:cNvSpPr txBox="1"/>
+          <p:cNvSpPr/>
           <p:nvPr/>
         </p:nvSpPr>
         <p:spPr>
           <a:xfrm>
             <a:off x="180000" y="900000"/>
-            <a:ext cx="8820000" cy="6067800"/>
+            <a:ext cx="8819640" cy="6067440"/>
           </a:xfrm>
           <a:prstGeom prst="rect">
             <a:avLst/>
@@ -9227,11 +9531,23 @@
             <a:noFill/>
           </a:ln>
         </p:spPr>
+        <p:style>
+          <a:lnRef idx="0"/>
+          <a:fillRef idx="0"/>
+          <a:effectRef idx="0"/>
+          <a:fontRef idx="minor"/>
+        </p:style>
         <p:txBody>
           <a:bodyPr lIns="90000" rIns="90000" tIns="45000" bIns="45000" anchor="t">
             <a:noAutofit/>
           </a:bodyPr>
           <a:p>
+            <a:pPr>
+              <a:lnSpc>
+                <a:spcPct val="100000"/>
+              </a:lnSpc>
+              <a:buNone/>
+            </a:pPr>
             <a:r>
               <a:rPr b="0" lang="es-AR" sz="2100" spc="-1" strike="noStrike">
                 <a:latin typeface="Arial"/>
@@ -9243,6 +9559,12 @@
             </a:endParaRPr>
           </a:p>
           <a:p>
+            <a:pPr>
+              <a:lnSpc>
+                <a:spcPct val="100000"/>
+              </a:lnSpc>
+              <a:buNone/>
+            </a:pPr>
             <a:r>
               <a:rPr b="0" lang="es-AR" sz="2100" spc="-1" strike="noStrike">
                 <a:latin typeface="Arial"/>
@@ -9260,6 +9582,12 @@
             </a:endParaRPr>
           </a:p>
           <a:p>
+            <a:pPr>
+              <a:lnSpc>
+                <a:spcPct val="100000"/>
+              </a:lnSpc>
+              <a:buNone/>
+            </a:pPr>
             <a:r>
               <a:rPr b="0" lang="es-AR" sz="2100" spc="-1" strike="noStrike">
                 <a:latin typeface="Arial"/>
@@ -9277,6 +9605,12 @@
             </a:endParaRPr>
           </a:p>
           <a:p>
+            <a:pPr>
+              <a:lnSpc>
+                <a:spcPct val="100000"/>
+              </a:lnSpc>
+              <a:buNone/>
+            </a:pPr>
             <a:r>
               <a:rPr b="0" lang="es-AR" sz="2100" spc="-1" strike="noStrike">
                 <a:latin typeface="Arial"/>
@@ -9294,6 +9628,12 @@
             </a:endParaRPr>
           </a:p>
           <a:p>
+            <a:pPr>
+              <a:lnSpc>
+                <a:spcPct val="100000"/>
+              </a:lnSpc>
+              <a:buNone/>
+            </a:pPr>
             <a:r>
               <a:rPr b="0" lang="es-AR" sz="2100" spc="-1" strike="noStrike">
                 <a:latin typeface="Arial"/>
@@ -9311,6 +9651,12 @@
             </a:endParaRPr>
           </a:p>
           <a:p>
+            <a:pPr>
+              <a:lnSpc>
+                <a:spcPct val="100000"/>
+              </a:lnSpc>
+              <a:buNone/>
+            </a:pPr>
             <a:r>
               <a:rPr b="0" lang="es-AR" sz="2100" spc="-1" strike="noStrike">
                 <a:latin typeface="Arial"/>
@@ -9322,11 +9668,23 @@
             </a:endParaRPr>
           </a:p>
           <a:p>
+            <a:pPr>
+              <a:lnSpc>
+                <a:spcPct val="100000"/>
+              </a:lnSpc>
+              <a:buNone/>
+            </a:pPr>
             <a:endParaRPr b="0" lang="es-AR" sz="2100" spc="-1" strike="noStrike">
               <a:latin typeface="Arial"/>
             </a:endParaRPr>
           </a:p>
           <a:p>
+            <a:pPr>
+              <a:lnSpc>
+                <a:spcPct val="100000"/>
+              </a:lnSpc>
+              <a:buNone/>
+            </a:pPr>
             <a:r>
               <a:rPr b="0" lang="es-AR" sz="2100" spc="-1" strike="noStrike">
                 <a:latin typeface="Arial"/>
@@ -9338,6 +9696,12 @@
             </a:endParaRPr>
           </a:p>
           <a:p>
+            <a:pPr>
+              <a:lnSpc>
+                <a:spcPct val="100000"/>
+              </a:lnSpc>
+              <a:buNone/>
+            </a:pPr>
             <a:r>
               <a:rPr b="0" lang="es-AR" sz="2100" spc="-1" strike="noStrike">
                 <a:latin typeface="Arial"/>
@@ -9349,11 +9713,23 @@
             </a:endParaRPr>
           </a:p>
           <a:p>
+            <a:pPr>
+              <a:lnSpc>
+                <a:spcPct val="100000"/>
+              </a:lnSpc>
+              <a:buNone/>
+            </a:pPr>
             <a:endParaRPr b="0" lang="es-AR" sz="2100" spc="-1" strike="noStrike">
               <a:latin typeface="Arial"/>
             </a:endParaRPr>
           </a:p>
           <a:p>
+            <a:pPr>
+              <a:lnSpc>
+                <a:spcPct val="100000"/>
+              </a:lnSpc>
+              <a:buNone/>
+            </a:pPr>
             <a:r>
               <a:rPr b="0" lang="es-AR" sz="2100" spc="-1" strike="noStrike">
                 <a:latin typeface="Arial"/>
@@ -9365,6 +9741,12 @@
             </a:endParaRPr>
           </a:p>
           <a:p>
+            <a:pPr>
+              <a:lnSpc>
+                <a:spcPct val="100000"/>
+              </a:lnSpc>
+              <a:buNone/>
+            </a:pPr>
             <a:r>
               <a:rPr b="0" lang="es-AR" sz="2100" spc="-1" strike="noStrike">
                 <a:latin typeface="Arial"/>
@@ -9376,11 +9758,23 @@
             </a:endParaRPr>
           </a:p>
           <a:p>
+            <a:pPr>
+              <a:lnSpc>
+                <a:spcPct val="100000"/>
+              </a:lnSpc>
+              <a:buNone/>
+            </a:pPr>
             <a:endParaRPr b="0" lang="es-AR" sz="2100" spc="-1" strike="noStrike">
               <a:latin typeface="Arial"/>
             </a:endParaRPr>
           </a:p>
           <a:p>
+            <a:pPr>
+              <a:lnSpc>
+                <a:spcPct val="100000"/>
+              </a:lnSpc>
+              <a:buNone/>
+            </a:pPr>
             <a:endParaRPr b="0" lang="es-AR" sz="2100" spc="-1" strike="noStrike">
               <a:latin typeface="Arial"/>
             </a:endParaRPr>
@@ -9420,13 +9814,13 @@
       <p:sp>
         <p:nvSpPr>
           <p:cNvPr id="123" name=""/>
-          <p:cNvSpPr txBox="1"/>
+          <p:cNvSpPr/>
           <p:nvPr/>
         </p:nvSpPr>
         <p:spPr>
           <a:xfrm>
-            <a:off x="135360" y="180000"/>
-            <a:ext cx="8504640" cy="6745320"/>
+            <a:off x="135360" y="720000"/>
+            <a:ext cx="8504280" cy="6204960"/>
           </a:xfrm>
           <a:prstGeom prst="rect">
             <a:avLst/>
@@ -9436,11 +9830,23 @@
             <a:noFill/>
           </a:ln>
         </p:spPr>
+        <p:style>
+          <a:lnRef idx="0"/>
+          <a:fillRef idx="0"/>
+          <a:effectRef idx="0"/>
+          <a:fontRef idx="minor"/>
+        </p:style>
         <p:txBody>
           <a:bodyPr lIns="90000" rIns="90000" tIns="45000" bIns="45000" anchor="t">
             <a:noAutofit/>
           </a:bodyPr>
           <a:p>
+            <a:pPr>
+              <a:lnSpc>
+                <a:spcPct val="100000"/>
+              </a:lnSpc>
+              <a:buNone/>
+            </a:pPr>
             <a:r>
               <a:rPr b="0" lang="es-AR" sz="1800" spc="-1" strike="noStrike">
                 <a:latin typeface="Arial"/>
@@ -9452,37 +9858,109 @@
             </a:endParaRPr>
           </a:p>
           <a:p>
+            <a:pPr>
+              <a:lnSpc>
+                <a:spcPct val="100000"/>
+              </a:lnSpc>
+              <a:buNone/>
+            </a:pPr>
             <a:endParaRPr b="0" lang="es-AR" sz="1800" spc="-1" strike="noStrike">
               <a:latin typeface="Arial"/>
             </a:endParaRPr>
           </a:p>
           <a:p>
+            <a:pPr>
+              <a:lnSpc>
+                <a:spcPct val="100000"/>
+              </a:lnSpc>
+              <a:buNone/>
+            </a:pPr>
+            <a:r>
+              <a:rPr b="0" lang="es-AR" sz="1800" spc="-1" strike="noStrike">
+                <a:latin typeface="Arial"/>
+              </a:rPr>
+              <a:t>class Caja&lt;out T&gt; {</a:t>
+            </a:r>
             <a:endParaRPr b="0" lang="es-AR" sz="1800" spc="-1" strike="noStrike">
               <a:latin typeface="Arial"/>
             </a:endParaRPr>
           </a:p>
           <a:p>
+            <a:pPr>
+              <a:lnSpc>
+                <a:spcPct val="100000"/>
+              </a:lnSpc>
+              <a:buNone/>
+            </a:pPr>
+            <a:r>
+              <a:rPr b="0" lang="es-AR" sz="1800" spc="-1" strike="noStrike">
+                <a:latin typeface="Arial"/>
+              </a:rPr>
+              <a:t>    </a:t>
+            </a:r>
+            <a:r>
+              <a:rPr b="0" lang="es-AR" sz="1800" spc="-1" strike="noStrike">
+                <a:latin typeface="Arial"/>
+              </a:rPr>
+              <a:t>readonly contenido: T;</a:t>
+            </a:r>
             <a:endParaRPr b="0" lang="es-AR" sz="1800" spc="-1" strike="noStrike">
               <a:latin typeface="Arial"/>
             </a:endParaRPr>
           </a:p>
           <a:p>
+            <a:pPr>
+              <a:lnSpc>
+                <a:spcPct val="100000"/>
+              </a:lnSpc>
+              <a:buNone/>
+            </a:pPr>
             <a:r>
               <a:rPr b="0" lang="es-AR" sz="1800" spc="-1" strike="noStrike">
                 <a:latin typeface="Arial"/>
               </a:rPr>
-              <a:t>class Caja&lt;out T&gt; {</a:t>
+              <a:t>    </a:t>
+            </a:r>
+            <a:r>
+              <a:rPr b="0" lang="es-AR" sz="1800" spc="-1" strike="noStrike">
+                <a:latin typeface="Arial"/>
+              </a:rPr>
+              <a:t>constructor(contenido: T) {</a:t>
             </a:r>
             <a:endParaRPr b="0" lang="es-AR" sz="1800" spc="-1" strike="noStrike">
               <a:latin typeface="Arial"/>
             </a:endParaRPr>
           </a:p>
           <a:p>
+            <a:pPr>
+              <a:lnSpc>
+                <a:spcPct val="100000"/>
+              </a:lnSpc>
+              <a:buNone/>
+            </a:pPr>
+            <a:r>
+              <a:rPr b="0" lang="es-AR" sz="1800" spc="-1" strike="noStrike">
+                <a:latin typeface="Arial"/>
+              </a:rPr>
+              <a:t>        </a:t>
+            </a:r>
+            <a:r>
+              <a:rPr b="0" lang="es-AR" sz="1800" spc="-1" strike="noStrike">
+                <a:latin typeface="Arial"/>
+              </a:rPr>
+              <a:t>this.contenido = contenido;</a:t>
+            </a:r>
             <a:endParaRPr b="0" lang="es-AR" sz="1800" spc="-1" strike="noStrike">
               <a:latin typeface="Arial"/>
             </a:endParaRPr>
           </a:p>
           <a:p>
+            <a:pPr>
+              <a:lnSpc>
+                <a:spcPct val="100000"/>
+              </a:lnSpc>
+              <a:buNone/>
+            </a:pPr>
             <a:r>
               <a:rPr b="0" lang="es-AR" sz="1800" spc="-1" strike="noStrike">
                 <a:latin typeface="Arial"/>
@@ -9493,159 +9971,115 @@
               <a:rPr b="0" lang="es-AR" sz="1800" spc="-1" strike="noStrike">
                 <a:latin typeface="Arial"/>
               </a:rPr>
-              <a:t>readonly contenido: T;</a:t>
+              <a:t>}</a:t>
             </a:r>
             <a:endParaRPr b="0" lang="es-AR" sz="1800" spc="-1" strike="noStrike">
               <a:latin typeface="Arial"/>
             </a:endParaRPr>
           </a:p>
           <a:p>
+            <a:pPr>
+              <a:lnSpc>
+                <a:spcPct val="100000"/>
+              </a:lnSpc>
+              <a:buNone/>
+            </a:pPr>
+            <a:r>
+              <a:rPr b="0" lang="es-AR" sz="1800" spc="-1" strike="noStrike">
+                <a:latin typeface="Arial"/>
+              </a:rPr>
+              <a:t>}</a:t>
+            </a:r>
             <a:endParaRPr b="0" lang="es-AR" sz="1800" spc="-1" strike="noStrike">
               <a:latin typeface="Arial"/>
             </a:endParaRPr>
           </a:p>
           <a:p>
+            <a:pPr>
+              <a:lnSpc>
+                <a:spcPct val="100000"/>
+              </a:lnSpc>
+              <a:buNone/>
+            </a:pPr>
+            <a:endParaRPr b="0" lang="es-AR" sz="1800" spc="-1" strike="noStrike">
+              <a:latin typeface="Arial"/>
+            </a:endParaRPr>
+          </a:p>
+          <a:p>
+            <a:pPr>
+              <a:lnSpc>
+                <a:spcPct val="100000"/>
+              </a:lnSpc>
+              <a:buNone/>
+            </a:pPr>
             <a:r>
               <a:rPr b="0" lang="es-AR" sz="1800" spc="-1" strike="noStrike">
                 <a:latin typeface="Arial"/>
               </a:rPr>
-              <a:t>    </a:t>
-            </a:r>
+              <a:t>const cajaAnimal: Caja&lt;Animal&gt; = new Caja(new Animal("Elefante"));</a:t>
+            </a:r>
+            <a:endParaRPr b="0" lang="es-AR" sz="1800" spc="-1" strike="noStrike">
+              <a:latin typeface="Arial"/>
+            </a:endParaRPr>
+          </a:p>
+          <a:p>
+            <a:pPr>
+              <a:lnSpc>
+                <a:spcPct val="100000"/>
+              </a:lnSpc>
+              <a:buNone/>
+            </a:pPr>
             <a:r>
               <a:rPr b="0" lang="es-AR" sz="1800" spc="-1" strike="noStrike">
                 <a:latin typeface="Arial"/>
               </a:rPr>
-              <a:t>constructor(contenido: T) {</a:t>
+              <a:t>const cajaPerro: Caja&lt;Perro&gt; = new Caja(new Perro("Max"));</a:t>
             </a:r>
             <a:endParaRPr b="0" lang="es-AR" sz="1800" spc="-1" strike="noStrike">
               <a:latin typeface="Arial"/>
             </a:endParaRPr>
           </a:p>
           <a:p>
+            <a:pPr>
+              <a:lnSpc>
+                <a:spcPct val="100000"/>
+              </a:lnSpc>
+              <a:buNone/>
+            </a:pPr>
+            <a:r>
+              <a:rPr b="0" lang="es-AR" sz="1800" spc="-1" strike="noStrike">
+                <a:latin typeface="Arial"/>
+              </a:rPr>
+              <a:t>// Como la propiedad es de solo lectura, es covariante</a:t>
+            </a:r>
             <a:endParaRPr b="0" lang="es-AR" sz="1800" spc="-1" strike="noStrike">
               <a:latin typeface="Arial"/>
             </a:endParaRPr>
           </a:p>
           <a:p>
+            <a:pPr>
+              <a:lnSpc>
+                <a:spcPct val="100000"/>
+              </a:lnSpc>
+              <a:buNone/>
+            </a:pPr>
             <a:r>
               <a:rPr b="0" lang="es-AR" sz="1800" spc="-1" strike="noStrike">
                 <a:latin typeface="Arial"/>
               </a:rPr>
-              <a:t>        </a:t>
-            </a:r>
-            <a:r>
-              <a:rPr b="0" lang="es-AR" sz="1800" spc="-1" strike="noStrike">
-                <a:latin typeface="Arial"/>
-              </a:rPr>
-              <a:t>this.contenido = contenido;</a:t>
+              <a:t>const otraCajaAnimal: Caja&lt;Animal&gt; = cajaPerro; // Funciona</a:t>
             </a:r>
             <a:endParaRPr b="0" lang="es-AR" sz="1800" spc="-1" strike="noStrike">
               <a:latin typeface="Arial"/>
             </a:endParaRPr>
           </a:p>
           <a:p>
-            <a:endParaRPr b="0" lang="es-AR" sz="1800" spc="-1" strike="noStrike">
-              <a:latin typeface="Arial"/>
-            </a:endParaRPr>
-          </a:p>
-          <a:p>
-            <a:r>
-              <a:rPr b="0" lang="es-AR" sz="1800" spc="-1" strike="noStrike">
-                <a:latin typeface="Arial"/>
-              </a:rPr>
-              <a:t>    </a:t>
-            </a:r>
-            <a:r>
-              <a:rPr b="0" lang="es-AR" sz="1800" spc="-1" strike="noStrike">
-                <a:latin typeface="Arial"/>
-              </a:rPr>
-              <a:t>}</a:t>
-            </a:r>
-            <a:endParaRPr b="0" lang="es-AR" sz="1800" spc="-1" strike="noStrike">
-              <a:latin typeface="Arial"/>
-            </a:endParaRPr>
-          </a:p>
-          <a:p>
-            <a:endParaRPr b="0" lang="es-AR" sz="1800" spc="-1" strike="noStrike">
-              <a:latin typeface="Arial"/>
-            </a:endParaRPr>
-          </a:p>
-          <a:p>
-            <a:r>
-              <a:rPr b="0" lang="es-AR" sz="1800" spc="-1" strike="noStrike">
-                <a:latin typeface="Arial"/>
-              </a:rPr>
-              <a:t>}</a:t>
-            </a:r>
-            <a:endParaRPr b="0" lang="es-AR" sz="1800" spc="-1" strike="noStrike">
-              <a:latin typeface="Arial"/>
-            </a:endParaRPr>
-          </a:p>
-          <a:p>
-            <a:endParaRPr b="0" lang="es-AR" sz="1800" spc="-1" strike="noStrike">
-              <a:latin typeface="Arial"/>
-            </a:endParaRPr>
-          </a:p>
-          <a:p>
-            <a:r>
-              <a:rPr b="0" lang="es-AR" sz="1800" spc="-1" strike="noStrike">
-                <a:latin typeface="Arial"/>
-              </a:rPr>
-              <a:t>const cajaAnimal: Caja&lt;Animal&gt; = new Caja(new Animal("Elefante"));</a:t>
-            </a:r>
-            <a:endParaRPr b="0" lang="es-AR" sz="1800" spc="-1" strike="noStrike">
-              <a:latin typeface="Arial"/>
-            </a:endParaRPr>
-          </a:p>
-          <a:p>
-            <a:endParaRPr b="0" lang="es-AR" sz="1800" spc="-1" strike="noStrike">
-              <a:latin typeface="Arial"/>
-            </a:endParaRPr>
-          </a:p>
-          <a:p>
-            <a:r>
-              <a:rPr b="0" lang="es-AR" sz="1800" spc="-1" strike="noStrike">
-                <a:latin typeface="Arial"/>
-              </a:rPr>
-              <a:t>const cajaPerro: Caja&lt;Perro&gt; = new Caja(new Perro("Max"));</a:t>
-            </a:r>
-            <a:endParaRPr b="0" lang="es-AR" sz="1800" spc="-1" strike="noStrike">
-              <a:latin typeface="Arial"/>
-            </a:endParaRPr>
-          </a:p>
-          <a:p>
-            <a:endParaRPr b="0" lang="es-AR" sz="1800" spc="-1" strike="noStrike">
-              <a:latin typeface="Arial"/>
-            </a:endParaRPr>
-          </a:p>
-          <a:p>
-            <a:r>
-              <a:rPr b="0" lang="es-AR" sz="1800" spc="-1" strike="noStrike">
-                <a:latin typeface="Arial"/>
-              </a:rPr>
-              <a:t>// Como la propiedad es de solo lectura, es covariante</a:t>
-            </a:r>
-            <a:endParaRPr b="0" lang="es-AR" sz="1800" spc="-1" strike="noStrike">
-              <a:latin typeface="Arial"/>
-            </a:endParaRPr>
-          </a:p>
-          <a:p>
-            <a:endParaRPr b="0" lang="es-AR" sz="1800" spc="-1" strike="noStrike">
-              <a:latin typeface="Arial"/>
-            </a:endParaRPr>
-          </a:p>
-          <a:p>
-            <a:r>
-              <a:rPr b="0" lang="es-AR" sz="1800" spc="-1" strike="noStrike">
-                <a:latin typeface="Arial"/>
-              </a:rPr>
-              <a:t>const otraCajaAnimal: Caja&lt;Animal&gt; = cajaPerro; // Funciona</a:t>
-            </a:r>
-            <a:endParaRPr b="0" lang="es-AR" sz="1800" spc="-1" strike="noStrike">
-              <a:latin typeface="Arial"/>
-            </a:endParaRPr>
-          </a:p>
-          <a:p>
+            <a:pPr>
+              <a:lnSpc>
+                <a:spcPct val="100000"/>
+              </a:lnSpc>
+              <a:buNone/>
+            </a:pPr>
             <a:endParaRPr b="0" lang="es-AR" sz="1800" spc="-1" strike="noStrike">
               <a:latin typeface="Arial"/>
             </a:endParaRPr>
@@ -9685,13 +10119,13 @@
       <p:sp>
         <p:nvSpPr>
           <p:cNvPr id="124" name=""/>
-          <p:cNvSpPr txBox="1"/>
+          <p:cNvSpPr/>
           <p:nvPr/>
         </p:nvSpPr>
         <p:spPr>
           <a:xfrm>
             <a:off x="252000" y="432000"/>
-            <a:ext cx="8568000" cy="6111360"/>
+            <a:ext cx="8567640" cy="6111000"/>
           </a:xfrm>
           <a:prstGeom prst="rect">
             <a:avLst/>
@@ -9701,11 +10135,23 @@
             <a:noFill/>
           </a:ln>
         </p:spPr>
+        <p:style>
+          <a:lnRef idx="0"/>
+          <a:fillRef idx="0"/>
+          <a:effectRef idx="0"/>
+          <a:fontRef idx="minor"/>
+        </p:style>
         <p:txBody>
           <a:bodyPr lIns="90000" rIns="90000" tIns="45000" bIns="45000" anchor="t">
             <a:noAutofit/>
           </a:bodyPr>
           <a:p>
+            <a:pPr>
+              <a:lnSpc>
+                <a:spcPct val="100000"/>
+              </a:lnSpc>
+              <a:buNone/>
+            </a:pPr>
             <a:r>
               <a:rPr b="0" lang="es-AR" sz="1700" spc="-1" strike="noStrike">
                 <a:latin typeface="Arial"/>
@@ -9717,11 +10163,23 @@
             </a:endParaRPr>
           </a:p>
           <a:p>
+            <a:pPr>
+              <a:lnSpc>
+                <a:spcPct val="100000"/>
+              </a:lnSpc>
+              <a:buNone/>
+            </a:pPr>
             <a:endParaRPr b="0" lang="es-AR" sz="1700" spc="-1" strike="noStrike">
               <a:latin typeface="Arial"/>
             </a:endParaRPr>
           </a:p>
           <a:p>
+            <a:pPr>
+              <a:lnSpc>
+                <a:spcPct val="100000"/>
+              </a:lnSpc>
+              <a:buNone/>
+            </a:pPr>
             <a:r>
               <a:rPr b="0" lang="es-AR" sz="1700" spc="-1" strike="noStrike">
                 <a:latin typeface="Arial"/>
@@ -9733,11 +10191,35 @@
             </a:endParaRPr>
           </a:p>
           <a:p>
+            <a:pPr>
+              <a:lnSpc>
+                <a:spcPct val="100000"/>
+              </a:lnSpc>
+              <a:buNone/>
+            </a:pPr>
+            <a:r>
+              <a:rPr b="0" lang="es-AR" sz="1700" spc="-1" strike="noStrike">
+                <a:latin typeface="Arial"/>
+              </a:rPr>
+              <a:t>    </a:t>
+            </a:r>
+            <a:r>
+              <a:rPr b="0" lang="es-AR" sz="1700" spc="-1" strike="noStrike">
+                <a:latin typeface="Arial"/>
+              </a:rPr>
+              <a:t>contenido: T;</a:t>
+            </a:r>
             <a:endParaRPr b="0" lang="es-AR" sz="1700" spc="-1" strike="noStrike">
               <a:latin typeface="Arial"/>
             </a:endParaRPr>
           </a:p>
           <a:p>
+            <a:pPr>
+              <a:lnSpc>
+                <a:spcPct val="100000"/>
+              </a:lnSpc>
+              <a:buNone/>
+            </a:pPr>
             <a:r>
               <a:rPr b="0" lang="es-AR" sz="1700" spc="-1" strike="noStrike">
                 <a:latin typeface="Arial"/>
@@ -9748,18 +10230,42 @@
               <a:rPr b="0" lang="es-AR" sz="1700" spc="-1" strike="noStrike">
                 <a:latin typeface="Arial"/>
               </a:rPr>
-              <a:t>contenido: T;</a:t>
+              <a:t>constructor(contenido: T) {</a:t>
             </a:r>
             <a:endParaRPr b="0" lang="es-AR" sz="1700" spc="-1" strike="noStrike">
               <a:latin typeface="Arial"/>
             </a:endParaRPr>
           </a:p>
           <a:p>
+            <a:pPr>
+              <a:lnSpc>
+                <a:spcPct val="100000"/>
+              </a:lnSpc>
+              <a:buNone/>
+            </a:pPr>
+            <a:r>
+              <a:rPr b="0" lang="es-AR" sz="1700" spc="-1" strike="noStrike">
+                <a:latin typeface="Arial"/>
+              </a:rPr>
+              <a:t>        </a:t>
+            </a:r>
+            <a:r>
+              <a:rPr b="0" lang="es-AR" sz="1700" spc="-1" strike="noStrike">
+                <a:latin typeface="Arial"/>
+              </a:rPr>
+              <a:t>this.contenido = contenido;</a:t>
+            </a:r>
             <a:endParaRPr b="0" lang="es-AR" sz="1700" spc="-1" strike="noStrike">
               <a:latin typeface="Arial"/>
             </a:endParaRPr>
           </a:p>
           <a:p>
+            <a:pPr>
+              <a:lnSpc>
+                <a:spcPct val="100000"/>
+              </a:lnSpc>
+              <a:buNone/>
+            </a:pPr>
             <a:r>
               <a:rPr b="0" lang="es-AR" sz="1700" spc="-1" strike="noStrike">
                 <a:latin typeface="Arial"/>
@@ -9770,153 +10276,154 @@
               <a:rPr b="0" lang="es-AR" sz="1700" spc="-1" strike="noStrike">
                 <a:latin typeface="Arial"/>
               </a:rPr>
-              <a:t>constructor(contenido: T) {</a:t>
+              <a:t>}</a:t>
             </a:r>
             <a:endParaRPr b="0" lang="es-AR" sz="1700" spc="-1" strike="noStrike">
               <a:latin typeface="Arial"/>
             </a:endParaRPr>
           </a:p>
           <a:p>
+            <a:pPr>
+              <a:lnSpc>
+                <a:spcPct val="100000"/>
+              </a:lnSpc>
+              <a:buNone/>
+            </a:pPr>
+            <a:r>
+              <a:rPr b="0" lang="es-AR" sz="1700" spc="-1" strike="noStrike">
+                <a:latin typeface="Arial"/>
+              </a:rPr>
+              <a:t>}</a:t>
+            </a:r>
             <a:endParaRPr b="0" lang="es-AR" sz="1700" spc="-1" strike="noStrike">
               <a:latin typeface="Arial"/>
             </a:endParaRPr>
           </a:p>
           <a:p>
+            <a:pPr>
+              <a:lnSpc>
+                <a:spcPct val="100000"/>
+              </a:lnSpc>
+              <a:buNone/>
+            </a:pPr>
+            <a:endParaRPr b="0" lang="es-AR" sz="1700" spc="-1" strike="noStrike">
+              <a:latin typeface="Arial"/>
+            </a:endParaRPr>
+          </a:p>
+          <a:p>
+            <a:pPr>
+              <a:lnSpc>
+                <a:spcPct val="100000"/>
+              </a:lnSpc>
+              <a:buNone/>
+            </a:pPr>
+            <a:endParaRPr b="0" lang="es-AR" sz="1700" spc="-1" strike="noStrike">
+              <a:latin typeface="Arial"/>
+            </a:endParaRPr>
+          </a:p>
+          <a:p>
+            <a:pPr>
+              <a:lnSpc>
+                <a:spcPct val="100000"/>
+              </a:lnSpc>
+              <a:buNone/>
+            </a:pPr>
             <a:r>
               <a:rPr b="0" lang="es-AR" sz="1700" spc="-1" strike="noStrike">
                 <a:latin typeface="Arial"/>
               </a:rPr>
-              <a:t>        </a:t>
-            </a:r>
+              <a:t>function procesarCajaAnimal(caja: Caja&lt;Animal&gt;) {</a:t>
+            </a:r>
+            <a:endParaRPr b="0" lang="es-AR" sz="1700" spc="-1" strike="noStrike">
+              <a:latin typeface="Arial"/>
+            </a:endParaRPr>
+          </a:p>
+          <a:p>
+            <a:pPr>
+              <a:lnSpc>
+                <a:spcPct val="100000"/>
+              </a:lnSpc>
+              <a:buNone/>
+            </a:pPr>
             <a:r>
               <a:rPr b="0" lang="es-AR" sz="1700" spc="-1" strike="noStrike">
                 <a:latin typeface="Arial"/>
               </a:rPr>
-              <a:t>this.contenido = contenido;</a:t>
+              <a:t>    </a:t>
+            </a:r>
+            <a:r>
+              <a:rPr b="0" lang="es-AR" sz="1700" spc="-1" strike="noStrike">
+                <a:latin typeface="Arial"/>
+              </a:rPr>
+              <a:t>console.log(`Animal: ${caja.contenido.nombre}`);</a:t>
             </a:r>
             <a:endParaRPr b="0" lang="es-AR" sz="1700" spc="-1" strike="noStrike">
               <a:latin typeface="Arial"/>
             </a:endParaRPr>
           </a:p>
           <a:p>
+            <a:pPr>
+              <a:lnSpc>
+                <a:spcPct val="100000"/>
+              </a:lnSpc>
+              <a:buNone/>
+            </a:pPr>
+            <a:r>
+              <a:rPr b="0" lang="es-AR" sz="1700" spc="-1" strike="noStrike">
+                <a:latin typeface="Arial"/>
+              </a:rPr>
+              <a:t>}</a:t>
+            </a:r>
             <a:endParaRPr b="0" lang="es-AR" sz="1700" spc="-1" strike="noStrike">
               <a:latin typeface="Arial"/>
             </a:endParaRPr>
           </a:p>
           <a:p>
+            <a:pPr>
+              <a:lnSpc>
+                <a:spcPct val="100000"/>
+              </a:lnSpc>
+              <a:buNone/>
+            </a:pPr>
+            <a:endParaRPr b="0" lang="es-AR" sz="1700" spc="-1" strike="noStrike">
+              <a:latin typeface="Arial"/>
+            </a:endParaRPr>
+          </a:p>
+          <a:p>
+            <a:pPr>
+              <a:lnSpc>
+                <a:spcPct val="100000"/>
+              </a:lnSpc>
+              <a:buNone/>
+            </a:pPr>
+            <a:endParaRPr b="0" lang="es-AR" sz="1700" spc="-1" strike="noStrike">
+              <a:latin typeface="Arial"/>
+            </a:endParaRPr>
+          </a:p>
+          <a:p>
+            <a:pPr>
+              <a:lnSpc>
+                <a:spcPct val="100000"/>
+              </a:lnSpc>
+              <a:buNone/>
+            </a:pPr>
             <a:r>
               <a:rPr b="0" lang="es-AR" sz="1700" spc="-1" strike="noStrike">
                 <a:latin typeface="Arial"/>
               </a:rPr>
-              <a:t>    </a:t>
-            </a:r>
-            <a:r>
-              <a:rPr b="0" lang="es-AR" sz="1700" spc="-1" strike="noStrike">
-                <a:latin typeface="Arial"/>
-              </a:rPr>
-              <a:t>}</a:t>
+              <a:t>const cajaPerro: Caja&lt;Perro&gt; = new Caja(new Perro("Max"));</a:t>
             </a:r>
             <a:endParaRPr b="0" lang="es-AR" sz="1700" spc="-1" strike="noStrike">
               <a:latin typeface="Arial"/>
             </a:endParaRPr>
           </a:p>
           <a:p>
-            <a:endParaRPr b="0" lang="es-AR" sz="1700" spc="-1" strike="noStrike">
-              <a:latin typeface="Arial"/>
-            </a:endParaRPr>
-          </a:p>
-          <a:p>
-            <a:r>
-              <a:rPr b="0" lang="es-AR" sz="1700" spc="-1" strike="noStrike">
-                <a:latin typeface="Arial"/>
-              </a:rPr>
-              <a:t>}</a:t>
-            </a:r>
-            <a:endParaRPr b="0" lang="es-AR" sz="1700" spc="-1" strike="noStrike">
-              <a:latin typeface="Arial"/>
-            </a:endParaRPr>
-          </a:p>
-          <a:p>
-            <a:endParaRPr b="0" lang="es-AR" sz="1700" spc="-1" strike="noStrike">
-              <a:latin typeface="Arial"/>
-            </a:endParaRPr>
-          </a:p>
-          <a:p>
-            <a:endParaRPr b="0" lang="es-AR" sz="1700" spc="-1" strike="noStrike">
-              <a:latin typeface="Arial"/>
-            </a:endParaRPr>
-          </a:p>
-          <a:p>
-            <a:r>
-              <a:rPr b="0" lang="es-AR" sz="1700" spc="-1" strike="noStrike">
-                <a:latin typeface="Arial"/>
-              </a:rPr>
-              <a:t>function procesarCajaAnimal(caja: Caja&lt;Animal&gt;) {</a:t>
-            </a:r>
-            <a:endParaRPr b="0" lang="es-AR" sz="1700" spc="-1" strike="noStrike">
-              <a:latin typeface="Arial"/>
-            </a:endParaRPr>
-          </a:p>
-          <a:p>
-            <a:endParaRPr b="0" lang="es-AR" sz="1700" spc="-1" strike="noStrike">
-              <a:latin typeface="Arial"/>
-            </a:endParaRPr>
-          </a:p>
-          <a:p>
-            <a:r>
-              <a:rPr b="0" lang="es-AR" sz="1700" spc="-1" strike="noStrike">
-                <a:latin typeface="Arial"/>
-              </a:rPr>
-              <a:t>    </a:t>
-            </a:r>
-            <a:r>
-              <a:rPr b="0" lang="es-AR" sz="1700" spc="-1" strike="noStrike">
-                <a:latin typeface="Arial"/>
-              </a:rPr>
-              <a:t>console.log(`Animal: ${caja.contenido.nombre}`);</a:t>
-            </a:r>
-            <a:endParaRPr b="0" lang="es-AR" sz="1700" spc="-1" strike="noStrike">
-              <a:latin typeface="Arial"/>
-            </a:endParaRPr>
-          </a:p>
-          <a:p>
-            <a:endParaRPr b="0" lang="es-AR" sz="1700" spc="-1" strike="noStrike">
-              <a:latin typeface="Arial"/>
-            </a:endParaRPr>
-          </a:p>
-          <a:p>
-            <a:r>
-              <a:rPr b="0" lang="es-AR" sz="1700" spc="-1" strike="noStrike">
-                <a:latin typeface="Arial"/>
-              </a:rPr>
-              <a:t>}</a:t>
-            </a:r>
-            <a:endParaRPr b="0" lang="es-AR" sz="1700" spc="-1" strike="noStrike">
-              <a:latin typeface="Arial"/>
-            </a:endParaRPr>
-          </a:p>
-          <a:p>
-            <a:endParaRPr b="0" lang="es-AR" sz="1700" spc="-1" strike="noStrike">
-              <a:latin typeface="Arial"/>
-            </a:endParaRPr>
-          </a:p>
-          <a:p>
-            <a:endParaRPr b="0" lang="es-AR" sz="1700" spc="-1" strike="noStrike">
-              <a:latin typeface="Arial"/>
-            </a:endParaRPr>
-          </a:p>
-          <a:p>
-            <a:r>
-              <a:rPr b="0" lang="es-AR" sz="1700" spc="-1" strike="noStrike">
-                <a:latin typeface="Arial"/>
-              </a:rPr>
-              <a:t>const cajaPerro: Caja&lt;Perro&gt; = new Caja(new Perro("Max"));</a:t>
-            </a:r>
-            <a:endParaRPr b="0" lang="es-AR" sz="1700" spc="-1" strike="noStrike">
-              <a:latin typeface="Arial"/>
-            </a:endParaRPr>
-          </a:p>
-          <a:p>
+            <a:pPr>
+              <a:lnSpc>
+                <a:spcPct val="100000"/>
+              </a:lnSpc>
+              <a:buNone/>
+            </a:pPr>
             <a:r>
               <a:rPr b="0" lang="es-AR" sz="1700" spc="-1" strike="noStrike">
                 <a:latin typeface="Arial"/>
@@ -9968,7 +10475,7 @@
         <p:spPr>
           <a:xfrm>
             <a:off x="457200" y="522720"/>
-            <a:ext cx="6530400" cy="652320"/>
+            <a:ext cx="6530040" cy="651960"/>
           </a:xfrm>
           <a:prstGeom prst="rect">
             <a:avLst/>
@@ -10020,7 +10527,7 @@
         <p:spPr>
           <a:xfrm>
             <a:off x="457200" y="1632960"/>
-            <a:ext cx="8228520" cy="3976200"/>
+            <a:ext cx="8228160" cy="3975840"/>
           </a:xfrm>
           <a:prstGeom prst="rect">
             <a:avLst/>
@@ -10113,7 +10620,7 @@
         <p:spPr>
           <a:xfrm>
             <a:off x="2088360" y="3974400"/>
-            <a:ext cx="5333400" cy="2370960"/>
+            <a:ext cx="5333040" cy="2370600"/>
           </a:xfrm>
           <a:prstGeom prst="rect">
             <a:avLst/>
@@ -10136,7 +10643,7 @@
         <p:spPr>
           <a:xfrm>
             <a:off x="2515320" y="3699360"/>
-            <a:ext cx="5385240" cy="3285360"/>
+            <a:ext cx="5384880" cy="3285000"/>
           </a:xfrm>
           <a:prstGeom prst="rect">
             <a:avLst/>
@@ -10267,7 +10774,7 @@
         <p:spPr>
           <a:xfrm>
             <a:off x="457200" y="190440"/>
-            <a:ext cx="8228880" cy="581760"/>
+            <a:ext cx="8228520" cy="581400"/>
           </a:xfrm>
           <a:prstGeom prst="rect">
             <a:avLst/>
@@ -10339,7 +10846,7 @@
         <p:spPr>
           <a:xfrm>
             <a:off x="457200" y="1174680"/>
-            <a:ext cx="8228880" cy="4952160"/>
+            <a:ext cx="8228520" cy="4951800"/>
           </a:xfrm>
           <a:prstGeom prst="rect">
             <a:avLst/>
@@ -10421,7 +10928,7 @@
         <p:spPr>
           <a:xfrm>
             <a:off x="457200" y="522720"/>
-            <a:ext cx="6530400" cy="652320"/>
+            <a:ext cx="6530040" cy="651960"/>
           </a:xfrm>
           <a:prstGeom prst="rect">
             <a:avLst/>
@@ -10473,7 +10980,7 @@
         <p:spPr>
           <a:xfrm>
             <a:off x="457200" y="1371600"/>
-            <a:ext cx="8213760" cy="4636080"/>
+            <a:ext cx="8213400" cy="4635720"/>
           </a:xfrm>
           <a:prstGeom prst="rect">
             <a:avLst/>
@@ -10909,7 +11416,7 @@
         <p:spPr>
           <a:xfrm>
             <a:off x="457200" y="522720"/>
-            <a:ext cx="6530400" cy="652320"/>
+            <a:ext cx="6530040" cy="651960"/>
           </a:xfrm>
           <a:prstGeom prst="rect">
             <a:avLst/>
@@ -10971,7 +11478,7 @@
         <p:spPr>
           <a:xfrm>
             <a:off x="457200" y="1632960"/>
-            <a:ext cx="8228520" cy="3976200"/>
+            <a:ext cx="8228160" cy="3975840"/>
           </a:xfrm>
           <a:prstGeom prst="rect">
             <a:avLst/>
@@ -11090,7 +11597,7 @@
         <p:spPr>
           <a:xfrm>
             <a:off x="457200" y="522720"/>
-            <a:ext cx="6530400" cy="652320"/>
+            <a:ext cx="6530040" cy="651960"/>
           </a:xfrm>
           <a:prstGeom prst="rect">
             <a:avLst/>
@@ -11152,7 +11659,7 @@
         <p:spPr>
           <a:xfrm>
             <a:off x="457200" y="1632960"/>
-            <a:ext cx="8228520" cy="3976200"/>
+            <a:ext cx="8228160" cy="3975840"/>
           </a:xfrm>
           <a:prstGeom prst="rect">
             <a:avLst/>
@@ -11297,7 +11804,7 @@
         <p:spPr>
           <a:xfrm>
             <a:off x="457200" y="522720"/>
-            <a:ext cx="6530400" cy="652320"/>
+            <a:ext cx="6530040" cy="651960"/>
           </a:xfrm>
           <a:prstGeom prst="rect">
             <a:avLst/>
@@ -11359,7 +11866,7 @@
         <p:spPr>
           <a:xfrm>
             <a:off x="411120" y="1603440"/>
-            <a:ext cx="8228520" cy="3976200"/>
+            <a:ext cx="8228160" cy="3975840"/>
           </a:xfrm>
           <a:prstGeom prst="rect">
             <a:avLst/>
@@ -11538,7 +12045,7 @@
         <p:spPr>
           <a:xfrm>
             <a:off x="457200" y="522720"/>
-            <a:ext cx="6530400" cy="652320"/>
+            <a:ext cx="6530040" cy="651960"/>
           </a:xfrm>
           <a:prstGeom prst="rect">
             <a:avLst/>
@@ -11590,7 +12097,7 @@
         <p:spPr>
           <a:xfrm>
             <a:off x="457200" y="1632960"/>
-            <a:ext cx="8228520" cy="3976200"/>
+            <a:ext cx="8228160" cy="3975840"/>
           </a:xfrm>
           <a:prstGeom prst="rect">
             <a:avLst/>
@@ -11756,7 +12263,7 @@
         <p:spPr>
           <a:xfrm>
             <a:off x="457200" y="522720"/>
-            <a:ext cx="6530400" cy="652320"/>
+            <a:ext cx="6530040" cy="651960"/>
           </a:xfrm>
           <a:prstGeom prst="rect">
             <a:avLst/>
@@ -11808,7 +12315,7 @@
         <p:spPr>
           <a:xfrm>
             <a:off x="457200" y="1632960"/>
-            <a:ext cx="8228520" cy="3976200"/>
+            <a:ext cx="8228160" cy="3975840"/>
           </a:xfrm>
           <a:prstGeom prst="rect">
             <a:avLst/>
@@ -11986,29 +12493,31 @@
       </p:grpSpPr>
       <p:sp>
         <p:nvSpPr>
-          <p:cNvPr id="141" name="PlaceHolder 1"/>
-          <p:cNvSpPr>
-            <a:spLocks noGrp="1"/>
-          </p:cNvSpPr>
-          <p:nvPr>
-            <p:ph type="title"/>
-          </p:nvPr>
+          <p:cNvPr id="141" name="TextShape 1"/>
+          <p:cNvSpPr/>
+          <p:nvPr/>
         </p:nvSpPr>
         <p:spPr>
           <a:xfrm>
-            <a:off x="457200" y="190440"/>
-            <a:ext cx="8228880" cy="581760"/>
+            <a:off x="457200" y="522720"/>
+            <a:ext cx="6530040" cy="651960"/>
           </a:xfrm>
           <a:prstGeom prst="rect">
             <a:avLst/>
           </a:prstGeom>
           <a:noFill/>
-          <a:ln w="9360">
+          <a:ln w="0">
             <a:noFill/>
           </a:ln>
         </p:spPr>
-        <p:txBody>
-          <a:bodyPr lIns="90000" rIns="90000" tIns="45000" bIns="45000" anchor="ctr">
+        <p:style>
+          <a:lnRef idx="0"/>
+          <a:fillRef idx="0"/>
+          <a:effectRef idx="0"/>
+          <a:fontRef idx="minor"/>
+        </p:style>
+        <p:txBody>
+          <a:bodyPr lIns="0" rIns="0" tIns="0" bIns="0" anchor="ctr">
             <a:noAutofit/>
           </a:bodyPr>
           <a:p>
@@ -12019,459 +12528,306 @@
               <a:buNone/>
             </a:pPr>
             <a:r>
-              <a:rPr b="0" lang="en-US" sz="3600" spc="-1" strike="noStrike">
-                <a:solidFill>
-                  <a:srgbClr val="000000"/>
-                </a:solidFill>
-                <a:latin typeface="Arial"/>
-                <a:ea typeface="SimSun"/>
-              </a:rPr>
-              <a:t>C#:</a:t>
-            </a:r>
-            <a:endParaRPr b="0" lang="es-AR" sz="3600" spc="-1" strike="noStrike">
-              <a:latin typeface="Arial"/>
-            </a:endParaRPr>
-          </a:p>
-        </p:txBody>
-      </p:sp>
-      <p:sp>
-        <p:nvSpPr>
-          <p:cNvPr id="142" name="PlaceHolder 2"/>
-          <p:cNvSpPr>
-            <a:spLocks noGrp="1"/>
-          </p:cNvSpPr>
-          <p:nvPr>
-            <p:ph/>
-          </p:nvPr>
+              <a:rPr b="0" lang="es-AR" sz="3270" spc="-1" strike="noStrike">
+                <a:solidFill>
+                  <a:srgbClr val="000000"/>
+                </a:solidFill>
+                <a:latin typeface="Arial"/>
+                <a:ea typeface="Arial"/>
+              </a:rPr>
+              <a:t>A la vez puedo utilizarlo con listas</a:t>
+            </a:r>
+            <a:endParaRPr b="0" lang="es-AR" sz="3270" spc="-1" strike="noStrike">
+              <a:latin typeface="Arial"/>
+            </a:endParaRPr>
+          </a:p>
+        </p:txBody>
+      </p:sp>
+      <p:sp>
+        <p:nvSpPr>
+          <p:cNvPr id="142" name="TextShape 2"/>
+          <p:cNvSpPr/>
+          <p:nvPr/>
         </p:nvSpPr>
         <p:spPr>
           <a:xfrm>
-            <a:off x="457200" y="1160280"/>
-            <a:ext cx="8228880" cy="4952160"/>
+            <a:off x="457200" y="1632960"/>
+            <a:ext cx="8228160" cy="3975840"/>
           </a:xfrm>
           <a:prstGeom prst="rect">
             <a:avLst/>
           </a:prstGeom>
           <a:noFill/>
-          <a:ln w="9360">
+          <a:ln w="0">
             <a:noFill/>
           </a:ln>
         </p:spPr>
-        <p:txBody>
-          <a:bodyPr lIns="90000" rIns="90000" tIns="45000" bIns="45000" anchor="t">
-            <a:noAutofit/>
+        <p:style>
+          <a:lnRef idx="0"/>
+          <a:fillRef idx="0"/>
+          <a:effectRef idx="0"/>
+          <a:fontRef idx="minor"/>
+        </p:style>
+        <p:txBody>
+          <a:bodyPr lIns="0" rIns="0" tIns="0" bIns="0" anchor="t">
+            <a:normAutofit/>
           </a:bodyPr>
           <a:p>
             <a:pPr>
               <a:lnSpc>
                 <a:spcPct val="100000"/>
               </a:lnSpc>
-              <a:spcBef>
-                <a:spcPts val="400"/>
-              </a:spcBef>
-              <a:buNone/>
-              <a:tabLst>
-                <a:tab algn="l" pos="0"/>
-              </a:tabLst>
-            </a:pPr>
-            <a:r>
-              <a:rPr b="0" lang="en-US" sz="2000" spc="-1" strike="noStrike">
-                <a:solidFill>
-                  <a:srgbClr val="000000"/>
-                </a:solidFill>
-                <a:latin typeface="Arial"/>
-                <a:ea typeface="SimSun"/>
-              </a:rPr>
-              <a:t>public static void SwitchPattern(object o)</a:t>
-            </a:r>
-            <a:endParaRPr b="0" lang="es-AR" sz="2000" spc="-1" strike="noStrike">
-              <a:latin typeface="Arial"/>
-            </a:endParaRPr>
-          </a:p>
-          <a:p>
-            <a:pPr>
-              <a:lnSpc>
-                <a:spcPct val="100000"/>
-              </a:lnSpc>
-              <a:spcBef>
-                <a:spcPts val="400"/>
-              </a:spcBef>
-              <a:buNone/>
-              <a:tabLst>
-                <a:tab algn="l" pos="0"/>
-              </a:tabLst>
-            </a:pPr>
-            <a:r>
-              <a:rPr b="0" lang="en-US" sz="2000" spc="-1" strike="noStrike">
-                <a:solidFill>
-                  <a:srgbClr val="000000"/>
-                </a:solidFill>
-                <a:latin typeface="Arial"/>
-                <a:ea typeface="SimSun"/>
-              </a:rPr>
-              <a:t>{</a:t>
-            </a:r>
-            <a:endParaRPr b="0" lang="es-AR" sz="2000" spc="-1" strike="noStrike">
-              <a:latin typeface="Arial"/>
-            </a:endParaRPr>
-          </a:p>
-          <a:p>
-            <a:pPr>
-              <a:lnSpc>
-                <a:spcPct val="100000"/>
-              </a:lnSpc>
-              <a:spcBef>
-                <a:spcPts val="400"/>
-              </a:spcBef>
-              <a:buNone/>
-              <a:tabLst>
-                <a:tab algn="l" pos="0"/>
-              </a:tabLst>
-            </a:pPr>
-            <a:r>
-              <a:rPr b="0" lang="en-US" sz="2000" spc="-1" strike="noStrike">
-                <a:solidFill>
-                  <a:srgbClr val="000000"/>
-                </a:solidFill>
-                <a:latin typeface="Arial"/>
-                <a:ea typeface="SimSun"/>
-              </a:rPr>
-              <a:t>    </a:t>
-            </a:r>
-            <a:r>
-              <a:rPr b="0" lang="en-US" sz="2000" spc="-1" strike="noStrike">
-                <a:solidFill>
-                  <a:srgbClr val="000000"/>
-                </a:solidFill>
-                <a:latin typeface="Arial"/>
-                <a:ea typeface="SimSun"/>
-              </a:rPr>
-              <a:t>switch (o)</a:t>
-            </a:r>
-            <a:endParaRPr b="0" lang="es-AR" sz="2000" spc="-1" strike="noStrike">
-              <a:latin typeface="Arial"/>
-            </a:endParaRPr>
-          </a:p>
-          <a:p>
-            <a:pPr>
-              <a:lnSpc>
-                <a:spcPct val="100000"/>
-              </a:lnSpc>
-              <a:spcBef>
-                <a:spcPts val="400"/>
-              </a:spcBef>
-              <a:buNone/>
-              <a:tabLst>
-                <a:tab algn="l" pos="0"/>
-              </a:tabLst>
-            </a:pPr>
-            <a:r>
-              <a:rPr b="0" lang="en-US" sz="2000" spc="-1" strike="noStrike">
-                <a:solidFill>
-                  <a:srgbClr val="000000"/>
-                </a:solidFill>
-                <a:latin typeface="Arial"/>
-                <a:ea typeface="SimSun"/>
-              </a:rPr>
-              <a:t>    </a:t>
-            </a:r>
-            <a:r>
-              <a:rPr b="0" lang="en-US" sz="2000" spc="-1" strike="noStrike">
-                <a:solidFill>
-                  <a:srgbClr val="000000"/>
-                </a:solidFill>
-                <a:latin typeface="Arial"/>
-                <a:ea typeface="SimSun"/>
-              </a:rPr>
-              <a:t>{</a:t>
-            </a:r>
-            <a:endParaRPr b="0" lang="es-AR" sz="2000" spc="-1" strike="noStrike">
-              <a:latin typeface="Arial"/>
-            </a:endParaRPr>
-          </a:p>
-          <a:p>
-            <a:pPr>
-              <a:lnSpc>
-                <a:spcPct val="100000"/>
-              </a:lnSpc>
-              <a:spcBef>
-                <a:spcPts val="400"/>
-              </a:spcBef>
-              <a:buNone/>
-              <a:tabLst>
-                <a:tab algn="l" pos="0"/>
-              </a:tabLst>
-            </a:pPr>
-            <a:r>
-              <a:rPr b="0" lang="en-US" sz="2000" spc="-1" strike="noStrike">
-                <a:solidFill>
-                  <a:srgbClr val="000000"/>
-                </a:solidFill>
-                <a:latin typeface="Arial"/>
-                <a:ea typeface="SimSun"/>
-              </a:rPr>
-              <a:t>        </a:t>
-            </a:r>
-            <a:r>
-              <a:rPr b="0" lang="en-US" sz="2000" spc="-1" strike="noStrike">
-                <a:solidFill>
-                  <a:srgbClr val="000000"/>
-                </a:solidFill>
-                <a:latin typeface="Arial"/>
-                <a:ea typeface="SimSun"/>
-              </a:rPr>
-              <a:t>case Person p:</a:t>
-            </a:r>
-            <a:endParaRPr b="0" lang="es-AR" sz="2000" spc="-1" strike="noStrike">
-              <a:latin typeface="Arial"/>
-            </a:endParaRPr>
-          </a:p>
-          <a:p>
-            <a:pPr>
-              <a:lnSpc>
-                <a:spcPct val="100000"/>
-              </a:lnSpc>
-              <a:spcBef>
-                <a:spcPts val="400"/>
-              </a:spcBef>
-              <a:buNone/>
-              <a:tabLst>
-                <a:tab algn="l" pos="0"/>
-              </a:tabLst>
-            </a:pPr>
-            <a:r>
-              <a:rPr b="0" lang="en-US" sz="2000" spc="-1" strike="noStrike">
-                <a:solidFill>
-                  <a:srgbClr val="000000"/>
-                </a:solidFill>
-                <a:latin typeface="Arial"/>
-                <a:ea typeface="SimSun"/>
-              </a:rPr>
-              <a:t>            </a:t>
-            </a:r>
-            <a:r>
-              <a:rPr b="0" lang="en-US" sz="2000" spc="-1" strike="noStrike">
-                <a:solidFill>
-                  <a:srgbClr val="000000"/>
-                </a:solidFill>
-                <a:latin typeface="Arial"/>
-                <a:ea typeface="SimSun"/>
-              </a:rPr>
-              <a:t>Console.WriteLine($"any other person {p.FirstName}");</a:t>
-            </a:r>
-            <a:endParaRPr b="0" lang="es-AR" sz="2000" spc="-1" strike="noStrike">
-              <a:latin typeface="Arial"/>
-            </a:endParaRPr>
-          </a:p>
-          <a:p>
-            <a:pPr>
-              <a:lnSpc>
-                <a:spcPct val="100000"/>
-              </a:lnSpc>
-              <a:spcBef>
-                <a:spcPts val="400"/>
-              </a:spcBef>
-              <a:buNone/>
-              <a:tabLst>
-                <a:tab algn="l" pos="0"/>
-              </a:tabLst>
-            </a:pPr>
-            <a:r>
-              <a:rPr b="0" lang="en-US" sz="2000" spc="-1" strike="noStrike">
-                <a:solidFill>
-                  <a:srgbClr val="000000"/>
-                </a:solidFill>
-                <a:latin typeface="Arial"/>
-                <a:ea typeface="SimSun"/>
-              </a:rPr>
-              <a:t>            </a:t>
-            </a:r>
-            <a:r>
-              <a:rPr b="0" lang="en-US" sz="2000" spc="-1" strike="noStrike">
-                <a:solidFill>
-                  <a:srgbClr val="000000"/>
-                </a:solidFill>
-                <a:latin typeface="Arial"/>
-                <a:ea typeface="SimSun"/>
-              </a:rPr>
-              <a:t>break;</a:t>
-            </a:r>
-            <a:endParaRPr b="0" lang="es-AR" sz="2000" spc="-1" strike="noStrike">
-              <a:latin typeface="Arial"/>
-            </a:endParaRPr>
-          </a:p>
-          <a:p>
-            <a:pPr>
-              <a:lnSpc>
-                <a:spcPct val="100000"/>
-              </a:lnSpc>
-              <a:spcBef>
-                <a:spcPts val="400"/>
-              </a:spcBef>
-              <a:buNone/>
-              <a:tabLst>
-                <a:tab algn="l" pos="0"/>
-              </a:tabLst>
-            </a:pPr>
-            <a:r>
-              <a:rPr b="0" lang="en-US" sz="2000" spc="-1" strike="noStrike">
-                <a:solidFill>
-                  <a:srgbClr val="000000"/>
-                </a:solidFill>
-                <a:latin typeface="Arial"/>
-                <a:ea typeface="SimSun"/>
-              </a:rPr>
-              <a:t>        </a:t>
-            </a:r>
-            <a:r>
-              <a:rPr b="0" lang="en-US" sz="2000" spc="-1" strike="noStrike">
-                <a:solidFill>
-                  <a:srgbClr val="000000"/>
-                </a:solidFill>
-                <a:latin typeface="Arial"/>
-                <a:ea typeface="SimSun"/>
-              </a:rPr>
-              <a:t>case var x:</a:t>
-            </a:r>
-            <a:endParaRPr b="0" lang="es-AR" sz="2000" spc="-1" strike="noStrike">
-              <a:latin typeface="Arial"/>
-            </a:endParaRPr>
-          </a:p>
-          <a:p>
-            <a:pPr>
-              <a:lnSpc>
-                <a:spcPct val="100000"/>
-              </a:lnSpc>
-              <a:spcBef>
-                <a:spcPts val="400"/>
-              </a:spcBef>
-              <a:buNone/>
-              <a:tabLst>
-                <a:tab algn="l" pos="0"/>
-              </a:tabLst>
-            </a:pPr>
-            <a:r>
-              <a:rPr b="0" lang="en-US" sz="2000" spc="-1" strike="noStrike">
-                <a:solidFill>
-                  <a:srgbClr val="000000"/>
-                </a:solidFill>
-                <a:latin typeface="Arial"/>
-                <a:ea typeface="SimSun"/>
-              </a:rPr>
-              <a:t>            </a:t>
-            </a:r>
-            <a:r>
-              <a:rPr b="0" lang="en-US" sz="2000" spc="-1" strike="noStrike">
-                <a:solidFill>
-                  <a:srgbClr val="000000"/>
-                </a:solidFill>
-                <a:latin typeface="Arial"/>
-                <a:ea typeface="SimSun"/>
-              </a:rPr>
-              <a:t>Console.WriteLine($"Type {x?.GetType().Name} ");</a:t>
-            </a:r>
-            <a:endParaRPr b="0" lang="es-AR" sz="2000" spc="-1" strike="noStrike">
-              <a:latin typeface="Arial"/>
-            </a:endParaRPr>
-          </a:p>
-          <a:p>
-            <a:pPr>
-              <a:lnSpc>
-                <a:spcPct val="100000"/>
-              </a:lnSpc>
-              <a:spcBef>
-                <a:spcPts val="400"/>
-              </a:spcBef>
-              <a:buNone/>
-              <a:tabLst>
-                <a:tab algn="l" pos="0"/>
-              </a:tabLst>
-            </a:pPr>
-            <a:r>
-              <a:rPr b="0" lang="en-US" sz="2000" spc="-1" strike="noStrike">
-                <a:solidFill>
-                  <a:srgbClr val="000000"/>
-                </a:solidFill>
-                <a:latin typeface="Arial"/>
-                <a:ea typeface="SimSun"/>
-              </a:rPr>
-              <a:t>            </a:t>
-            </a:r>
-            <a:r>
-              <a:rPr b="0" lang="en-US" sz="2000" spc="-1" strike="noStrike">
-                <a:solidFill>
-                  <a:srgbClr val="000000"/>
-                </a:solidFill>
-                <a:latin typeface="Arial"/>
-                <a:ea typeface="SimSun"/>
-              </a:rPr>
-              <a:t>break;</a:t>
-            </a:r>
-            <a:endParaRPr b="0" lang="es-AR" sz="2000" spc="-1" strike="noStrike">
-              <a:latin typeface="Arial"/>
-            </a:endParaRPr>
-          </a:p>
-          <a:p>
-            <a:pPr>
-              <a:lnSpc>
-                <a:spcPct val="100000"/>
-              </a:lnSpc>
-              <a:spcBef>
-                <a:spcPts val="400"/>
-              </a:spcBef>
-              <a:buNone/>
-              <a:tabLst>
-                <a:tab algn="l" pos="0"/>
-              </a:tabLst>
-            </a:pPr>
-            <a:r>
-              <a:rPr b="0" lang="en-US" sz="2000" spc="-1" strike="noStrike">
-                <a:solidFill>
-                  <a:srgbClr val="000000"/>
-                </a:solidFill>
-                <a:latin typeface="Arial"/>
-                <a:ea typeface="SimSun"/>
-              </a:rPr>
-              <a:t>    </a:t>
-            </a:r>
-            <a:r>
-              <a:rPr b="0" lang="en-US" sz="2000" spc="-1" strike="noStrike">
-                <a:solidFill>
-                  <a:srgbClr val="000000"/>
-                </a:solidFill>
-                <a:latin typeface="Arial"/>
-                <a:ea typeface="SimSun"/>
-              </a:rPr>
-              <a:t>}</a:t>
-            </a:r>
-            <a:endParaRPr b="0" lang="es-AR" sz="2000" spc="-1" strike="noStrike">
-              <a:latin typeface="Arial"/>
-            </a:endParaRPr>
-          </a:p>
-          <a:p>
-            <a:pPr>
-              <a:lnSpc>
-                <a:spcPct val="100000"/>
-              </a:lnSpc>
-              <a:spcBef>
-                <a:spcPts val="400"/>
-              </a:spcBef>
-              <a:buNone/>
-              <a:tabLst>
-                <a:tab algn="l" pos="0"/>
-              </a:tabLst>
-            </a:pPr>
-            <a:r>
-              <a:rPr b="0" lang="en-US" sz="2000" spc="-1" strike="noStrike">
-                <a:solidFill>
-                  <a:srgbClr val="000000"/>
-                </a:solidFill>
-                <a:latin typeface="Arial"/>
-                <a:ea typeface="SimSun"/>
-              </a:rPr>
-              <a:t>}</a:t>
-            </a:r>
-            <a:endParaRPr b="0" lang="es-AR" sz="2000" spc="-1" strike="noStrike">
+              <a:buNone/>
+            </a:pPr>
+            <a:r>
+              <a:rPr b="0" lang="es-AR" sz="2360" spc="-1" strike="noStrike">
+                <a:solidFill>
+                  <a:srgbClr val="000000"/>
+                </a:solidFill>
+                <a:latin typeface="Arial"/>
+                <a:ea typeface="Arial"/>
+              </a:rPr>
+              <a:t> </a:t>
+            </a:r>
+            <a:r>
+              <a:rPr b="0" lang="es-AR" sz="2360" spc="-1" strike="noStrike">
+                <a:solidFill>
+                  <a:srgbClr val="000000"/>
+                </a:solidFill>
+                <a:latin typeface="Arial"/>
+                <a:ea typeface="Arial"/>
+              </a:rPr>
+              <a:t>def cantidad[T](xs:List[T]):Int = xs match {</a:t>
+            </a:r>
+            <a:endParaRPr b="0" lang="es-AR" sz="2360" spc="-1" strike="noStrike">
+              <a:latin typeface="Arial"/>
+            </a:endParaRPr>
+          </a:p>
+          <a:p>
+            <a:pPr>
+              <a:lnSpc>
+                <a:spcPct val="100000"/>
+              </a:lnSpc>
+              <a:buNone/>
+            </a:pPr>
+            <a:r>
+              <a:rPr b="0" lang="es-AR" sz="2360" spc="-1" strike="noStrike">
+                <a:solidFill>
+                  <a:srgbClr val="000000"/>
+                </a:solidFill>
+                <a:latin typeface="Arial"/>
+                <a:ea typeface="Arial"/>
+              </a:rPr>
+              <a:t>  </a:t>
+            </a:r>
+            <a:r>
+              <a:rPr b="0" lang="es-AR" sz="2360" spc="-1" strike="noStrike">
+                <a:solidFill>
+                  <a:srgbClr val="000000"/>
+                </a:solidFill>
+                <a:latin typeface="Arial"/>
+                <a:ea typeface="Arial"/>
+              </a:rPr>
+              <a:t>case List() =&gt; 0</a:t>
+            </a:r>
+            <a:endParaRPr b="0" lang="es-AR" sz="2360" spc="-1" strike="noStrike">
+              <a:latin typeface="Arial"/>
+            </a:endParaRPr>
+          </a:p>
+          <a:p>
+            <a:pPr>
+              <a:lnSpc>
+                <a:spcPct val="100000"/>
+              </a:lnSpc>
+              <a:buNone/>
+            </a:pPr>
+            <a:r>
+              <a:rPr b="0" lang="es-AR" sz="2360" spc="-1" strike="noStrike">
+                <a:solidFill>
+                  <a:srgbClr val="000000"/>
+                </a:solidFill>
+                <a:latin typeface="Arial"/>
+                <a:ea typeface="Arial"/>
+              </a:rPr>
+              <a:t>  </a:t>
+            </a:r>
+            <a:r>
+              <a:rPr b="0" lang="es-AR" sz="2360" spc="-1" strike="noStrike">
+                <a:solidFill>
+                  <a:srgbClr val="000000"/>
+                </a:solidFill>
+                <a:latin typeface="Arial"/>
+                <a:ea typeface="Arial"/>
+              </a:rPr>
+              <a:t>case head :: List()  =&gt; 1</a:t>
+            </a:r>
+            <a:endParaRPr b="0" lang="es-AR" sz="2360" spc="-1" strike="noStrike">
+              <a:latin typeface="Arial"/>
+            </a:endParaRPr>
+          </a:p>
+          <a:p>
+            <a:pPr>
+              <a:lnSpc>
+                <a:spcPct val="100000"/>
+              </a:lnSpc>
+              <a:buNone/>
+            </a:pPr>
+            <a:r>
+              <a:rPr b="0" lang="es-AR" sz="2360" spc="-1" strike="noStrike">
+                <a:solidFill>
+                  <a:srgbClr val="000000"/>
+                </a:solidFill>
+                <a:latin typeface="Arial"/>
+                <a:ea typeface="Arial"/>
+              </a:rPr>
+              <a:t>  </a:t>
+            </a:r>
+            <a:r>
+              <a:rPr b="0" lang="es-AR" sz="2360" spc="-1" strike="noStrike">
+                <a:solidFill>
+                  <a:srgbClr val="000000"/>
+                </a:solidFill>
+                <a:latin typeface="Arial"/>
+                <a:ea typeface="Arial"/>
+              </a:rPr>
+              <a:t>case head :: tail =&gt; 1 + cantidad(tail)</a:t>
+            </a:r>
+            <a:endParaRPr b="0" lang="es-AR" sz="2360" spc="-1" strike="noStrike">
+              <a:latin typeface="Arial"/>
+            </a:endParaRPr>
+          </a:p>
+          <a:p>
+            <a:pPr>
+              <a:lnSpc>
+                <a:spcPct val="100000"/>
+              </a:lnSpc>
+              <a:buNone/>
+            </a:pPr>
+            <a:r>
+              <a:rPr b="0" lang="es-AR" sz="2360" spc="-1" strike="noStrike">
+                <a:solidFill>
+                  <a:srgbClr val="000000"/>
+                </a:solidFill>
+                <a:latin typeface="Arial"/>
+                <a:ea typeface="Arial"/>
+              </a:rPr>
+              <a:t>  </a:t>
+            </a:r>
+            <a:r>
+              <a:rPr b="0" lang="es-AR" sz="2360" spc="-1" strike="noStrike">
+                <a:solidFill>
+                  <a:srgbClr val="000000"/>
+                </a:solidFill>
+                <a:latin typeface="Arial"/>
+                <a:ea typeface="Arial"/>
+              </a:rPr>
+              <a:t>}             </a:t>
+            </a:r>
+            <a:endParaRPr b="0" lang="es-AR" sz="2360" spc="-1" strike="noStrike">
+              <a:latin typeface="Arial"/>
+            </a:endParaRPr>
+          </a:p>
+          <a:p>
+            <a:pPr>
+              <a:lnSpc>
+                <a:spcPct val="100000"/>
+              </a:lnSpc>
+              <a:buNone/>
+            </a:pPr>
+            <a:r>
+              <a:rPr b="0" lang="es-AR" sz="2360" spc="-1" strike="noStrike">
+                <a:solidFill>
+                  <a:srgbClr val="000000"/>
+                </a:solidFill>
+                <a:latin typeface="Arial"/>
+                <a:ea typeface="Arial"/>
+              </a:rPr>
+              <a:t>  </a:t>
+            </a:r>
+            <a:endParaRPr b="0" lang="es-AR" sz="2360" spc="-1" strike="noStrike">
+              <a:latin typeface="Arial"/>
+            </a:endParaRPr>
+          </a:p>
+          <a:p>
+            <a:pPr>
+              <a:lnSpc>
+                <a:spcPct val="100000"/>
+              </a:lnSpc>
+              <a:buNone/>
+            </a:pPr>
+            <a:r>
+              <a:rPr b="0" lang="es-AR" sz="2360" spc="-1" strike="noStrike">
+                <a:solidFill>
+                  <a:srgbClr val="000000"/>
+                </a:solidFill>
+                <a:latin typeface="Arial"/>
+                <a:ea typeface="Arial"/>
+              </a:rPr>
+              <a:t>  </a:t>
+            </a:r>
+            <a:r>
+              <a:rPr b="0" lang="es-AR" sz="2360" spc="-1" strike="noStrike">
+                <a:solidFill>
+                  <a:srgbClr val="000000"/>
+                </a:solidFill>
+                <a:latin typeface="Arial"/>
+                <a:ea typeface="Arial"/>
+              </a:rPr>
+              <a:t>val l = List(1,3,4,5,6,8)    </a:t>
+            </a:r>
+            <a:endParaRPr b="0" lang="es-AR" sz="2360" spc="-1" strike="noStrike">
+              <a:latin typeface="Arial"/>
+            </a:endParaRPr>
+          </a:p>
+          <a:p>
+            <a:pPr>
+              <a:lnSpc>
+                <a:spcPct val="100000"/>
+              </a:lnSpc>
+              <a:buNone/>
+            </a:pPr>
+            <a:r>
+              <a:rPr b="0" lang="es-AR" sz="2360" spc="-1" strike="noStrike">
+                <a:solidFill>
+                  <a:srgbClr val="000000"/>
+                </a:solidFill>
+                <a:latin typeface="Arial"/>
+                <a:ea typeface="Arial"/>
+              </a:rPr>
+              <a:t>  </a:t>
+            </a:r>
+            <a:endParaRPr b="0" lang="es-AR" sz="2360" spc="-1" strike="noStrike">
+              <a:latin typeface="Arial"/>
+            </a:endParaRPr>
+          </a:p>
+          <a:p>
+            <a:pPr>
+              <a:lnSpc>
+                <a:spcPct val="100000"/>
+              </a:lnSpc>
+              <a:buNone/>
+            </a:pPr>
+            <a:r>
+              <a:rPr b="0" lang="es-AR" sz="2360" spc="-1" strike="noStrike">
+                <a:solidFill>
+                  <a:srgbClr val="000000"/>
+                </a:solidFill>
+                <a:latin typeface="Arial"/>
+                <a:ea typeface="Arial"/>
+              </a:rPr>
+              <a:t>  </a:t>
+            </a:r>
+            <a:r>
+              <a:rPr b="0" lang="es-AR" sz="2360" spc="-1" strike="noStrike">
+                <a:solidFill>
+                  <a:srgbClr val="000000"/>
+                </a:solidFill>
+                <a:latin typeface="Arial"/>
+                <a:ea typeface="Arial"/>
+              </a:rPr>
+              <a:t>cantidad(l)      //&gt; res0: Int = 6</a:t>
+            </a:r>
+            <a:endParaRPr b="0" lang="es-AR" sz="2360" spc="-1" strike="noStrike">
               <a:latin typeface="Arial"/>
             </a:endParaRPr>
           </a:p>
@@ -12516,7 +12872,7 @@
         <p:spPr>
           <a:xfrm>
             <a:off x="457200" y="522720"/>
-            <a:ext cx="6530400" cy="652320"/>
+            <a:ext cx="6530040" cy="651960"/>
           </a:xfrm>
           <a:prstGeom prst="rect">
             <a:avLst/>
@@ -12551,7 +12907,7 @@
                 <a:latin typeface="Arial"/>
                 <a:ea typeface="Arial"/>
               </a:rPr>
-              <a:t>A la vez puedo utilizarlo con listas</a:t>
+              <a:t>Y como queda nuestra lista?</a:t>
             </a:r>
             <a:endParaRPr b="0" lang="es-AR" sz="3270" spc="-1" strike="noStrike">
               <a:latin typeface="Arial"/>
@@ -12568,7 +12924,7 @@
         <p:spPr>
           <a:xfrm>
             <a:off x="457200" y="1632960"/>
-            <a:ext cx="8228520" cy="3976200"/>
+            <a:ext cx="8228160" cy="3975840"/>
           </a:xfrm>
           <a:prstGeom prst="rect">
             <a:avLst/>
@@ -12603,8 +12959,19 @@
                 <a:latin typeface="Arial"/>
                 <a:ea typeface="Arial"/>
               </a:rPr>
-              <a:t> </a:t>
-            </a:r>
+              <a:t>sealed trait Lista[T]</a:t>
+            </a:r>
+            <a:endParaRPr b="0" lang="es-AR" sz="2360" spc="-1" strike="noStrike">
+              <a:latin typeface="Arial"/>
+            </a:endParaRPr>
+          </a:p>
+          <a:p>
+            <a:pPr>
+              <a:lnSpc>
+                <a:spcPct val="100000"/>
+              </a:lnSpc>
+              <a:buNone/>
+            </a:pPr>
             <a:r>
               <a:rPr b="0" lang="es-AR" sz="2360" spc="-1" strike="noStrike">
                 <a:solidFill>
@@ -12613,7 +12980,7 @@
                 <a:latin typeface="Arial"/>
                 <a:ea typeface="Arial"/>
               </a:rPr>
-              <a:t>def cantidad[T](xs:List[T]):Int = xs match {</a:t>
+              <a:t>case class Vacia[T]() extends Lista[T]</a:t>
             </a:r>
             <a:endParaRPr b="0" lang="es-AR" sz="2360" spc="-1" strike="noStrike">
               <a:latin typeface="Arial"/>
@@ -12634,8 +13001,19 @@
                 <a:latin typeface="Arial"/>
                 <a:ea typeface="Arial"/>
               </a:rPr>
-              <a:t>  </a:t>
-            </a:r>
+              <a:t>case class Llena[T](val primero: T, val resto: Lista[T]) extends Lista[T] {</a:t>
+            </a:r>
+            <a:endParaRPr b="0" lang="es-AR" sz="2360" spc="-1" strike="noStrike">
+              <a:latin typeface="Arial"/>
+            </a:endParaRPr>
+          </a:p>
+          <a:p>
+            <a:pPr>
+              <a:lnSpc>
+                <a:spcPct val="100000"/>
+              </a:lnSpc>
+              <a:buNone/>
+            </a:pPr>
             <a:r>
               <a:rPr b="0" lang="es-AR" sz="2360" spc="-1" strike="noStrike">
                 <a:solidFill>
@@ -12644,7 +13022,7 @@
                 <a:latin typeface="Arial"/>
                 <a:ea typeface="Arial"/>
               </a:rPr>
-              <a:t>case List() =&gt; 0</a:t>
+              <a:t>}</a:t>
             </a:r>
             <a:endParaRPr b="0" lang="es-AR" sz="2360" spc="-1" strike="noStrike">
               <a:latin typeface="Arial"/>
@@ -12657,6 +13035,17 @@
               </a:lnSpc>
               <a:buNone/>
             </a:pPr>
+            <a:endParaRPr b="0" lang="es-AR" sz="2360" spc="-1" strike="noStrike">
+              <a:latin typeface="Arial"/>
+            </a:endParaRPr>
+          </a:p>
+          <a:p>
+            <a:pPr>
+              <a:lnSpc>
+                <a:spcPct val="100000"/>
+              </a:lnSpc>
+              <a:buNone/>
+            </a:pPr>
             <a:r>
               <a:rPr b="0" lang="es-AR" sz="2360" spc="-1" strike="noStrike">
                 <a:solidFill>
@@ -12665,8 +13054,19 @@
                 <a:latin typeface="Arial"/>
                 <a:ea typeface="Arial"/>
               </a:rPr>
-              <a:t>  </a:t>
-            </a:r>
+              <a:t>def  esVacio[T](e:Lista[T]) = e match {</a:t>
+            </a:r>
+            <a:endParaRPr b="0" lang="es-AR" sz="2360" spc="-1" strike="noStrike">
+              <a:latin typeface="Arial"/>
+            </a:endParaRPr>
+          </a:p>
+          <a:p>
+            <a:pPr>
+              <a:lnSpc>
+                <a:spcPct val="100000"/>
+              </a:lnSpc>
+              <a:buNone/>
+            </a:pPr>
             <a:r>
               <a:rPr b="0" lang="es-AR" sz="2360" spc="-1" strike="noStrike">
                 <a:solidFill>
@@ -12675,7 +13075,7 @@
                 <a:latin typeface="Arial"/>
                 <a:ea typeface="Arial"/>
               </a:rPr>
-              <a:t>case head :: List()  =&gt; 1</a:t>
+              <a:t>case e:Vacia[T] =&gt; true</a:t>
             </a:r>
             <a:endParaRPr b="0" lang="es-AR" sz="2360" spc="-1" strike="noStrike">
               <a:latin typeface="Arial"/>
@@ -12696,8 +13096,19 @@
                 <a:latin typeface="Arial"/>
                 <a:ea typeface="Arial"/>
               </a:rPr>
-              <a:t>  </a:t>
-            </a:r>
+              <a:t>case e:Llena[T] =&gt; false</a:t>
+            </a:r>
+            <a:endParaRPr b="0" lang="es-AR" sz="2360" spc="-1" strike="noStrike">
+              <a:latin typeface="Arial"/>
+            </a:endParaRPr>
+          </a:p>
+          <a:p>
+            <a:pPr>
+              <a:lnSpc>
+                <a:spcPct val="100000"/>
+              </a:lnSpc>
+              <a:buNone/>
+            </a:pPr>
             <a:r>
               <a:rPr b="0" lang="es-AR" sz="2360" spc="-1" strike="noStrike">
                 <a:solidFill>
@@ -12706,142 +13117,7 @@
                 <a:latin typeface="Arial"/>
                 <a:ea typeface="Arial"/>
               </a:rPr>
-              <a:t>case head :: tail =&gt; 1 + cantidad(tail)</a:t>
-            </a:r>
-            <a:endParaRPr b="0" lang="es-AR" sz="2360" spc="-1" strike="noStrike">
-              <a:latin typeface="Arial"/>
-            </a:endParaRPr>
-          </a:p>
-          <a:p>
-            <a:pPr>
-              <a:lnSpc>
-                <a:spcPct val="100000"/>
-              </a:lnSpc>
-              <a:buNone/>
-            </a:pPr>
-            <a:r>
-              <a:rPr b="0" lang="es-AR" sz="2360" spc="-1" strike="noStrike">
-                <a:solidFill>
-                  <a:srgbClr val="000000"/>
-                </a:solidFill>
-                <a:latin typeface="Arial"/>
-                <a:ea typeface="Arial"/>
-              </a:rPr>
-              <a:t>  </a:t>
-            </a:r>
-            <a:r>
-              <a:rPr b="0" lang="es-AR" sz="2360" spc="-1" strike="noStrike">
-                <a:solidFill>
-                  <a:srgbClr val="000000"/>
-                </a:solidFill>
-                <a:latin typeface="Arial"/>
-                <a:ea typeface="Arial"/>
-              </a:rPr>
-              <a:t>}             </a:t>
-            </a:r>
-            <a:endParaRPr b="0" lang="es-AR" sz="2360" spc="-1" strike="noStrike">
-              <a:latin typeface="Arial"/>
-            </a:endParaRPr>
-          </a:p>
-          <a:p>
-            <a:pPr>
-              <a:lnSpc>
-                <a:spcPct val="100000"/>
-              </a:lnSpc>
-              <a:buNone/>
-            </a:pPr>
-            <a:r>
-              <a:rPr b="0" lang="es-AR" sz="2360" spc="-1" strike="noStrike">
-                <a:solidFill>
-                  <a:srgbClr val="000000"/>
-                </a:solidFill>
-                <a:latin typeface="Arial"/>
-                <a:ea typeface="Arial"/>
-              </a:rPr>
-              <a:t>  </a:t>
-            </a:r>
-            <a:endParaRPr b="0" lang="es-AR" sz="2360" spc="-1" strike="noStrike">
-              <a:latin typeface="Arial"/>
-            </a:endParaRPr>
-          </a:p>
-          <a:p>
-            <a:pPr>
-              <a:lnSpc>
-                <a:spcPct val="100000"/>
-              </a:lnSpc>
-              <a:buNone/>
-            </a:pPr>
-            <a:r>
-              <a:rPr b="0" lang="es-AR" sz="2360" spc="-1" strike="noStrike">
-                <a:solidFill>
-                  <a:srgbClr val="000000"/>
-                </a:solidFill>
-                <a:latin typeface="Arial"/>
-                <a:ea typeface="Arial"/>
-              </a:rPr>
-              <a:t>  </a:t>
-            </a:r>
-            <a:r>
-              <a:rPr b="0" lang="es-AR" sz="2360" spc="-1" strike="noStrike">
-                <a:solidFill>
-                  <a:srgbClr val="000000"/>
-                </a:solidFill>
-                <a:latin typeface="Arial"/>
-                <a:ea typeface="Arial"/>
-              </a:rPr>
-              <a:t>val l = List(1,3,4,5,6,8)    </a:t>
-            </a:r>
-            <a:endParaRPr b="0" lang="es-AR" sz="2360" spc="-1" strike="noStrike">
-              <a:latin typeface="Arial"/>
-            </a:endParaRPr>
-          </a:p>
-          <a:p>
-            <a:pPr>
-              <a:lnSpc>
-                <a:spcPct val="100000"/>
-              </a:lnSpc>
-              <a:buNone/>
-            </a:pPr>
-            <a:r>
-              <a:rPr b="0" lang="es-AR" sz="2360" spc="-1" strike="noStrike">
-                <a:solidFill>
-                  <a:srgbClr val="000000"/>
-                </a:solidFill>
-                <a:latin typeface="Arial"/>
-                <a:ea typeface="Arial"/>
-              </a:rPr>
-              <a:t>  </a:t>
-            </a:r>
-            <a:endParaRPr b="0" lang="es-AR" sz="2360" spc="-1" strike="noStrike">
-              <a:latin typeface="Arial"/>
-            </a:endParaRPr>
-          </a:p>
-          <a:p>
-            <a:pPr>
-              <a:lnSpc>
-                <a:spcPct val="100000"/>
-              </a:lnSpc>
-              <a:buNone/>
-            </a:pPr>
-            <a:r>
-              <a:rPr b="0" lang="es-AR" sz="2360" spc="-1" strike="noStrike">
-                <a:solidFill>
-                  <a:srgbClr val="000000"/>
-                </a:solidFill>
-                <a:latin typeface="Arial"/>
-                <a:ea typeface="Arial"/>
-              </a:rPr>
-              <a:t>  </a:t>
-            </a:r>
-            <a:r>
-              <a:rPr b="0" lang="es-AR" sz="2360" spc="-1" strike="noStrike">
-                <a:solidFill>
-                  <a:srgbClr val="000000"/>
-                </a:solidFill>
-                <a:latin typeface="Arial"/>
-                <a:ea typeface="Arial"/>
-              </a:rPr>
-              <a:t>cantidad(l)      //&gt; res0: Int = 6</a:t>
+              <a:t>}    </a:t>
             </a:r>
             <a:endParaRPr b="0" lang="es-AR" sz="2360" spc="-1" strike="noStrike">
               <a:latin typeface="Arial"/>
@@ -12881,14 +13157,14 @@
       </p:grpSpPr>
       <p:sp>
         <p:nvSpPr>
-          <p:cNvPr id="145" name="TextShape 1"/>
+          <p:cNvPr id="145" name="TextShape 4"/>
           <p:cNvSpPr/>
           <p:nvPr/>
         </p:nvSpPr>
         <p:spPr>
           <a:xfrm>
             <a:off x="457200" y="522720"/>
-            <a:ext cx="6530400" cy="652320"/>
+            <a:ext cx="6530040" cy="651960"/>
           </a:xfrm>
           <a:prstGeom prst="rect">
             <a:avLst/>
@@ -12923,7 +13199,7 @@
                 <a:latin typeface="Arial"/>
                 <a:ea typeface="Arial"/>
               </a:rPr>
-              <a:t>Y como queda nuestra lista?</a:t>
+              <a:t>Typescript</a:t>
             </a:r>
             <a:endParaRPr b="0" lang="es-AR" sz="3270" spc="-1" strike="noStrike">
               <a:latin typeface="Arial"/>
@@ -12933,14 +13209,14 @@
       </p:sp>
       <p:sp>
         <p:nvSpPr>
-          <p:cNvPr id="146" name="TextShape 2"/>
+          <p:cNvPr id="146" name="TextShape 5"/>
           <p:cNvSpPr/>
           <p:nvPr/>
         </p:nvSpPr>
         <p:spPr>
           <a:xfrm>
             <a:off x="457200" y="1632960"/>
-            <a:ext cx="8228520" cy="3976200"/>
+            <a:ext cx="8228160" cy="3975840"/>
           </a:xfrm>
           <a:prstGeom prst="rect">
             <a:avLst/>
@@ -12975,165 +13251,7 @@
                 <a:latin typeface="Arial"/>
                 <a:ea typeface="Arial"/>
               </a:rPr>
-              <a:t>sealed trait Lista[T]</a:t>
-            </a:r>
-            <a:endParaRPr b="0" lang="es-AR" sz="2360" spc="-1" strike="noStrike">
-              <a:latin typeface="Arial"/>
-            </a:endParaRPr>
-          </a:p>
-          <a:p>
-            <a:pPr>
-              <a:lnSpc>
-                <a:spcPct val="100000"/>
-              </a:lnSpc>
-              <a:buNone/>
-            </a:pPr>
-            <a:r>
-              <a:rPr b="0" lang="es-AR" sz="2360" spc="-1" strike="noStrike">
-                <a:solidFill>
-                  <a:srgbClr val="000000"/>
-                </a:solidFill>
-                <a:latin typeface="Arial"/>
-                <a:ea typeface="Arial"/>
-              </a:rPr>
-              <a:t>case class Vacia[T]() extends Lista[T]</a:t>
-            </a:r>
-            <a:endParaRPr b="0" lang="es-AR" sz="2360" spc="-1" strike="noStrike">
-              <a:latin typeface="Arial"/>
-            </a:endParaRPr>
-          </a:p>
-          <a:p>
-            <a:pPr>
-              <a:lnSpc>
-                <a:spcPct val="100000"/>
-              </a:lnSpc>
-              <a:buNone/>
-            </a:pPr>
-            <a:r>
-              <a:rPr b="0" lang="es-AR" sz="2360" spc="-1" strike="noStrike">
-                <a:solidFill>
-                  <a:srgbClr val="000000"/>
-                </a:solidFill>
-                <a:latin typeface="Arial"/>
-                <a:ea typeface="Arial"/>
-              </a:rPr>
-              <a:t>case class Llena[T](val primero: T, val resto: Lista[T]) extends Lista[T] {</a:t>
-            </a:r>
-            <a:endParaRPr b="0" lang="es-AR" sz="2360" spc="-1" strike="noStrike">
-              <a:latin typeface="Arial"/>
-            </a:endParaRPr>
-          </a:p>
-          <a:p>
-            <a:pPr>
-              <a:lnSpc>
-                <a:spcPct val="100000"/>
-              </a:lnSpc>
-              <a:buNone/>
-            </a:pPr>
-            <a:r>
-              <a:rPr b="0" lang="es-AR" sz="2360" spc="-1" strike="noStrike">
-                <a:solidFill>
-                  <a:srgbClr val="000000"/>
-                </a:solidFill>
-                <a:latin typeface="Arial"/>
-                <a:ea typeface="Arial"/>
-              </a:rPr>
-              <a:t>}</a:t>
-            </a:r>
-            <a:endParaRPr b="0" lang="es-AR" sz="2360" spc="-1" strike="noStrike">
-              <a:latin typeface="Arial"/>
-            </a:endParaRPr>
-          </a:p>
-          <a:p>
-            <a:pPr>
-              <a:lnSpc>
-                <a:spcPct val="100000"/>
-              </a:lnSpc>
-              <a:buNone/>
-            </a:pPr>
-            <a:endParaRPr b="0" lang="es-AR" sz="2360" spc="-1" strike="noStrike">
-              <a:latin typeface="Arial"/>
-            </a:endParaRPr>
-          </a:p>
-          <a:p>
-            <a:pPr>
-              <a:lnSpc>
-                <a:spcPct val="100000"/>
-              </a:lnSpc>
-              <a:buNone/>
-            </a:pPr>
-            <a:r>
-              <a:rPr b="0" lang="es-AR" sz="2360" spc="-1" strike="noStrike">
-                <a:solidFill>
-                  <a:srgbClr val="000000"/>
-                </a:solidFill>
-                <a:latin typeface="Arial"/>
-                <a:ea typeface="Arial"/>
-              </a:rPr>
-              <a:t>def  esVacio[T](e:Lista[T]) = e match {</a:t>
-            </a:r>
-            <a:endParaRPr b="0" lang="es-AR" sz="2360" spc="-1" strike="noStrike">
-              <a:latin typeface="Arial"/>
-            </a:endParaRPr>
-          </a:p>
-          <a:p>
-            <a:pPr>
-              <a:lnSpc>
-                <a:spcPct val="100000"/>
-              </a:lnSpc>
-              <a:buNone/>
-            </a:pPr>
-            <a:r>
-              <a:rPr b="0" lang="es-AR" sz="2360" spc="-1" strike="noStrike">
-                <a:solidFill>
-                  <a:srgbClr val="000000"/>
-                </a:solidFill>
-                <a:latin typeface="Arial"/>
-                <a:ea typeface="Arial"/>
-              </a:rPr>
-              <a:t>case e:Vacia[T] =&gt; true</a:t>
-            </a:r>
-            <a:endParaRPr b="0" lang="es-AR" sz="2360" spc="-1" strike="noStrike">
-              <a:latin typeface="Arial"/>
-            </a:endParaRPr>
-          </a:p>
-          <a:p>
-            <a:pPr>
-              <a:lnSpc>
-                <a:spcPct val="100000"/>
-              </a:lnSpc>
-              <a:buNone/>
-            </a:pPr>
-            <a:r>
-              <a:rPr b="0" lang="es-AR" sz="2360" spc="-1" strike="noStrike">
-                <a:solidFill>
-                  <a:srgbClr val="000000"/>
-                </a:solidFill>
-                <a:latin typeface="Arial"/>
-                <a:ea typeface="Arial"/>
-              </a:rPr>
-              <a:t>case e:Llena[T] =&gt; false</a:t>
-            </a:r>
-            <a:endParaRPr b="0" lang="es-AR" sz="2360" spc="-1" strike="noStrike">
-              <a:latin typeface="Arial"/>
-            </a:endParaRPr>
-          </a:p>
-          <a:p>
-            <a:pPr>
-              <a:lnSpc>
-                <a:spcPct val="100000"/>
-              </a:lnSpc>
-              <a:buNone/>
-            </a:pPr>
-            <a:r>
-              <a:rPr b="0" lang="es-AR" sz="2360" spc="-1" strike="noStrike">
-                <a:solidFill>
-                  <a:srgbClr val="000000"/>
-                </a:solidFill>
-                <a:latin typeface="Arial"/>
-                <a:ea typeface="Arial"/>
-              </a:rPr>
-              <a:t>}    </a:t>
+              <a:t>TypeScript no tiene un soporte nativo de pattern matching al estilo de lenguajes como Scala o Haskell, se puede simular de manera efectiva utilizando algunas características como:</a:t>
             </a:r>
             <a:endParaRPr b="0" lang="es-AR" sz="2360" spc="-1" strike="noStrike">
               <a:latin typeface="Arial"/>
@@ -13171,46 +13289,21 @@
           <a:chExt cx="0" cy="0"/>
         </a:xfrm>
       </p:grpSpPr>
-      <p:pic>
-        <p:nvPicPr>
-          <p:cNvPr id="147" name="Google Shape;232;p33" descr="imagen.jpg"/>
-          <p:cNvPicPr/>
+      <p:sp>
+        <p:nvSpPr>
+          <p:cNvPr id="147" name="TextShape 6"/>
+          <p:cNvSpPr/>
           <p:nvPr/>
-        </p:nvPicPr>
-        <p:blipFill>
-          <a:blip r:embed="rId1"/>
-          <a:stretch/>
-        </p:blipFill>
+        </p:nvSpPr>
         <p:spPr>
           <a:xfrm>
-            <a:off x="0" y="0"/>
-            <a:ext cx="9143280" cy="6857280"/>
+            <a:off x="457200" y="522720"/>
+            <a:ext cx="6530040" cy="651960"/>
           </a:xfrm>
           <a:prstGeom prst="rect">
             <a:avLst/>
           </a:prstGeom>
-          <a:ln w="0">
-            <a:noFill/>
-          </a:ln>
-        </p:spPr>
-      </p:pic>
-      <p:sp>
-        <p:nvSpPr>
-          <p:cNvPr id="148" name="Google Shape;233;p33"/>
-          <p:cNvSpPr/>
-          <p:nvPr/>
-        </p:nvSpPr>
-        <p:spPr>
-          <a:xfrm>
-            <a:off x="0" y="6603840"/>
-            <a:ext cx="9143280" cy="253440"/>
-          </a:xfrm>
-          <a:prstGeom prst="rect">
-            <a:avLst/>
-          </a:prstGeom>
-          <a:solidFill>
-            <a:schemeClr val="lt1"/>
-          </a:solidFill>
+          <a:noFill/>
           <a:ln w="0">
             <a:noFill/>
           </a:ln>
@@ -13222,70 +13315,550 @@
           <a:fontRef idx="minor"/>
         </p:style>
         <p:txBody>
-          <a:bodyPr lIns="90000" rIns="90000" tIns="45000" bIns="45000" anchor="ctr">
+          <a:bodyPr lIns="0" rIns="0" tIns="0" bIns="0" anchor="ctr">
             <a:noAutofit/>
           </a:bodyPr>
           <a:p>
-            <a:pPr algn="ctr">
-              <a:lnSpc>
-                <a:spcPct val="100000"/>
-              </a:lnSpc>
-              <a:buNone/>
-              <a:tabLst>
-                <a:tab algn="l" pos="0"/>
-              </a:tabLst>
-            </a:pPr>
-            <a:r>
-              <a:rPr b="0" lang="es-AR" sz="1800" spc="-1" strike="noStrike">
-                <a:solidFill>
-                  <a:srgbClr val="ffffff"/>
-                </a:solidFill>
-                <a:latin typeface="Calibri"/>
-                <a:ea typeface="Calibri"/>
-              </a:rPr>
-              <a:t> </a:t>
-            </a:r>
-            <a:endParaRPr b="0" lang="es-AR" sz="1800" spc="-1" strike="noStrike">
-              <a:latin typeface="Arial"/>
-            </a:endParaRPr>
-          </a:p>
-        </p:txBody>
-      </p:sp>
-      <p:pic>
-        <p:nvPicPr>
-          <p:cNvPr id="149" name="Google Shape;234;p33" descr="logo solo-08.jpg"/>
-          <p:cNvPicPr/>
+            <a:pPr>
+              <a:lnSpc>
+                <a:spcPct val="100000"/>
+              </a:lnSpc>
+              <a:buNone/>
+            </a:pPr>
+            <a:r>
+              <a:rPr b="0" lang="es-AR" sz="3270" spc="-1" strike="noStrike">
+                <a:solidFill>
+                  <a:srgbClr val="000000"/>
+                </a:solidFill>
+                <a:latin typeface="Arial"/>
+                <a:ea typeface="Arial"/>
+              </a:rPr>
+              <a:t>Tipos discriminados</a:t>
+            </a:r>
+            <a:endParaRPr b="0" lang="es-AR" sz="3270" spc="-1" strike="noStrike">
+              <a:latin typeface="Arial"/>
+            </a:endParaRPr>
+          </a:p>
+        </p:txBody>
+      </p:sp>
+      <p:sp>
+        <p:nvSpPr>
+          <p:cNvPr id="148" name="TextShape 7"/>
+          <p:cNvSpPr/>
           <p:nvPr/>
-        </p:nvPicPr>
-        <p:blipFill>
-          <a:blip r:embed="rId2"/>
-          <a:stretch/>
-        </p:blipFill>
+        </p:nvSpPr>
         <p:spPr>
           <a:xfrm>
-            <a:off x="7505640" y="5885640"/>
-            <a:ext cx="840600" cy="980640"/>
+            <a:off x="360000" y="1260000"/>
+            <a:ext cx="9180000" cy="5400000"/>
           </a:xfrm>
           <a:prstGeom prst="rect">
             <a:avLst/>
           </a:prstGeom>
+          <a:noFill/>
           <a:ln w="0">
             <a:noFill/>
           </a:ln>
         </p:spPr>
-      </p:pic>
+        <p:style>
+          <a:lnRef idx="0"/>
+          <a:fillRef idx="0"/>
+          <a:effectRef idx="0"/>
+          <a:fontRef idx="minor"/>
+        </p:style>
+        <p:txBody>
+          <a:bodyPr lIns="0" rIns="0" tIns="0" bIns="0" anchor="t">
+            <a:normAutofit fontScale="79000"/>
+          </a:bodyPr>
+          <a:p>
+            <a:pPr>
+              <a:lnSpc>
+                <a:spcPct val="100000"/>
+              </a:lnSpc>
+              <a:buNone/>
+            </a:pPr>
+            <a:r>
+              <a:rPr b="0" lang="es-AR" sz="2360" spc="-1" strike="noStrike">
+                <a:solidFill>
+                  <a:srgbClr val="000000"/>
+                </a:solidFill>
+                <a:latin typeface="Arial"/>
+                <a:ea typeface="Arial"/>
+              </a:rPr>
+              <a:t>type Shape = </a:t>
+            </a:r>
+            <a:endParaRPr b="0" lang="es-AR" sz="2360" spc="-1" strike="noStrike">
+              <a:latin typeface="Arial"/>
+            </a:endParaRPr>
+          </a:p>
+          <a:p>
+            <a:pPr>
+              <a:lnSpc>
+                <a:spcPct val="100000"/>
+              </a:lnSpc>
+              <a:buNone/>
+            </a:pPr>
+            <a:r>
+              <a:rPr b="0" lang="es-AR" sz="2360" spc="-1" strike="noStrike">
+                <a:solidFill>
+                  <a:srgbClr val="000000"/>
+                </a:solidFill>
+                <a:latin typeface="Arial"/>
+                <a:ea typeface="Arial"/>
+              </a:rPr>
+              <a:t>  </a:t>
+            </a:r>
+            <a:r>
+              <a:rPr b="0" lang="es-AR" sz="2360" spc="-1" strike="noStrike">
+                <a:solidFill>
+                  <a:srgbClr val="000000"/>
+                </a:solidFill>
+                <a:latin typeface="Arial"/>
+                <a:ea typeface="Arial"/>
+              </a:rPr>
+              <a:t>| { kind: 'circle', radius: number }</a:t>
+            </a:r>
+            <a:endParaRPr b="0" lang="es-AR" sz="2360" spc="-1" strike="noStrike">
+              <a:latin typeface="Arial"/>
+            </a:endParaRPr>
+          </a:p>
+          <a:p>
+            <a:pPr>
+              <a:lnSpc>
+                <a:spcPct val="100000"/>
+              </a:lnSpc>
+              <a:buNone/>
+            </a:pPr>
+            <a:r>
+              <a:rPr b="0" lang="es-AR" sz="2360" spc="-1" strike="noStrike">
+                <a:solidFill>
+                  <a:srgbClr val="000000"/>
+                </a:solidFill>
+                <a:latin typeface="Arial"/>
+                <a:ea typeface="Arial"/>
+              </a:rPr>
+              <a:t>  </a:t>
+            </a:r>
+            <a:r>
+              <a:rPr b="0" lang="es-AR" sz="2360" spc="-1" strike="noStrike">
+                <a:solidFill>
+                  <a:srgbClr val="000000"/>
+                </a:solidFill>
+                <a:latin typeface="Arial"/>
+                <a:ea typeface="Arial"/>
+              </a:rPr>
+              <a:t>| { kind: 'square', sideLength: number }</a:t>
+            </a:r>
+            <a:endParaRPr b="0" lang="es-AR" sz="2360" spc="-1" strike="noStrike">
+              <a:latin typeface="Arial"/>
+            </a:endParaRPr>
+          </a:p>
+          <a:p>
+            <a:pPr>
+              <a:lnSpc>
+                <a:spcPct val="100000"/>
+              </a:lnSpc>
+              <a:buNone/>
+            </a:pPr>
+            <a:r>
+              <a:rPr b="0" lang="es-AR" sz="2360" spc="-1" strike="noStrike">
+                <a:solidFill>
+                  <a:srgbClr val="000000"/>
+                </a:solidFill>
+                <a:latin typeface="Arial"/>
+                <a:ea typeface="Arial"/>
+              </a:rPr>
+              <a:t>  </a:t>
+            </a:r>
+            <a:r>
+              <a:rPr b="0" lang="es-AR" sz="2360" spc="-1" strike="noStrike">
+                <a:solidFill>
+                  <a:srgbClr val="000000"/>
+                </a:solidFill>
+                <a:latin typeface="Arial"/>
+                <a:ea typeface="Arial"/>
+              </a:rPr>
+              <a:t>| { kind: 'rectangle', width: number, height: number };</a:t>
+            </a:r>
+            <a:endParaRPr b="0" lang="es-AR" sz="2360" spc="-1" strike="noStrike">
+              <a:latin typeface="Arial"/>
+            </a:endParaRPr>
+          </a:p>
+          <a:p>
+            <a:pPr>
+              <a:lnSpc>
+                <a:spcPct val="100000"/>
+              </a:lnSpc>
+              <a:buNone/>
+            </a:pPr>
+            <a:endParaRPr b="0" lang="es-AR" sz="2360" spc="-1" strike="noStrike">
+              <a:latin typeface="Arial"/>
+            </a:endParaRPr>
+          </a:p>
+          <a:p>
+            <a:pPr>
+              <a:lnSpc>
+                <a:spcPct val="100000"/>
+              </a:lnSpc>
+              <a:buNone/>
+            </a:pPr>
+            <a:endParaRPr b="0" lang="es-AR" sz="2360" spc="-1" strike="noStrike">
+              <a:latin typeface="Arial"/>
+            </a:endParaRPr>
+          </a:p>
+          <a:p>
+            <a:pPr>
+              <a:lnSpc>
+                <a:spcPct val="100000"/>
+              </a:lnSpc>
+              <a:buNone/>
+            </a:pPr>
+            <a:r>
+              <a:rPr b="0" lang="es-AR" sz="2360" spc="-1" strike="noStrike">
+                <a:solidFill>
+                  <a:srgbClr val="000000"/>
+                </a:solidFill>
+                <a:latin typeface="Arial"/>
+                <a:ea typeface="Arial"/>
+              </a:rPr>
+              <a:t>function area(shape: Shape): number {</a:t>
+            </a:r>
+            <a:endParaRPr b="0" lang="es-AR" sz="2360" spc="-1" strike="noStrike">
+              <a:latin typeface="Arial"/>
+            </a:endParaRPr>
+          </a:p>
+          <a:p>
+            <a:pPr>
+              <a:lnSpc>
+                <a:spcPct val="100000"/>
+              </a:lnSpc>
+              <a:buNone/>
+            </a:pPr>
+            <a:r>
+              <a:rPr b="0" lang="es-AR" sz="2360" spc="-1" strike="noStrike">
+                <a:solidFill>
+                  <a:srgbClr val="000000"/>
+                </a:solidFill>
+                <a:latin typeface="Arial"/>
+                <a:ea typeface="Arial"/>
+              </a:rPr>
+              <a:t>  </a:t>
+            </a:r>
+            <a:r>
+              <a:rPr b="0" lang="es-AR" sz="2360" spc="-1" strike="noStrike">
+                <a:solidFill>
+                  <a:srgbClr val="000000"/>
+                </a:solidFill>
+                <a:latin typeface="Arial"/>
+                <a:ea typeface="Arial"/>
+              </a:rPr>
+              <a:t>switch (shape.kind) {</a:t>
+            </a:r>
+            <a:endParaRPr b="0" lang="es-AR" sz="2360" spc="-1" strike="noStrike">
+              <a:latin typeface="Arial"/>
+            </a:endParaRPr>
+          </a:p>
+          <a:p>
+            <a:pPr>
+              <a:lnSpc>
+                <a:spcPct val="100000"/>
+              </a:lnSpc>
+              <a:buNone/>
+            </a:pPr>
+            <a:r>
+              <a:rPr b="0" lang="es-AR" sz="2360" spc="-1" strike="noStrike">
+                <a:solidFill>
+                  <a:srgbClr val="000000"/>
+                </a:solidFill>
+                <a:latin typeface="Arial"/>
+                <a:ea typeface="Arial"/>
+              </a:rPr>
+              <a:t>    </a:t>
+            </a:r>
+            <a:r>
+              <a:rPr b="0" lang="es-AR" sz="2360" spc="-1" strike="noStrike">
+                <a:solidFill>
+                  <a:srgbClr val="000000"/>
+                </a:solidFill>
+                <a:latin typeface="Arial"/>
+                <a:ea typeface="Arial"/>
+              </a:rPr>
+              <a:t>case 'circle':</a:t>
+            </a:r>
+            <a:endParaRPr b="0" lang="es-AR" sz="2360" spc="-1" strike="noStrike">
+              <a:latin typeface="Arial"/>
+            </a:endParaRPr>
+          </a:p>
+          <a:p>
+            <a:pPr>
+              <a:lnSpc>
+                <a:spcPct val="100000"/>
+              </a:lnSpc>
+              <a:buNone/>
+            </a:pPr>
+            <a:r>
+              <a:rPr b="0" lang="es-AR" sz="2360" spc="-1" strike="noStrike">
+                <a:solidFill>
+                  <a:srgbClr val="000000"/>
+                </a:solidFill>
+                <a:latin typeface="Arial"/>
+                <a:ea typeface="Arial"/>
+              </a:rPr>
+              <a:t>      </a:t>
+            </a:r>
+            <a:r>
+              <a:rPr b="0" lang="es-AR" sz="2360" spc="-1" strike="noStrike">
+                <a:solidFill>
+                  <a:srgbClr val="000000"/>
+                </a:solidFill>
+                <a:latin typeface="Arial"/>
+                <a:ea typeface="Arial"/>
+              </a:rPr>
+              <a:t>return Math.PI * shape.radius ** 2;</a:t>
+            </a:r>
+            <a:endParaRPr b="0" lang="es-AR" sz="2360" spc="-1" strike="noStrike">
+              <a:latin typeface="Arial"/>
+            </a:endParaRPr>
+          </a:p>
+          <a:p>
+            <a:pPr>
+              <a:lnSpc>
+                <a:spcPct val="100000"/>
+              </a:lnSpc>
+              <a:buNone/>
+            </a:pPr>
+            <a:r>
+              <a:rPr b="0" lang="es-AR" sz="2360" spc="-1" strike="noStrike">
+                <a:solidFill>
+                  <a:srgbClr val="000000"/>
+                </a:solidFill>
+                <a:latin typeface="Arial"/>
+                <a:ea typeface="Arial"/>
+              </a:rPr>
+              <a:t>    </a:t>
+            </a:r>
+            <a:r>
+              <a:rPr b="0" lang="es-AR" sz="2360" spc="-1" strike="noStrike">
+                <a:solidFill>
+                  <a:srgbClr val="000000"/>
+                </a:solidFill>
+                <a:latin typeface="Arial"/>
+                <a:ea typeface="Arial"/>
+              </a:rPr>
+              <a:t>case 'square':</a:t>
+            </a:r>
+            <a:endParaRPr b="0" lang="es-AR" sz="2360" spc="-1" strike="noStrike">
+              <a:latin typeface="Arial"/>
+            </a:endParaRPr>
+          </a:p>
+          <a:p>
+            <a:pPr>
+              <a:lnSpc>
+                <a:spcPct val="100000"/>
+              </a:lnSpc>
+              <a:buNone/>
+            </a:pPr>
+            <a:r>
+              <a:rPr b="0" lang="es-AR" sz="2360" spc="-1" strike="noStrike">
+                <a:solidFill>
+                  <a:srgbClr val="000000"/>
+                </a:solidFill>
+                <a:latin typeface="Arial"/>
+                <a:ea typeface="Arial"/>
+              </a:rPr>
+              <a:t>      </a:t>
+            </a:r>
+            <a:r>
+              <a:rPr b="0" lang="es-AR" sz="2360" spc="-1" strike="noStrike">
+                <a:solidFill>
+                  <a:srgbClr val="000000"/>
+                </a:solidFill>
+                <a:latin typeface="Arial"/>
+                <a:ea typeface="Arial"/>
+              </a:rPr>
+              <a:t>return shape.sideLength ** 2;</a:t>
+            </a:r>
+            <a:endParaRPr b="0" lang="es-AR" sz="2360" spc="-1" strike="noStrike">
+              <a:latin typeface="Arial"/>
+            </a:endParaRPr>
+          </a:p>
+          <a:p>
+            <a:pPr>
+              <a:lnSpc>
+                <a:spcPct val="100000"/>
+              </a:lnSpc>
+              <a:buNone/>
+            </a:pPr>
+            <a:r>
+              <a:rPr b="0" lang="es-AR" sz="2360" spc="-1" strike="noStrike">
+                <a:solidFill>
+                  <a:srgbClr val="000000"/>
+                </a:solidFill>
+                <a:latin typeface="Arial"/>
+                <a:ea typeface="Arial"/>
+              </a:rPr>
+              <a:t>    </a:t>
+            </a:r>
+            <a:r>
+              <a:rPr b="0" lang="es-AR" sz="2360" spc="-1" strike="noStrike">
+                <a:solidFill>
+                  <a:srgbClr val="000000"/>
+                </a:solidFill>
+                <a:latin typeface="Arial"/>
+                <a:ea typeface="Arial"/>
+              </a:rPr>
+              <a:t>case 'rectangle':</a:t>
+            </a:r>
+            <a:endParaRPr b="0" lang="es-AR" sz="2360" spc="-1" strike="noStrike">
+              <a:latin typeface="Arial"/>
+            </a:endParaRPr>
+          </a:p>
+          <a:p>
+            <a:pPr>
+              <a:lnSpc>
+                <a:spcPct val="100000"/>
+              </a:lnSpc>
+              <a:buNone/>
+            </a:pPr>
+            <a:r>
+              <a:rPr b="0" lang="es-AR" sz="2360" spc="-1" strike="noStrike">
+                <a:solidFill>
+                  <a:srgbClr val="000000"/>
+                </a:solidFill>
+                <a:latin typeface="Arial"/>
+                <a:ea typeface="Arial"/>
+              </a:rPr>
+              <a:t>      </a:t>
+            </a:r>
+            <a:r>
+              <a:rPr b="0" lang="es-AR" sz="2360" spc="-1" strike="noStrike">
+                <a:solidFill>
+                  <a:srgbClr val="000000"/>
+                </a:solidFill>
+                <a:latin typeface="Arial"/>
+                <a:ea typeface="Arial"/>
+              </a:rPr>
+              <a:t>return shape.width * shape.height;</a:t>
+            </a:r>
+            <a:endParaRPr b="0" lang="es-AR" sz="2360" spc="-1" strike="noStrike">
+              <a:latin typeface="Arial"/>
+            </a:endParaRPr>
+          </a:p>
+          <a:p>
+            <a:pPr>
+              <a:lnSpc>
+                <a:spcPct val="100000"/>
+              </a:lnSpc>
+              <a:buNone/>
+            </a:pPr>
+            <a:r>
+              <a:rPr b="0" lang="es-AR" sz="2360" spc="-1" strike="noStrike">
+                <a:solidFill>
+                  <a:srgbClr val="000000"/>
+                </a:solidFill>
+                <a:latin typeface="Arial"/>
+                <a:ea typeface="Arial"/>
+              </a:rPr>
+              <a:t>  </a:t>
+            </a:r>
+            <a:r>
+              <a:rPr b="0" lang="es-AR" sz="2360" spc="-1" strike="noStrike">
+                <a:solidFill>
+                  <a:srgbClr val="000000"/>
+                </a:solidFill>
+                <a:latin typeface="Arial"/>
+                <a:ea typeface="Arial"/>
+              </a:rPr>
+              <a:t>}</a:t>
+            </a:r>
+            <a:endParaRPr b="0" lang="es-AR" sz="2360" spc="-1" strike="noStrike">
+              <a:latin typeface="Arial"/>
+            </a:endParaRPr>
+          </a:p>
+          <a:p>
+            <a:pPr>
+              <a:lnSpc>
+                <a:spcPct val="100000"/>
+              </a:lnSpc>
+              <a:buNone/>
+            </a:pPr>
+            <a:r>
+              <a:rPr b="0" lang="es-AR" sz="2360" spc="-1" strike="noStrike">
+                <a:solidFill>
+                  <a:srgbClr val="000000"/>
+                </a:solidFill>
+                <a:latin typeface="Arial"/>
+                <a:ea typeface="Arial"/>
+              </a:rPr>
+              <a:t>}</a:t>
+            </a:r>
+            <a:endParaRPr b="0" lang="es-AR" sz="2360" spc="-1" strike="noStrike">
+              <a:latin typeface="Arial"/>
+            </a:endParaRPr>
+          </a:p>
+          <a:p>
+            <a:pPr>
+              <a:lnSpc>
+                <a:spcPct val="100000"/>
+              </a:lnSpc>
+              <a:buNone/>
+            </a:pPr>
+            <a:endParaRPr b="0" lang="es-AR" sz="2360" spc="-1" strike="noStrike">
+              <a:latin typeface="Arial"/>
+            </a:endParaRPr>
+          </a:p>
+          <a:p>
+            <a:pPr>
+              <a:lnSpc>
+                <a:spcPct val="100000"/>
+              </a:lnSpc>
+              <a:buNone/>
+            </a:pPr>
+            <a:r>
+              <a:rPr b="0" lang="es-AR" sz="2360" spc="-1" strike="noStrike">
+                <a:solidFill>
+                  <a:srgbClr val="000000"/>
+                </a:solidFill>
+                <a:latin typeface="Arial"/>
+                <a:ea typeface="Arial"/>
+              </a:rPr>
+              <a:t>const myCircle: Shape = { kind: 'circle', radius: 5 };</a:t>
+            </a:r>
+            <a:endParaRPr b="0" lang="es-AR" sz="2360" spc="-1" strike="noStrike">
+              <a:latin typeface="Arial"/>
+            </a:endParaRPr>
+          </a:p>
+          <a:p>
+            <a:pPr>
+              <a:lnSpc>
+                <a:spcPct val="100000"/>
+              </a:lnSpc>
+              <a:buNone/>
+            </a:pPr>
+            <a:r>
+              <a:rPr b="0" lang="es-AR" sz="2360" spc="-1" strike="noStrike">
+                <a:solidFill>
+                  <a:srgbClr val="000000"/>
+                </a:solidFill>
+                <a:latin typeface="Arial"/>
+                <a:ea typeface="Arial"/>
+              </a:rPr>
+              <a:t>console.log(area(myCircle)); // 78.53981633974483    </a:t>
+            </a:r>
+            <a:endParaRPr b="0" lang="es-AR" sz="2360" spc="-1" strike="noStrike">
+              <a:latin typeface="Arial"/>
+            </a:endParaRPr>
+          </a:p>
+        </p:txBody>
+      </p:sp>
     </p:spTree>
   </p:cSld>
   <mc:AlternateContent>
     <mc:Choice Requires="p14">
-      <p:transition spd="med" p14:dur="700">
-        <p:fade/>
-      </p:transition>
+      <p:transition spd="slow" p14:dur="2000"/>
     </mc:Choice>
     <mc:Fallback>
-      <p:transition spd="med">
-        <p:fade/>
-      </p:transition>
+      <p:transition spd="slow"/>
     </mc:Fallback>
   </mc:AlternateContent>
 </p:sld>
@@ -13321,7 +13894,7 @@
         <p:spPr>
           <a:xfrm>
             <a:off x="456480" y="273960"/>
-            <a:ext cx="8227440" cy="1144080"/>
+            <a:ext cx="8227080" cy="1143720"/>
           </a:xfrm>
           <a:prstGeom prst="rect">
             <a:avLst/>
@@ -13393,7 +13966,7 @@
         <p:spPr>
           <a:xfrm>
             <a:off x="456480" y="1604520"/>
-            <a:ext cx="8227440" cy="3976560"/>
+            <a:ext cx="8227080" cy="3976200"/>
           </a:xfrm>
           <a:prstGeom prst="rect">
             <a:avLst/>
@@ -13573,16 +14146,6 @@
                 <a:tab algn="l" pos="0"/>
               </a:tabLst>
             </a:pPr>
-            <a:r>
-              <a:rPr b="0" lang="es-AR" sz="2360" spc="-1" strike="noStrike">
-                <a:solidFill>
-                  <a:srgbClr val="000000"/>
-                </a:solidFill>
-                <a:latin typeface="Arial"/>
-                <a:ea typeface="SimSun"/>
-              </a:rPr>
-              <a:t>List list = new ArrayList();</a:t>
-            </a:r>
             <a:endParaRPr b="0" lang="es-AR" sz="2360" spc="-1" strike="noStrike">
               <a:latin typeface="Arial"/>
             </a:endParaRPr>
@@ -13608,7 +14171,7 @@
                 <a:latin typeface="Arial"/>
                 <a:ea typeface="SimSun"/>
               </a:rPr>
-              <a:t>list.add("hello");</a:t>
+              <a:t>List list = new ArrayList();</a:t>
             </a:r>
             <a:endParaRPr b="0" lang="es-AR" sz="2360" spc="-1" strike="noStrike">
               <a:latin typeface="Arial"/>
@@ -13635,9 +14198,4206 @@
                 <a:latin typeface="Arial"/>
                 <a:ea typeface="SimSun"/>
               </a:rPr>
+              <a:t>list.add("hello");</a:t>
+            </a:r>
+            <a:endParaRPr b="0" lang="es-AR" sz="2360" spc="-1" strike="noStrike">
+              <a:latin typeface="Arial"/>
+            </a:endParaRPr>
+          </a:p>
+          <a:p>
+            <a:pPr marL="431640" indent="-324000">
+              <a:lnSpc>
+                <a:spcPct val="100000"/>
+              </a:lnSpc>
+              <a:spcBef>
+                <a:spcPts val="473"/>
+              </a:spcBef>
+              <a:buNone/>
+              <a:tabLst>
+                <a:tab algn="l" pos="0"/>
+              </a:tabLst>
+            </a:pPr>
+            <a:r>
+              <a:rPr b="0" lang="es-AR" sz="2360" spc="-1" strike="noStrike">
+                <a:solidFill>
+                  <a:srgbClr val="000000"/>
+                </a:solidFill>
+                <a:latin typeface="Arial"/>
+                <a:ea typeface="SimSun"/>
+              </a:rPr>
               <a:t>String s = (String) list.get(0);</a:t>
             </a:r>
             <a:endParaRPr b="0" lang="es-AR" sz="2360" spc="-1" strike="noStrike">
+              <a:latin typeface="Arial"/>
+            </a:endParaRPr>
+          </a:p>
+        </p:txBody>
+      </p:sp>
+    </p:spTree>
+  </p:cSld>
+  <mc:AlternateContent>
+    <mc:Choice Requires="p14">
+      <p:transition spd="slow" p14:dur="2000"/>
+    </mc:Choice>
+    <mc:Fallback>
+      <p:transition spd="slow"/>
+    </mc:Fallback>
+  </mc:AlternateContent>
+</p:sld>
+</file>
+
+<file path=ppt/slides/slide30.xml><?xml version="1.0" encoding="utf-8"?>
+<p:sld xmlns:a="http://schemas.openxmlformats.org/drawingml/2006/main" xmlns:p="http://schemas.openxmlformats.org/presentationml/2006/main" xmlns:r="http://schemas.openxmlformats.org/officeDocument/2006/relationships" xmlns:p14="http://schemas.microsoft.com/office/powerpoint/2010/main" xmlns:p15="http://schemas.microsoft.com/office/powerpoint/2012/main" xmlns:mc="http://schemas.openxmlformats.org/markup-compatibility/2006">
+  <p:cSld>
+    <p:spTree>
+      <p:nvGrpSpPr>
+        <p:cNvPr id="1" name=""/>
+        <p:cNvGrpSpPr/>
+        <p:nvPr/>
+      </p:nvGrpSpPr>
+      <p:grpSpPr>
+        <a:xfrm>
+          <a:off x="0" y="0"/>
+          <a:ext cx="0" cy="0"/>
+          <a:chOff x="0" y="0"/>
+          <a:chExt cx="0" cy="0"/>
+        </a:xfrm>
+      </p:grpSpPr>
+      <p:sp>
+        <p:nvSpPr>
+          <p:cNvPr id="149" name="TextShape 3"/>
+          <p:cNvSpPr/>
+          <p:nvPr/>
+        </p:nvSpPr>
+        <p:spPr>
+          <a:xfrm>
+            <a:off x="457200" y="522720"/>
+            <a:ext cx="6530040" cy="651960"/>
+          </a:xfrm>
+          <a:prstGeom prst="rect">
+            <a:avLst/>
+          </a:prstGeom>
+          <a:noFill/>
+          <a:ln w="0">
+            <a:noFill/>
+          </a:ln>
+        </p:spPr>
+        <p:style>
+          <a:lnRef idx="0"/>
+          <a:fillRef idx="0"/>
+          <a:effectRef idx="0"/>
+          <a:fontRef idx="minor"/>
+        </p:style>
+        <p:txBody>
+          <a:bodyPr lIns="0" rIns="0" tIns="0" bIns="0" anchor="ctr">
+            <a:noAutofit/>
+          </a:bodyPr>
+          <a:p>
+            <a:pPr>
+              <a:lnSpc>
+                <a:spcPct val="100000"/>
+              </a:lnSpc>
+              <a:buNone/>
+            </a:pPr>
+            <a:r>
+              <a:rPr b="0" lang="es-AR" sz="3270" spc="-1" strike="noStrike">
+                <a:solidFill>
+                  <a:srgbClr val="000000"/>
+                </a:solidFill>
+                <a:latin typeface="Arial"/>
+                <a:ea typeface="Arial"/>
+              </a:rPr>
+              <a:t>Guard clauses</a:t>
+            </a:r>
+            <a:endParaRPr b="0" lang="es-AR" sz="3270" spc="-1" strike="noStrike">
+              <a:latin typeface="Arial"/>
+            </a:endParaRPr>
+          </a:p>
+        </p:txBody>
+      </p:sp>
+      <p:sp>
+        <p:nvSpPr>
+          <p:cNvPr id="150" name="TextShape 8"/>
+          <p:cNvSpPr/>
+          <p:nvPr/>
+        </p:nvSpPr>
+        <p:spPr>
+          <a:xfrm>
+            <a:off x="360000" y="1260000"/>
+            <a:ext cx="9180000" cy="5400000"/>
+          </a:xfrm>
+          <a:prstGeom prst="rect">
+            <a:avLst/>
+          </a:prstGeom>
+          <a:noFill/>
+          <a:ln w="0">
+            <a:noFill/>
+          </a:ln>
+        </p:spPr>
+        <p:style>
+          <a:lnRef idx="0"/>
+          <a:fillRef idx="0"/>
+          <a:effectRef idx="0"/>
+          <a:fontRef idx="minor"/>
+        </p:style>
+        <p:txBody>
+          <a:bodyPr lIns="0" rIns="0" tIns="0" bIns="0" anchor="t">
+            <a:normAutofit fontScale="93000"/>
+          </a:bodyPr>
+          <a:p>
+            <a:pPr>
+              <a:lnSpc>
+                <a:spcPct val="100000"/>
+              </a:lnSpc>
+              <a:buNone/>
+            </a:pPr>
+            <a:r>
+              <a:rPr b="0" lang="es-AR" sz="2360" spc="-1" strike="noStrike">
+                <a:solidFill>
+                  <a:srgbClr val="000000"/>
+                </a:solidFill>
+                <a:latin typeface="Arial"/>
+                <a:ea typeface="Arial"/>
+              </a:rPr>
+              <a:t>function printNumber(x: number | string): string {</a:t>
+            </a:r>
+            <a:endParaRPr b="0" lang="es-AR" sz="2360" spc="-1" strike="noStrike">
+              <a:latin typeface="Arial"/>
+            </a:endParaRPr>
+          </a:p>
+          <a:p>
+            <a:pPr>
+              <a:lnSpc>
+                <a:spcPct val="100000"/>
+              </a:lnSpc>
+              <a:buNone/>
+            </a:pPr>
+            <a:r>
+              <a:rPr b="0" lang="es-AR" sz="2360" spc="-1" strike="noStrike">
+                <a:solidFill>
+                  <a:srgbClr val="000000"/>
+                </a:solidFill>
+                <a:latin typeface="Arial"/>
+                <a:ea typeface="Arial"/>
+              </a:rPr>
+              <a:t>  </a:t>
+            </a:r>
+            <a:r>
+              <a:rPr b="0" lang="es-AR" sz="2360" spc="-1" strike="noStrike">
+                <a:solidFill>
+                  <a:srgbClr val="000000"/>
+                </a:solidFill>
+                <a:latin typeface="Arial"/>
+                <a:ea typeface="Arial"/>
+              </a:rPr>
+              <a:t>if (typeof x === 'number') {</a:t>
+            </a:r>
+            <a:endParaRPr b="0" lang="es-AR" sz="2360" spc="-1" strike="noStrike">
+              <a:latin typeface="Arial"/>
+            </a:endParaRPr>
+          </a:p>
+          <a:p>
+            <a:pPr>
+              <a:lnSpc>
+                <a:spcPct val="100000"/>
+              </a:lnSpc>
+              <a:buNone/>
+            </a:pPr>
+            <a:r>
+              <a:rPr b="0" lang="es-AR" sz="2360" spc="-1" strike="noStrike">
+                <a:solidFill>
+                  <a:srgbClr val="000000"/>
+                </a:solidFill>
+                <a:latin typeface="Arial"/>
+                <a:ea typeface="Arial"/>
+              </a:rPr>
+              <a:t>    </a:t>
+            </a:r>
+            <a:r>
+              <a:rPr b="0" lang="es-AR" sz="2360" spc="-1" strike="noStrike">
+                <a:solidFill>
+                  <a:srgbClr val="000000"/>
+                </a:solidFill>
+                <a:latin typeface="Arial"/>
+                <a:ea typeface="Arial"/>
+              </a:rPr>
+              <a:t>return `Es un número: ${x}`;</a:t>
+            </a:r>
+            <a:endParaRPr b="0" lang="es-AR" sz="2360" spc="-1" strike="noStrike">
+              <a:latin typeface="Arial"/>
+            </a:endParaRPr>
+          </a:p>
+          <a:p>
+            <a:pPr>
+              <a:lnSpc>
+                <a:spcPct val="100000"/>
+              </a:lnSpc>
+              <a:buNone/>
+            </a:pPr>
+            <a:r>
+              <a:rPr b="0" lang="es-AR" sz="2360" spc="-1" strike="noStrike">
+                <a:solidFill>
+                  <a:srgbClr val="000000"/>
+                </a:solidFill>
+                <a:latin typeface="Arial"/>
+                <a:ea typeface="Arial"/>
+              </a:rPr>
+              <a:t>  </a:t>
+            </a:r>
+            <a:r>
+              <a:rPr b="0" lang="es-AR" sz="2360" spc="-1" strike="noStrike">
+                <a:solidFill>
+                  <a:srgbClr val="000000"/>
+                </a:solidFill>
+                <a:latin typeface="Arial"/>
+                <a:ea typeface="Arial"/>
+              </a:rPr>
+              <a:t>} else if (typeof x === 'string') {</a:t>
+            </a:r>
+            <a:endParaRPr b="0" lang="es-AR" sz="2360" spc="-1" strike="noStrike">
+              <a:latin typeface="Arial"/>
+            </a:endParaRPr>
+          </a:p>
+          <a:p>
+            <a:pPr>
+              <a:lnSpc>
+                <a:spcPct val="100000"/>
+              </a:lnSpc>
+              <a:buNone/>
+            </a:pPr>
+            <a:r>
+              <a:rPr b="0" lang="es-AR" sz="2360" spc="-1" strike="noStrike">
+                <a:solidFill>
+                  <a:srgbClr val="000000"/>
+                </a:solidFill>
+                <a:latin typeface="Arial"/>
+                <a:ea typeface="Arial"/>
+              </a:rPr>
+              <a:t>    </a:t>
+            </a:r>
+            <a:r>
+              <a:rPr b="0" lang="es-AR" sz="2360" spc="-1" strike="noStrike">
+                <a:solidFill>
+                  <a:srgbClr val="000000"/>
+                </a:solidFill>
+                <a:latin typeface="Arial"/>
+                <a:ea typeface="Arial"/>
+              </a:rPr>
+              <a:t>return `Es una cadena de texto: ${x}`;</a:t>
+            </a:r>
+            <a:endParaRPr b="0" lang="es-AR" sz="2360" spc="-1" strike="noStrike">
+              <a:latin typeface="Arial"/>
+            </a:endParaRPr>
+          </a:p>
+          <a:p>
+            <a:pPr>
+              <a:lnSpc>
+                <a:spcPct val="100000"/>
+              </a:lnSpc>
+              <a:buNone/>
+            </a:pPr>
+            <a:r>
+              <a:rPr b="0" lang="es-AR" sz="2360" spc="-1" strike="noStrike">
+                <a:solidFill>
+                  <a:srgbClr val="000000"/>
+                </a:solidFill>
+                <a:latin typeface="Arial"/>
+                <a:ea typeface="Arial"/>
+              </a:rPr>
+              <a:t>  </a:t>
+            </a:r>
+            <a:r>
+              <a:rPr b="0" lang="es-AR" sz="2360" spc="-1" strike="noStrike">
+                <a:solidFill>
+                  <a:srgbClr val="000000"/>
+                </a:solidFill>
+                <a:latin typeface="Arial"/>
+                <a:ea typeface="Arial"/>
+              </a:rPr>
+              <a:t>} else {</a:t>
+            </a:r>
+            <a:endParaRPr b="0" lang="es-AR" sz="2360" spc="-1" strike="noStrike">
+              <a:latin typeface="Arial"/>
+            </a:endParaRPr>
+          </a:p>
+          <a:p>
+            <a:pPr>
+              <a:lnSpc>
+                <a:spcPct val="100000"/>
+              </a:lnSpc>
+              <a:buNone/>
+            </a:pPr>
+            <a:r>
+              <a:rPr b="0" lang="es-AR" sz="2360" spc="-1" strike="noStrike">
+                <a:solidFill>
+                  <a:srgbClr val="000000"/>
+                </a:solidFill>
+                <a:latin typeface="Arial"/>
+                <a:ea typeface="Arial"/>
+              </a:rPr>
+              <a:t>    </a:t>
+            </a:r>
+            <a:r>
+              <a:rPr b="0" lang="es-AR" sz="2360" spc="-1" strike="noStrike">
+                <a:solidFill>
+                  <a:srgbClr val="000000"/>
+                </a:solidFill>
+                <a:latin typeface="Arial"/>
+                <a:ea typeface="Arial"/>
+              </a:rPr>
+              <a:t>return `Valor no soportado`;</a:t>
+            </a:r>
+            <a:endParaRPr b="0" lang="es-AR" sz="2360" spc="-1" strike="noStrike">
+              <a:latin typeface="Arial"/>
+            </a:endParaRPr>
+          </a:p>
+          <a:p>
+            <a:pPr>
+              <a:lnSpc>
+                <a:spcPct val="100000"/>
+              </a:lnSpc>
+              <a:buNone/>
+            </a:pPr>
+            <a:r>
+              <a:rPr b="0" lang="es-AR" sz="2360" spc="-1" strike="noStrike">
+                <a:solidFill>
+                  <a:srgbClr val="000000"/>
+                </a:solidFill>
+                <a:latin typeface="Arial"/>
+                <a:ea typeface="Arial"/>
+              </a:rPr>
+              <a:t>  </a:t>
+            </a:r>
+            <a:r>
+              <a:rPr b="0" lang="es-AR" sz="2360" spc="-1" strike="noStrike">
+                <a:solidFill>
+                  <a:srgbClr val="000000"/>
+                </a:solidFill>
+                <a:latin typeface="Arial"/>
+                <a:ea typeface="Arial"/>
+              </a:rPr>
+              <a:t>}</a:t>
+            </a:r>
+            <a:endParaRPr b="0" lang="es-AR" sz="2360" spc="-1" strike="noStrike">
+              <a:latin typeface="Arial"/>
+            </a:endParaRPr>
+          </a:p>
+          <a:p>
+            <a:pPr>
+              <a:lnSpc>
+                <a:spcPct val="100000"/>
+              </a:lnSpc>
+              <a:buNone/>
+            </a:pPr>
+            <a:r>
+              <a:rPr b="0" lang="es-AR" sz="2360" spc="-1" strike="noStrike">
+                <a:solidFill>
+                  <a:srgbClr val="000000"/>
+                </a:solidFill>
+                <a:latin typeface="Arial"/>
+                <a:ea typeface="Arial"/>
+              </a:rPr>
+              <a:t>}</a:t>
+            </a:r>
+            <a:endParaRPr b="0" lang="es-AR" sz="2360" spc="-1" strike="noStrike">
+              <a:latin typeface="Arial"/>
+            </a:endParaRPr>
+          </a:p>
+          <a:p>
+            <a:pPr>
+              <a:lnSpc>
+                <a:spcPct val="100000"/>
+              </a:lnSpc>
+              <a:buNone/>
+            </a:pPr>
+            <a:endParaRPr b="0" lang="es-AR" sz="2360" spc="-1" strike="noStrike">
+              <a:latin typeface="Arial"/>
+            </a:endParaRPr>
+          </a:p>
+          <a:p>
+            <a:pPr>
+              <a:lnSpc>
+                <a:spcPct val="100000"/>
+              </a:lnSpc>
+              <a:buNone/>
+            </a:pPr>
+            <a:r>
+              <a:rPr b="0" lang="es-AR" sz="2360" spc="-1" strike="noStrike">
+                <a:solidFill>
+                  <a:srgbClr val="000000"/>
+                </a:solidFill>
+                <a:latin typeface="Arial"/>
+                <a:ea typeface="Arial"/>
+              </a:rPr>
+              <a:t>// Uso</a:t>
+            </a:r>
+            <a:endParaRPr b="0" lang="es-AR" sz="2360" spc="-1" strike="noStrike">
+              <a:latin typeface="Arial"/>
+            </a:endParaRPr>
+          </a:p>
+          <a:p>
+            <a:pPr>
+              <a:lnSpc>
+                <a:spcPct val="100000"/>
+              </a:lnSpc>
+              <a:buNone/>
+            </a:pPr>
+            <a:endParaRPr b="0" lang="es-AR" sz="2360" spc="-1" strike="noStrike">
+              <a:latin typeface="Arial"/>
+            </a:endParaRPr>
+          </a:p>
+          <a:p>
+            <a:pPr>
+              <a:lnSpc>
+                <a:spcPct val="100000"/>
+              </a:lnSpc>
+              <a:buNone/>
+            </a:pPr>
+            <a:r>
+              <a:rPr b="0" lang="es-AR" sz="2360" spc="-1" strike="noStrike">
+                <a:solidFill>
+                  <a:srgbClr val="000000"/>
+                </a:solidFill>
+                <a:latin typeface="Arial"/>
+                <a:ea typeface="Arial"/>
+              </a:rPr>
+              <a:t>console.log(printNumber(42));   // Es un número: 42</a:t>
+            </a:r>
+            <a:endParaRPr b="0" lang="es-AR" sz="2360" spc="-1" strike="noStrike">
+              <a:latin typeface="Arial"/>
+            </a:endParaRPr>
+          </a:p>
+          <a:p>
+            <a:pPr>
+              <a:lnSpc>
+                <a:spcPct val="100000"/>
+              </a:lnSpc>
+              <a:buNone/>
+            </a:pPr>
+            <a:r>
+              <a:rPr b="0" lang="es-AR" sz="2360" spc="-1" strike="noStrike">
+                <a:solidFill>
+                  <a:srgbClr val="000000"/>
+                </a:solidFill>
+                <a:latin typeface="Arial"/>
+                <a:ea typeface="Arial"/>
+              </a:rPr>
+              <a:t>console.log(printNumber('42')); // Es una cadena de texto: 42</a:t>
+            </a:r>
+            <a:endParaRPr b="0" lang="es-AR" sz="2360" spc="-1" strike="noStrike">
+              <a:latin typeface="Arial"/>
+            </a:endParaRPr>
+          </a:p>
+          <a:p>
+            <a:pPr>
+              <a:lnSpc>
+                <a:spcPct val="100000"/>
+              </a:lnSpc>
+              <a:buNone/>
+            </a:pPr>
+            <a:endParaRPr b="0" lang="es-AR" sz="2360" spc="-1" strike="noStrike">
+              <a:latin typeface="Arial"/>
+            </a:endParaRPr>
+          </a:p>
+          <a:p>
+            <a:pPr>
+              <a:lnSpc>
+                <a:spcPct val="100000"/>
+              </a:lnSpc>
+              <a:buNone/>
+            </a:pPr>
+            <a:r>
+              <a:rPr b="0" lang="es-AR" sz="2360" spc="-1" strike="noStrike">
+                <a:solidFill>
+                  <a:srgbClr val="000000"/>
+                </a:solidFill>
+                <a:latin typeface="Arial"/>
+                <a:ea typeface="Arial"/>
+              </a:rPr>
+              <a:t>   </a:t>
+            </a:r>
+            <a:endParaRPr b="0" lang="es-AR" sz="2360" spc="-1" strike="noStrike">
+              <a:latin typeface="Arial"/>
+            </a:endParaRPr>
+          </a:p>
+        </p:txBody>
+      </p:sp>
+    </p:spTree>
+  </p:cSld>
+  <mc:AlternateContent>
+    <mc:Choice Requires="p14">
+      <p:transition spd="slow" p14:dur="2000"/>
+    </mc:Choice>
+    <mc:Fallback>
+      <p:transition spd="slow"/>
+    </mc:Fallback>
+  </mc:AlternateContent>
+</p:sld>
+</file>
+
+<file path=ppt/slides/slide31.xml><?xml version="1.0" encoding="utf-8"?>
+<p:sld xmlns:a="http://schemas.openxmlformats.org/drawingml/2006/main" xmlns:p="http://schemas.openxmlformats.org/presentationml/2006/main" xmlns:r="http://schemas.openxmlformats.org/officeDocument/2006/relationships" xmlns:p14="http://schemas.microsoft.com/office/powerpoint/2010/main" xmlns:p15="http://schemas.microsoft.com/office/powerpoint/2012/main" xmlns:mc="http://schemas.openxmlformats.org/markup-compatibility/2006">
+  <p:cSld>
+    <p:spTree>
+      <p:nvGrpSpPr>
+        <p:cNvPr id="1" name=""/>
+        <p:cNvGrpSpPr/>
+        <p:nvPr/>
+      </p:nvGrpSpPr>
+      <p:grpSpPr>
+        <a:xfrm>
+          <a:off x="0" y="0"/>
+          <a:ext cx="0" cy="0"/>
+          <a:chOff x="0" y="0"/>
+          <a:chExt cx="0" cy="0"/>
+        </a:xfrm>
+      </p:grpSpPr>
+      <p:sp>
+        <p:nvSpPr>
+          <p:cNvPr id="151" name="TextShape 9"/>
+          <p:cNvSpPr/>
+          <p:nvPr/>
+        </p:nvSpPr>
+        <p:spPr>
+          <a:xfrm>
+            <a:off x="457200" y="522720"/>
+            <a:ext cx="6530040" cy="651960"/>
+          </a:xfrm>
+          <a:prstGeom prst="rect">
+            <a:avLst/>
+          </a:prstGeom>
+          <a:noFill/>
+          <a:ln w="0">
+            <a:noFill/>
+          </a:ln>
+        </p:spPr>
+        <p:style>
+          <a:lnRef idx="0"/>
+          <a:fillRef idx="0"/>
+          <a:effectRef idx="0"/>
+          <a:fontRef idx="minor"/>
+        </p:style>
+        <p:txBody>
+          <a:bodyPr lIns="0" rIns="0" tIns="0" bIns="0" anchor="ctr">
+            <a:noAutofit/>
+          </a:bodyPr>
+          <a:p>
+            <a:pPr>
+              <a:lnSpc>
+                <a:spcPct val="100000"/>
+              </a:lnSpc>
+              <a:buNone/>
+            </a:pPr>
+            <a:r>
+              <a:rPr b="0" lang="es-AR" sz="3270" spc="-1" strike="noStrike">
+                <a:solidFill>
+                  <a:srgbClr val="000000"/>
+                </a:solidFill>
+                <a:latin typeface="Arial"/>
+                <a:ea typeface="Arial"/>
+              </a:rPr>
+              <a:t>Desestructuración </a:t>
+            </a:r>
+            <a:r>
+              <a:rPr b="0" lang="es-AR" sz="3270" spc="-1" strike="noStrike">
+                <a:solidFill>
+                  <a:srgbClr val="000000"/>
+                </a:solidFill>
+                <a:latin typeface="Arial"/>
+                <a:ea typeface="Arial"/>
+              </a:rPr>
+              <a:t>de objetos </a:t>
+            </a:r>
+            <a:endParaRPr b="0" lang="es-AR" sz="3270" spc="-1" strike="noStrike">
+              <a:latin typeface="Arial"/>
+            </a:endParaRPr>
+          </a:p>
+        </p:txBody>
+      </p:sp>
+      <p:sp>
+        <p:nvSpPr>
+          <p:cNvPr id="152" name="TextShape 10"/>
+          <p:cNvSpPr/>
+          <p:nvPr/>
+        </p:nvSpPr>
+        <p:spPr>
+          <a:xfrm>
+            <a:off x="360000" y="1260000"/>
+            <a:ext cx="9180000" cy="5400000"/>
+          </a:xfrm>
+          <a:prstGeom prst="rect">
+            <a:avLst/>
+          </a:prstGeom>
+          <a:noFill/>
+          <a:ln w="0">
+            <a:noFill/>
+          </a:ln>
+        </p:spPr>
+        <p:style>
+          <a:lnRef idx="0"/>
+          <a:fillRef idx="0"/>
+          <a:effectRef idx="0"/>
+          <a:fontRef idx="minor"/>
+        </p:style>
+        <p:txBody>
+          <a:bodyPr lIns="0" rIns="0" tIns="0" bIns="0" anchor="t">
+            <a:normAutofit fontScale="83000"/>
+          </a:bodyPr>
+          <a:p>
+            <a:pPr>
+              <a:lnSpc>
+                <a:spcPct val="100000"/>
+              </a:lnSpc>
+              <a:buNone/>
+            </a:pPr>
+            <a:r>
+              <a:rPr b="0" lang="es-AR" sz="2360" spc="-1" strike="noStrike">
+                <a:solidFill>
+                  <a:srgbClr val="000000"/>
+                </a:solidFill>
+                <a:latin typeface="Arial"/>
+                <a:ea typeface="Arial"/>
+              </a:rPr>
+              <a:t>type Person = { name: string, age: number };</a:t>
+            </a:r>
+            <a:endParaRPr b="0" lang="es-AR" sz="2360" spc="-1" strike="noStrike">
+              <a:latin typeface="Arial"/>
+            </a:endParaRPr>
+          </a:p>
+          <a:p>
+            <a:pPr>
+              <a:lnSpc>
+                <a:spcPct val="100000"/>
+              </a:lnSpc>
+              <a:buNone/>
+            </a:pPr>
+            <a:r>
+              <a:rPr b="0" lang="es-AR" sz="2360" spc="-1" strike="noStrike">
+                <a:solidFill>
+                  <a:srgbClr val="000000"/>
+                </a:solidFill>
+                <a:latin typeface="Arial"/>
+                <a:ea typeface="Arial"/>
+              </a:rPr>
+              <a:t>type Animal = { species: string };</a:t>
+            </a:r>
+            <a:endParaRPr b="0" lang="es-AR" sz="2360" spc="-1" strike="noStrike">
+              <a:latin typeface="Arial"/>
+            </a:endParaRPr>
+          </a:p>
+          <a:p>
+            <a:pPr>
+              <a:lnSpc>
+                <a:spcPct val="100000"/>
+              </a:lnSpc>
+              <a:buNone/>
+            </a:pPr>
+            <a:endParaRPr b="0" lang="es-AR" sz="2360" spc="-1" strike="noStrike">
+              <a:latin typeface="Arial"/>
+            </a:endParaRPr>
+          </a:p>
+          <a:p>
+            <a:pPr>
+              <a:lnSpc>
+                <a:spcPct val="100000"/>
+              </a:lnSpc>
+              <a:buNone/>
+            </a:pPr>
+            <a:endParaRPr b="0" lang="es-AR" sz="2360" spc="-1" strike="noStrike">
+              <a:latin typeface="Arial"/>
+            </a:endParaRPr>
+          </a:p>
+          <a:p>
+            <a:pPr>
+              <a:lnSpc>
+                <a:spcPct val="100000"/>
+              </a:lnSpc>
+              <a:buNone/>
+            </a:pPr>
+            <a:r>
+              <a:rPr b="0" lang="es-AR" sz="2360" spc="-1" strike="noStrike">
+                <a:solidFill>
+                  <a:srgbClr val="000000"/>
+                </a:solidFill>
+                <a:latin typeface="Arial"/>
+                <a:ea typeface="Arial"/>
+              </a:rPr>
+              <a:t>function describe(input: Person | Animal): string {</a:t>
+            </a:r>
+            <a:endParaRPr b="0" lang="es-AR" sz="2360" spc="-1" strike="noStrike">
+              <a:latin typeface="Arial"/>
+            </a:endParaRPr>
+          </a:p>
+          <a:p>
+            <a:pPr>
+              <a:lnSpc>
+                <a:spcPct val="100000"/>
+              </a:lnSpc>
+              <a:buNone/>
+            </a:pPr>
+            <a:r>
+              <a:rPr b="0" lang="es-AR" sz="2360" spc="-1" strike="noStrike">
+                <a:solidFill>
+                  <a:srgbClr val="000000"/>
+                </a:solidFill>
+                <a:latin typeface="Arial"/>
+                <a:ea typeface="Arial"/>
+              </a:rPr>
+              <a:t>  </a:t>
+            </a:r>
+            <a:r>
+              <a:rPr b="0" lang="es-AR" sz="2360" spc="-1" strike="noStrike">
+                <a:solidFill>
+                  <a:srgbClr val="000000"/>
+                </a:solidFill>
+                <a:latin typeface="Arial"/>
+                <a:ea typeface="Arial"/>
+              </a:rPr>
+              <a:t>if ('name' in input) {</a:t>
+            </a:r>
+            <a:endParaRPr b="0" lang="es-AR" sz="2360" spc="-1" strike="noStrike">
+              <a:latin typeface="Arial"/>
+            </a:endParaRPr>
+          </a:p>
+          <a:p>
+            <a:pPr>
+              <a:lnSpc>
+                <a:spcPct val="100000"/>
+              </a:lnSpc>
+              <a:buNone/>
+            </a:pPr>
+            <a:r>
+              <a:rPr b="0" lang="es-AR" sz="2360" spc="-1" strike="noStrike">
+                <a:solidFill>
+                  <a:srgbClr val="000000"/>
+                </a:solidFill>
+                <a:latin typeface="Arial"/>
+                <a:ea typeface="Arial"/>
+              </a:rPr>
+              <a:t>    </a:t>
+            </a:r>
+            <a:r>
+              <a:rPr b="0" lang="es-AR" sz="2360" spc="-1" strike="noStrike">
+                <a:solidFill>
+                  <a:srgbClr val="000000"/>
+                </a:solidFill>
+                <a:latin typeface="Arial"/>
+                <a:ea typeface="Arial"/>
+              </a:rPr>
+              <a:t>return `Persona: ${input.name}, Edad: ${input.age}`;</a:t>
+            </a:r>
+            <a:endParaRPr b="0" lang="es-AR" sz="2360" spc="-1" strike="noStrike">
+              <a:latin typeface="Arial"/>
+            </a:endParaRPr>
+          </a:p>
+          <a:p>
+            <a:pPr>
+              <a:lnSpc>
+                <a:spcPct val="100000"/>
+              </a:lnSpc>
+              <a:buNone/>
+            </a:pPr>
+            <a:r>
+              <a:rPr b="0" lang="es-AR" sz="2360" spc="-1" strike="noStrike">
+                <a:solidFill>
+                  <a:srgbClr val="000000"/>
+                </a:solidFill>
+                <a:latin typeface="Arial"/>
+                <a:ea typeface="Arial"/>
+              </a:rPr>
+              <a:t>  </a:t>
+            </a:r>
+            <a:r>
+              <a:rPr b="0" lang="es-AR" sz="2360" spc="-1" strike="noStrike">
+                <a:solidFill>
+                  <a:srgbClr val="000000"/>
+                </a:solidFill>
+                <a:latin typeface="Arial"/>
+                <a:ea typeface="Arial"/>
+              </a:rPr>
+              <a:t>} else {</a:t>
+            </a:r>
+            <a:endParaRPr b="0" lang="es-AR" sz="2360" spc="-1" strike="noStrike">
+              <a:latin typeface="Arial"/>
+            </a:endParaRPr>
+          </a:p>
+          <a:p>
+            <a:pPr>
+              <a:lnSpc>
+                <a:spcPct val="100000"/>
+              </a:lnSpc>
+              <a:buNone/>
+            </a:pPr>
+            <a:r>
+              <a:rPr b="0" lang="es-AR" sz="2360" spc="-1" strike="noStrike">
+                <a:solidFill>
+                  <a:srgbClr val="000000"/>
+                </a:solidFill>
+                <a:latin typeface="Arial"/>
+                <a:ea typeface="Arial"/>
+              </a:rPr>
+              <a:t>    </a:t>
+            </a:r>
+            <a:r>
+              <a:rPr b="0" lang="es-AR" sz="2360" spc="-1" strike="noStrike">
+                <a:solidFill>
+                  <a:srgbClr val="000000"/>
+                </a:solidFill>
+                <a:latin typeface="Arial"/>
+                <a:ea typeface="Arial"/>
+              </a:rPr>
+              <a:t>return `Especie: ${input.species}`;</a:t>
+            </a:r>
+            <a:endParaRPr b="0" lang="es-AR" sz="2360" spc="-1" strike="noStrike">
+              <a:latin typeface="Arial"/>
+            </a:endParaRPr>
+          </a:p>
+          <a:p>
+            <a:pPr>
+              <a:lnSpc>
+                <a:spcPct val="100000"/>
+              </a:lnSpc>
+              <a:buNone/>
+            </a:pPr>
+            <a:r>
+              <a:rPr b="0" lang="es-AR" sz="2360" spc="-1" strike="noStrike">
+                <a:solidFill>
+                  <a:srgbClr val="000000"/>
+                </a:solidFill>
+                <a:latin typeface="Arial"/>
+                <a:ea typeface="Arial"/>
+              </a:rPr>
+              <a:t>  </a:t>
+            </a:r>
+            <a:r>
+              <a:rPr b="0" lang="es-AR" sz="2360" spc="-1" strike="noStrike">
+                <a:solidFill>
+                  <a:srgbClr val="000000"/>
+                </a:solidFill>
+                <a:latin typeface="Arial"/>
+                <a:ea typeface="Arial"/>
+              </a:rPr>
+              <a:t>}</a:t>
+            </a:r>
+            <a:endParaRPr b="0" lang="es-AR" sz="2360" spc="-1" strike="noStrike">
+              <a:latin typeface="Arial"/>
+            </a:endParaRPr>
+          </a:p>
+          <a:p>
+            <a:pPr>
+              <a:lnSpc>
+                <a:spcPct val="100000"/>
+              </a:lnSpc>
+              <a:buNone/>
+            </a:pPr>
+            <a:r>
+              <a:rPr b="0" lang="es-AR" sz="2360" spc="-1" strike="noStrike">
+                <a:solidFill>
+                  <a:srgbClr val="000000"/>
+                </a:solidFill>
+                <a:latin typeface="Arial"/>
+                <a:ea typeface="Arial"/>
+              </a:rPr>
+              <a:t>}</a:t>
+            </a:r>
+            <a:endParaRPr b="0" lang="es-AR" sz="2360" spc="-1" strike="noStrike">
+              <a:latin typeface="Arial"/>
+            </a:endParaRPr>
+          </a:p>
+          <a:p>
+            <a:pPr>
+              <a:lnSpc>
+                <a:spcPct val="100000"/>
+              </a:lnSpc>
+              <a:buNone/>
+            </a:pPr>
+            <a:endParaRPr b="0" lang="es-AR" sz="2360" spc="-1" strike="noStrike">
+              <a:latin typeface="Arial"/>
+            </a:endParaRPr>
+          </a:p>
+          <a:p>
+            <a:pPr>
+              <a:lnSpc>
+                <a:spcPct val="100000"/>
+              </a:lnSpc>
+              <a:buNone/>
+            </a:pPr>
+            <a:r>
+              <a:rPr b="0" lang="es-AR" sz="2360" spc="-1" strike="noStrike">
+                <a:solidFill>
+                  <a:srgbClr val="000000"/>
+                </a:solidFill>
+                <a:latin typeface="Arial"/>
+                <a:ea typeface="Arial"/>
+              </a:rPr>
+              <a:t>// Uso</a:t>
+            </a:r>
+            <a:endParaRPr b="0" lang="es-AR" sz="2360" spc="-1" strike="noStrike">
+              <a:latin typeface="Arial"/>
+            </a:endParaRPr>
+          </a:p>
+          <a:p>
+            <a:pPr>
+              <a:lnSpc>
+                <a:spcPct val="100000"/>
+              </a:lnSpc>
+              <a:buNone/>
+            </a:pPr>
+            <a:r>
+              <a:rPr b="0" lang="es-AR" sz="2360" spc="-1" strike="noStrike">
+                <a:solidFill>
+                  <a:srgbClr val="000000"/>
+                </a:solidFill>
+                <a:latin typeface="Arial"/>
+                <a:ea typeface="Arial"/>
+              </a:rPr>
+              <a:t>const person: Person = { name: 'John', age: 30 };</a:t>
+            </a:r>
+            <a:endParaRPr b="0" lang="es-AR" sz="2360" spc="-1" strike="noStrike">
+              <a:latin typeface="Arial"/>
+            </a:endParaRPr>
+          </a:p>
+          <a:p>
+            <a:pPr>
+              <a:lnSpc>
+                <a:spcPct val="100000"/>
+              </a:lnSpc>
+              <a:buNone/>
+            </a:pPr>
+            <a:r>
+              <a:rPr b="0" lang="es-AR" sz="2360" spc="-1" strike="noStrike">
+                <a:solidFill>
+                  <a:srgbClr val="000000"/>
+                </a:solidFill>
+                <a:latin typeface="Arial"/>
+                <a:ea typeface="Arial"/>
+              </a:rPr>
+              <a:t>const animal: Animal = { species: 'Dog' };</a:t>
+            </a:r>
+            <a:endParaRPr b="0" lang="es-AR" sz="2360" spc="-1" strike="noStrike">
+              <a:latin typeface="Arial"/>
+            </a:endParaRPr>
+          </a:p>
+          <a:p>
+            <a:pPr>
+              <a:lnSpc>
+                <a:spcPct val="100000"/>
+              </a:lnSpc>
+              <a:buNone/>
+            </a:pPr>
+            <a:r>
+              <a:rPr b="0" lang="es-AR" sz="2360" spc="-1" strike="noStrike">
+                <a:solidFill>
+                  <a:srgbClr val="000000"/>
+                </a:solidFill>
+                <a:latin typeface="Arial"/>
+                <a:ea typeface="Arial"/>
+              </a:rPr>
+              <a:t>console.log(describe(person)); // Persona: John, Edad: 30</a:t>
+            </a:r>
+            <a:endParaRPr b="0" lang="es-AR" sz="2360" spc="-1" strike="noStrike">
+              <a:latin typeface="Arial"/>
+            </a:endParaRPr>
+          </a:p>
+          <a:p>
+            <a:pPr>
+              <a:lnSpc>
+                <a:spcPct val="100000"/>
+              </a:lnSpc>
+              <a:buNone/>
+            </a:pPr>
+            <a:r>
+              <a:rPr b="0" lang="es-AR" sz="2360" spc="-1" strike="noStrike">
+                <a:solidFill>
+                  <a:srgbClr val="000000"/>
+                </a:solidFill>
+                <a:latin typeface="Arial"/>
+                <a:ea typeface="Arial"/>
+              </a:rPr>
+              <a:t>console.log(describe(animal)); // Especie: Dog</a:t>
+            </a:r>
+            <a:endParaRPr b="0" lang="es-AR" sz="2360" spc="-1" strike="noStrike">
+              <a:latin typeface="Arial"/>
+            </a:endParaRPr>
+          </a:p>
+          <a:p>
+            <a:pPr>
+              <a:lnSpc>
+                <a:spcPct val="100000"/>
+              </a:lnSpc>
+              <a:buNone/>
+            </a:pPr>
+            <a:r>
+              <a:rPr b="0" lang="es-AR" sz="2360" spc="-1" strike="noStrike">
+                <a:solidFill>
+                  <a:srgbClr val="000000"/>
+                </a:solidFill>
+                <a:latin typeface="Arial"/>
+                <a:ea typeface="Arial"/>
+              </a:rPr>
+              <a:t>   </a:t>
+            </a:r>
+            <a:endParaRPr b="0" lang="es-AR" sz="2360" spc="-1" strike="noStrike">
+              <a:latin typeface="Arial"/>
+            </a:endParaRPr>
+          </a:p>
+        </p:txBody>
+      </p:sp>
+    </p:spTree>
+  </p:cSld>
+  <mc:AlternateContent>
+    <mc:Choice Requires="p14">
+      <p:transition spd="slow" p14:dur="2000"/>
+    </mc:Choice>
+    <mc:Fallback>
+      <p:transition spd="slow"/>
+    </mc:Fallback>
+  </mc:AlternateContent>
+</p:sld>
+</file>
+
+<file path=ppt/slides/slide32.xml><?xml version="1.0" encoding="utf-8"?>
+<p:sld xmlns:a="http://schemas.openxmlformats.org/drawingml/2006/main" xmlns:p="http://schemas.openxmlformats.org/presentationml/2006/main" xmlns:r="http://schemas.openxmlformats.org/officeDocument/2006/relationships" xmlns:p14="http://schemas.microsoft.com/office/powerpoint/2010/main" xmlns:p15="http://schemas.microsoft.com/office/powerpoint/2012/main" xmlns:mc="http://schemas.openxmlformats.org/markup-compatibility/2006">
+  <p:cSld>
+    <p:spTree>
+      <p:nvGrpSpPr>
+        <p:cNvPr id="1" name=""/>
+        <p:cNvGrpSpPr/>
+        <p:nvPr/>
+      </p:nvGrpSpPr>
+      <p:grpSpPr>
+        <a:xfrm>
+          <a:off x="0" y="0"/>
+          <a:ext cx="0" cy="0"/>
+          <a:chOff x="0" y="0"/>
+          <a:chExt cx="0" cy="0"/>
+        </a:xfrm>
+      </p:grpSpPr>
+      <p:sp>
+        <p:nvSpPr>
+          <p:cNvPr id="153" name="PlaceHolder 1"/>
+          <p:cNvSpPr>
+            <a:spLocks noGrp="1"/>
+          </p:cNvSpPr>
+          <p:nvPr>
+            <p:ph type="title"/>
+          </p:nvPr>
+        </p:nvSpPr>
+        <p:spPr>
+          <a:xfrm>
+            <a:off x="457200" y="190440"/>
+            <a:ext cx="8228520" cy="581400"/>
+          </a:xfrm>
+          <a:prstGeom prst="rect">
+            <a:avLst/>
+          </a:prstGeom>
+          <a:noFill/>
+          <a:ln w="9360">
+            <a:noFill/>
+          </a:ln>
+        </p:spPr>
+        <p:txBody>
+          <a:bodyPr lIns="90000" rIns="90000" tIns="45000" bIns="45000" anchor="ctr">
+            <a:noAutofit/>
+          </a:bodyPr>
+          <a:p>
+            <a:pPr>
+              <a:lnSpc>
+                <a:spcPct val="100000"/>
+              </a:lnSpc>
+              <a:buNone/>
+            </a:pPr>
+            <a:r>
+              <a:rPr b="0" lang="en-US" sz="3600" spc="-1" strike="noStrike">
+                <a:solidFill>
+                  <a:srgbClr val="000000"/>
+                </a:solidFill>
+                <a:latin typeface="Arial"/>
+                <a:ea typeface="SimSun"/>
+              </a:rPr>
+              <a:t>C#:</a:t>
+            </a:r>
+            <a:endParaRPr b="0" lang="es-AR" sz="3600" spc="-1" strike="noStrike">
+              <a:latin typeface="Arial"/>
+            </a:endParaRPr>
+          </a:p>
+        </p:txBody>
+      </p:sp>
+      <p:sp>
+        <p:nvSpPr>
+          <p:cNvPr id="154" name="PlaceHolder 2"/>
+          <p:cNvSpPr>
+            <a:spLocks noGrp="1"/>
+          </p:cNvSpPr>
+          <p:nvPr>
+            <p:ph/>
+          </p:nvPr>
+        </p:nvSpPr>
+        <p:spPr>
+          <a:xfrm>
+            <a:off x="457200" y="1160280"/>
+            <a:ext cx="8228520" cy="4951800"/>
+          </a:xfrm>
+          <a:prstGeom prst="rect">
+            <a:avLst/>
+          </a:prstGeom>
+          <a:noFill/>
+          <a:ln w="9360">
+            <a:noFill/>
+          </a:ln>
+        </p:spPr>
+        <p:txBody>
+          <a:bodyPr lIns="90000" rIns="90000" tIns="45000" bIns="45000" anchor="t">
+            <a:noAutofit/>
+          </a:bodyPr>
+          <a:p>
+            <a:pPr>
+              <a:lnSpc>
+                <a:spcPct val="100000"/>
+              </a:lnSpc>
+              <a:spcBef>
+                <a:spcPts val="400"/>
+              </a:spcBef>
+              <a:buNone/>
+              <a:tabLst>
+                <a:tab algn="l" pos="0"/>
+              </a:tabLst>
+            </a:pPr>
+            <a:r>
+              <a:rPr b="0" lang="en-US" sz="2000" spc="-1" strike="noStrike">
+                <a:solidFill>
+                  <a:srgbClr val="000000"/>
+                </a:solidFill>
+                <a:latin typeface="Arial"/>
+                <a:ea typeface="SimSun"/>
+              </a:rPr>
+              <a:t>public static void SwitchPattern(object o)</a:t>
+            </a:r>
+            <a:endParaRPr b="0" lang="es-AR" sz="2000" spc="-1" strike="noStrike">
+              <a:latin typeface="Arial"/>
+            </a:endParaRPr>
+          </a:p>
+          <a:p>
+            <a:pPr>
+              <a:lnSpc>
+                <a:spcPct val="100000"/>
+              </a:lnSpc>
+              <a:spcBef>
+                <a:spcPts val="400"/>
+              </a:spcBef>
+              <a:buNone/>
+              <a:tabLst>
+                <a:tab algn="l" pos="0"/>
+              </a:tabLst>
+            </a:pPr>
+            <a:r>
+              <a:rPr b="0" lang="en-US" sz="2000" spc="-1" strike="noStrike">
+                <a:solidFill>
+                  <a:srgbClr val="000000"/>
+                </a:solidFill>
+                <a:latin typeface="Arial"/>
+                <a:ea typeface="SimSun"/>
+              </a:rPr>
+              <a:t>{</a:t>
+            </a:r>
+            <a:endParaRPr b="0" lang="es-AR" sz="2000" spc="-1" strike="noStrike">
+              <a:latin typeface="Arial"/>
+            </a:endParaRPr>
+          </a:p>
+          <a:p>
+            <a:pPr>
+              <a:lnSpc>
+                <a:spcPct val="100000"/>
+              </a:lnSpc>
+              <a:spcBef>
+                <a:spcPts val="400"/>
+              </a:spcBef>
+              <a:buNone/>
+              <a:tabLst>
+                <a:tab algn="l" pos="0"/>
+              </a:tabLst>
+            </a:pPr>
+            <a:r>
+              <a:rPr b="0" lang="en-US" sz="2000" spc="-1" strike="noStrike">
+                <a:solidFill>
+                  <a:srgbClr val="000000"/>
+                </a:solidFill>
+                <a:latin typeface="Arial"/>
+                <a:ea typeface="SimSun"/>
+              </a:rPr>
+              <a:t>    </a:t>
+            </a:r>
+            <a:r>
+              <a:rPr b="0" lang="en-US" sz="2000" spc="-1" strike="noStrike">
+                <a:solidFill>
+                  <a:srgbClr val="000000"/>
+                </a:solidFill>
+                <a:latin typeface="Arial"/>
+                <a:ea typeface="SimSun"/>
+              </a:rPr>
+              <a:t>switch (o)</a:t>
+            </a:r>
+            <a:endParaRPr b="0" lang="es-AR" sz="2000" spc="-1" strike="noStrike">
+              <a:latin typeface="Arial"/>
+            </a:endParaRPr>
+          </a:p>
+          <a:p>
+            <a:pPr>
+              <a:lnSpc>
+                <a:spcPct val="100000"/>
+              </a:lnSpc>
+              <a:spcBef>
+                <a:spcPts val="400"/>
+              </a:spcBef>
+              <a:buNone/>
+              <a:tabLst>
+                <a:tab algn="l" pos="0"/>
+              </a:tabLst>
+            </a:pPr>
+            <a:r>
+              <a:rPr b="0" lang="en-US" sz="2000" spc="-1" strike="noStrike">
+                <a:solidFill>
+                  <a:srgbClr val="000000"/>
+                </a:solidFill>
+                <a:latin typeface="Arial"/>
+                <a:ea typeface="SimSun"/>
+              </a:rPr>
+              <a:t>    </a:t>
+            </a:r>
+            <a:r>
+              <a:rPr b="0" lang="en-US" sz="2000" spc="-1" strike="noStrike">
+                <a:solidFill>
+                  <a:srgbClr val="000000"/>
+                </a:solidFill>
+                <a:latin typeface="Arial"/>
+                <a:ea typeface="SimSun"/>
+              </a:rPr>
+              <a:t>{</a:t>
+            </a:r>
+            <a:endParaRPr b="0" lang="es-AR" sz="2000" spc="-1" strike="noStrike">
+              <a:latin typeface="Arial"/>
+            </a:endParaRPr>
+          </a:p>
+          <a:p>
+            <a:pPr>
+              <a:lnSpc>
+                <a:spcPct val="100000"/>
+              </a:lnSpc>
+              <a:spcBef>
+                <a:spcPts val="400"/>
+              </a:spcBef>
+              <a:buNone/>
+              <a:tabLst>
+                <a:tab algn="l" pos="0"/>
+              </a:tabLst>
+            </a:pPr>
+            <a:r>
+              <a:rPr b="0" lang="en-US" sz="2000" spc="-1" strike="noStrike">
+                <a:solidFill>
+                  <a:srgbClr val="000000"/>
+                </a:solidFill>
+                <a:latin typeface="Arial"/>
+                <a:ea typeface="SimSun"/>
+              </a:rPr>
+              <a:t>        </a:t>
+            </a:r>
+            <a:r>
+              <a:rPr b="0" lang="en-US" sz="2000" spc="-1" strike="noStrike">
+                <a:solidFill>
+                  <a:srgbClr val="000000"/>
+                </a:solidFill>
+                <a:latin typeface="Arial"/>
+                <a:ea typeface="SimSun"/>
+              </a:rPr>
+              <a:t>case Person p:</a:t>
+            </a:r>
+            <a:endParaRPr b="0" lang="es-AR" sz="2000" spc="-1" strike="noStrike">
+              <a:latin typeface="Arial"/>
+            </a:endParaRPr>
+          </a:p>
+          <a:p>
+            <a:pPr>
+              <a:lnSpc>
+                <a:spcPct val="100000"/>
+              </a:lnSpc>
+              <a:spcBef>
+                <a:spcPts val="400"/>
+              </a:spcBef>
+              <a:buNone/>
+              <a:tabLst>
+                <a:tab algn="l" pos="0"/>
+              </a:tabLst>
+            </a:pPr>
+            <a:r>
+              <a:rPr b="0" lang="en-US" sz="2000" spc="-1" strike="noStrike">
+                <a:solidFill>
+                  <a:srgbClr val="000000"/>
+                </a:solidFill>
+                <a:latin typeface="Arial"/>
+                <a:ea typeface="SimSun"/>
+              </a:rPr>
+              <a:t>            </a:t>
+            </a:r>
+            <a:r>
+              <a:rPr b="0" lang="en-US" sz="2000" spc="-1" strike="noStrike">
+                <a:solidFill>
+                  <a:srgbClr val="000000"/>
+                </a:solidFill>
+                <a:latin typeface="Arial"/>
+                <a:ea typeface="SimSun"/>
+              </a:rPr>
+              <a:t>Console.WriteLine($"any other person {p.FirstName}");</a:t>
+            </a:r>
+            <a:endParaRPr b="0" lang="es-AR" sz="2000" spc="-1" strike="noStrike">
+              <a:latin typeface="Arial"/>
+            </a:endParaRPr>
+          </a:p>
+          <a:p>
+            <a:pPr>
+              <a:lnSpc>
+                <a:spcPct val="100000"/>
+              </a:lnSpc>
+              <a:spcBef>
+                <a:spcPts val="400"/>
+              </a:spcBef>
+              <a:buNone/>
+              <a:tabLst>
+                <a:tab algn="l" pos="0"/>
+              </a:tabLst>
+            </a:pPr>
+            <a:r>
+              <a:rPr b="0" lang="en-US" sz="2000" spc="-1" strike="noStrike">
+                <a:solidFill>
+                  <a:srgbClr val="000000"/>
+                </a:solidFill>
+                <a:latin typeface="Arial"/>
+                <a:ea typeface="SimSun"/>
+              </a:rPr>
+              <a:t>            </a:t>
+            </a:r>
+            <a:r>
+              <a:rPr b="0" lang="en-US" sz="2000" spc="-1" strike="noStrike">
+                <a:solidFill>
+                  <a:srgbClr val="000000"/>
+                </a:solidFill>
+                <a:latin typeface="Arial"/>
+                <a:ea typeface="SimSun"/>
+              </a:rPr>
+              <a:t>break;</a:t>
+            </a:r>
+            <a:endParaRPr b="0" lang="es-AR" sz="2000" spc="-1" strike="noStrike">
+              <a:latin typeface="Arial"/>
+            </a:endParaRPr>
+          </a:p>
+          <a:p>
+            <a:pPr>
+              <a:lnSpc>
+                <a:spcPct val="100000"/>
+              </a:lnSpc>
+              <a:spcBef>
+                <a:spcPts val="400"/>
+              </a:spcBef>
+              <a:buNone/>
+              <a:tabLst>
+                <a:tab algn="l" pos="0"/>
+              </a:tabLst>
+            </a:pPr>
+            <a:r>
+              <a:rPr b="0" lang="en-US" sz="2000" spc="-1" strike="noStrike">
+                <a:solidFill>
+                  <a:srgbClr val="000000"/>
+                </a:solidFill>
+                <a:latin typeface="Arial"/>
+                <a:ea typeface="SimSun"/>
+              </a:rPr>
+              <a:t>        </a:t>
+            </a:r>
+            <a:r>
+              <a:rPr b="0" lang="en-US" sz="2000" spc="-1" strike="noStrike">
+                <a:solidFill>
+                  <a:srgbClr val="000000"/>
+                </a:solidFill>
+                <a:latin typeface="Arial"/>
+                <a:ea typeface="SimSun"/>
+              </a:rPr>
+              <a:t>case var x:</a:t>
+            </a:r>
+            <a:endParaRPr b="0" lang="es-AR" sz="2000" spc="-1" strike="noStrike">
+              <a:latin typeface="Arial"/>
+            </a:endParaRPr>
+          </a:p>
+          <a:p>
+            <a:pPr>
+              <a:lnSpc>
+                <a:spcPct val="100000"/>
+              </a:lnSpc>
+              <a:spcBef>
+                <a:spcPts val="400"/>
+              </a:spcBef>
+              <a:buNone/>
+              <a:tabLst>
+                <a:tab algn="l" pos="0"/>
+              </a:tabLst>
+            </a:pPr>
+            <a:r>
+              <a:rPr b="0" lang="en-US" sz="2000" spc="-1" strike="noStrike">
+                <a:solidFill>
+                  <a:srgbClr val="000000"/>
+                </a:solidFill>
+                <a:latin typeface="Arial"/>
+                <a:ea typeface="SimSun"/>
+              </a:rPr>
+              <a:t>            </a:t>
+            </a:r>
+            <a:r>
+              <a:rPr b="0" lang="en-US" sz="2000" spc="-1" strike="noStrike">
+                <a:solidFill>
+                  <a:srgbClr val="000000"/>
+                </a:solidFill>
+                <a:latin typeface="Arial"/>
+                <a:ea typeface="SimSun"/>
+              </a:rPr>
+              <a:t>Console.WriteLine($"Type {x?.GetType().Name} ");</a:t>
+            </a:r>
+            <a:endParaRPr b="0" lang="es-AR" sz="2000" spc="-1" strike="noStrike">
+              <a:latin typeface="Arial"/>
+            </a:endParaRPr>
+          </a:p>
+          <a:p>
+            <a:pPr>
+              <a:lnSpc>
+                <a:spcPct val="100000"/>
+              </a:lnSpc>
+              <a:spcBef>
+                <a:spcPts val="400"/>
+              </a:spcBef>
+              <a:buNone/>
+              <a:tabLst>
+                <a:tab algn="l" pos="0"/>
+              </a:tabLst>
+            </a:pPr>
+            <a:r>
+              <a:rPr b="0" lang="en-US" sz="2000" spc="-1" strike="noStrike">
+                <a:solidFill>
+                  <a:srgbClr val="000000"/>
+                </a:solidFill>
+                <a:latin typeface="Arial"/>
+                <a:ea typeface="SimSun"/>
+              </a:rPr>
+              <a:t>            </a:t>
+            </a:r>
+            <a:r>
+              <a:rPr b="0" lang="en-US" sz="2000" spc="-1" strike="noStrike">
+                <a:solidFill>
+                  <a:srgbClr val="000000"/>
+                </a:solidFill>
+                <a:latin typeface="Arial"/>
+                <a:ea typeface="SimSun"/>
+              </a:rPr>
+              <a:t>break;</a:t>
+            </a:r>
+            <a:endParaRPr b="0" lang="es-AR" sz="2000" spc="-1" strike="noStrike">
+              <a:latin typeface="Arial"/>
+            </a:endParaRPr>
+          </a:p>
+          <a:p>
+            <a:pPr>
+              <a:lnSpc>
+                <a:spcPct val="100000"/>
+              </a:lnSpc>
+              <a:spcBef>
+                <a:spcPts val="400"/>
+              </a:spcBef>
+              <a:buNone/>
+              <a:tabLst>
+                <a:tab algn="l" pos="0"/>
+              </a:tabLst>
+            </a:pPr>
+            <a:r>
+              <a:rPr b="0" lang="en-US" sz="2000" spc="-1" strike="noStrike">
+                <a:solidFill>
+                  <a:srgbClr val="000000"/>
+                </a:solidFill>
+                <a:latin typeface="Arial"/>
+                <a:ea typeface="SimSun"/>
+              </a:rPr>
+              <a:t>    </a:t>
+            </a:r>
+            <a:r>
+              <a:rPr b="0" lang="en-US" sz="2000" spc="-1" strike="noStrike">
+                <a:solidFill>
+                  <a:srgbClr val="000000"/>
+                </a:solidFill>
+                <a:latin typeface="Arial"/>
+                <a:ea typeface="SimSun"/>
+              </a:rPr>
+              <a:t>}</a:t>
+            </a:r>
+            <a:endParaRPr b="0" lang="es-AR" sz="2000" spc="-1" strike="noStrike">
+              <a:latin typeface="Arial"/>
+            </a:endParaRPr>
+          </a:p>
+          <a:p>
+            <a:pPr>
+              <a:lnSpc>
+                <a:spcPct val="100000"/>
+              </a:lnSpc>
+              <a:spcBef>
+                <a:spcPts val="400"/>
+              </a:spcBef>
+              <a:buNone/>
+              <a:tabLst>
+                <a:tab algn="l" pos="0"/>
+              </a:tabLst>
+            </a:pPr>
+            <a:r>
+              <a:rPr b="0" lang="en-US" sz="2000" spc="-1" strike="noStrike">
+                <a:solidFill>
+                  <a:srgbClr val="000000"/>
+                </a:solidFill>
+                <a:latin typeface="Arial"/>
+                <a:ea typeface="SimSun"/>
+              </a:rPr>
+              <a:t>}</a:t>
+            </a:r>
+            <a:endParaRPr b="0" lang="es-AR" sz="2000" spc="-1" strike="noStrike">
+              <a:latin typeface="Arial"/>
+            </a:endParaRPr>
+          </a:p>
+        </p:txBody>
+      </p:sp>
+    </p:spTree>
+  </p:cSld>
+  <mc:AlternateContent>
+    <mc:Choice Requires="p14">
+      <p:transition spd="slow" p14:dur="2000"/>
+    </mc:Choice>
+    <mc:Fallback>
+      <p:transition spd="slow"/>
+    </mc:Fallback>
+  </mc:AlternateContent>
+</p:sld>
+</file>
+
+<file path=ppt/slides/slide33.xml><?xml version="1.0" encoding="utf-8"?>
+<p:sld xmlns:a="http://schemas.openxmlformats.org/drawingml/2006/main" xmlns:p="http://schemas.openxmlformats.org/presentationml/2006/main" xmlns:r="http://schemas.openxmlformats.org/officeDocument/2006/relationships" xmlns:p14="http://schemas.microsoft.com/office/powerpoint/2010/main" xmlns:p15="http://schemas.microsoft.com/office/powerpoint/2012/main" xmlns:mc="http://schemas.openxmlformats.org/markup-compatibility/2006">
+  <p:cSld>
+    <p:spTree>
+      <p:nvGrpSpPr>
+        <p:cNvPr id="1" name=""/>
+        <p:cNvGrpSpPr/>
+        <p:nvPr/>
+      </p:nvGrpSpPr>
+      <p:grpSpPr>
+        <a:xfrm>
+          <a:off x="0" y="0"/>
+          <a:ext cx="0" cy="0"/>
+          <a:chOff x="0" y="0"/>
+          <a:chExt cx="0" cy="0"/>
+        </a:xfrm>
+      </p:grpSpPr>
+      <p:sp>
+        <p:nvSpPr>
+          <p:cNvPr id="155" name="PlaceHolder 1"/>
+          <p:cNvSpPr>
+            <a:spLocks noGrp="1"/>
+          </p:cNvSpPr>
+          <p:nvPr>
+            <p:ph type="title"/>
+          </p:nvPr>
+        </p:nvSpPr>
+        <p:spPr>
+          <a:xfrm>
+            <a:off x="457200" y="190440"/>
+            <a:ext cx="8228520" cy="581400"/>
+          </a:xfrm>
+          <a:prstGeom prst="rect">
+            <a:avLst/>
+          </a:prstGeom>
+          <a:noFill/>
+          <a:ln w="9360">
+            <a:noFill/>
+          </a:ln>
+        </p:spPr>
+        <p:txBody>
+          <a:bodyPr lIns="90000" rIns="90000" tIns="45000" bIns="45000" anchor="ctr">
+            <a:noAutofit/>
+          </a:bodyPr>
+          <a:p>
+            <a:pPr>
+              <a:lnSpc>
+                <a:spcPct val="100000"/>
+              </a:lnSpc>
+              <a:buNone/>
+            </a:pPr>
+            <a:r>
+              <a:rPr b="0" lang="en-US" sz="3600" spc="-1" strike="noStrike">
+                <a:solidFill>
+                  <a:srgbClr val="000000"/>
+                </a:solidFill>
+                <a:latin typeface="Arial"/>
+                <a:ea typeface="SimSun"/>
+              </a:rPr>
+              <a:t>Type Pattern y Switch con Pattern Matching (C# 7.0)</a:t>
+            </a:r>
+            <a:endParaRPr b="0" lang="es-AR" sz="3600" spc="-1" strike="noStrike">
+              <a:latin typeface="Arial"/>
+            </a:endParaRPr>
+          </a:p>
+        </p:txBody>
+      </p:sp>
+      <p:sp>
+        <p:nvSpPr>
+          <p:cNvPr id="156" name="PlaceHolder 2"/>
+          <p:cNvSpPr>
+            <a:spLocks noGrp="1"/>
+          </p:cNvSpPr>
+          <p:nvPr>
+            <p:ph/>
+          </p:nvPr>
+        </p:nvSpPr>
+        <p:spPr>
+          <a:xfrm>
+            <a:off x="457200" y="1160280"/>
+            <a:ext cx="8228520" cy="4951800"/>
+          </a:xfrm>
+          <a:prstGeom prst="rect">
+            <a:avLst/>
+          </a:prstGeom>
+          <a:noFill/>
+          <a:ln w="9360">
+            <a:noFill/>
+          </a:ln>
+        </p:spPr>
+        <p:txBody>
+          <a:bodyPr lIns="90000" rIns="90000" tIns="45000" bIns="45000" anchor="t">
+            <a:noAutofit/>
+          </a:bodyPr>
+          <a:p>
+            <a:pPr>
+              <a:lnSpc>
+                <a:spcPct val="100000"/>
+              </a:lnSpc>
+              <a:spcBef>
+                <a:spcPts val="400"/>
+              </a:spcBef>
+              <a:buNone/>
+              <a:tabLst>
+                <a:tab algn="l" pos="0"/>
+              </a:tabLst>
+            </a:pPr>
+            <a:r>
+              <a:rPr b="0" lang="en-US" sz="2000" spc="-1" strike="noStrike">
+                <a:solidFill>
+                  <a:srgbClr val="000000"/>
+                </a:solidFill>
+                <a:latin typeface="Arial"/>
+                <a:ea typeface="SimSun"/>
+              </a:rPr>
+              <a:t>Permite verificar y hacer un cast de un tipo directamente.</a:t>
+            </a:r>
+            <a:endParaRPr b="0" lang="es-AR" sz="2000" spc="-1" strike="noStrike">
+              <a:latin typeface="Arial"/>
+            </a:endParaRPr>
+          </a:p>
+          <a:p>
+            <a:pPr>
+              <a:lnSpc>
+                <a:spcPct val="100000"/>
+              </a:lnSpc>
+              <a:spcBef>
+                <a:spcPts val="400"/>
+              </a:spcBef>
+              <a:buNone/>
+              <a:tabLst>
+                <a:tab algn="l" pos="0"/>
+              </a:tabLst>
+            </a:pPr>
+            <a:endParaRPr b="0" lang="es-AR" sz="2000" spc="-1" strike="noStrike">
+              <a:latin typeface="Arial"/>
+            </a:endParaRPr>
+          </a:p>
+          <a:p>
+            <a:pPr>
+              <a:lnSpc>
+                <a:spcPct val="100000"/>
+              </a:lnSpc>
+              <a:spcBef>
+                <a:spcPts val="400"/>
+              </a:spcBef>
+              <a:buNone/>
+              <a:tabLst>
+                <a:tab algn="l" pos="0"/>
+              </a:tabLst>
+            </a:pPr>
+            <a:r>
+              <a:rPr b="0" lang="en-US" sz="2000" spc="-1" strike="noStrike">
+                <a:solidFill>
+                  <a:srgbClr val="000000"/>
+                </a:solidFill>
+                <a:latin typeface="Arial"/>
+                <a:ea typeface="SimSun"/>
+              </a:rPr>
+              <a:t>if (obj is int i)</a:t>
+            </a:r>
+            <a:endParaRPr b="0" lang="es-AR" sz="2000" spc="-1" strike="noStrike">
+              <a:latin typeface="Arial"/>
+            </a:endParaRPr>
+          </a:p>
+          <a:p>
+            <a:pPr>
+              <a:lnSpc>
+                <a:spcPct val="100000"/>
+              </a:lnSpc>
+              <a:spcBef>
+                <a:spcPts val="400"/>
+              </a:spcBef>
+              <a:buNone/>
+              <a:tabLst>
+                <a:tab algn="l" pos="0"/>
+              </a:tabLst>
+            </a:pPr>
+            <a:r>
+              <a:rPr b="0" lang="en-US" sz="2000" spc="-1" strike="noStrike">
+                <a:solidFill>
+                  <a:srgbClr val="000000"/>
+                </a:solidFill>
+                <a:latin typeface="Arial"/>
+                <a:ea typeface="SimSun"/>
+              </a:rPr>
+              <a:t>{</a:t>
+            </a:r>
+            <a:endParaRPr b="0" lang="es-AR" sz="2000" spc="-1" strike="noStrike">
+              <a:latin typeface="Arial"/>
+            </a:endParaRPr>
+          </a:p>
+          <a:p>
+            <a:pPr>
+              <a:lnSpc>
+                <a:spcPct val="100000"/>
+              </a:lnSpc>
+              <a:spcBef>
+                <a:spcPts val="400"/>
+              </a:spcBef>
+              <a:buNone/>
+              <a:tabLst>
+                <a:tab algn="l" pos="0"/>
+              </a:tabLst>
+            </a:pPr>
+            <a:r>
+              <a:rPr b="0" lang="en-US" sz="2000" spc="-1" strike="noStrike">
+                <a:solidFill>
+                  <a:srgbClr val="000000"/>
+                </a:solidFill>
+                <a:latin typeface="Arial"/>
+                <a:ea typeface="SimSun"/>
+              </a:rPr>
+              <a:t>    </a:t>
+            </a:r>
+            <a:r>
+              <a:rPr b="0" lang="en-US" sz="2000" spc="-1" strike="noStrike">
+                <a:solidFill>
+                  <a:srgbClr val="000000"/>
+                </a:solidFill>
+                <a:latin typeface="Arial"/>
+                <a:ea typeface="SimSun"/>
+              </a:rPr>
+              <a:t>Console.WriteLine(i); // Desde C# 7.0</a:t>
+            </a:r>
+            <a:endParaRPr b="0" lang="es-AR" sz="2000" spc="-1" strike="noStrike">
+              <a:latin typeface="Arial"/>
+            </a:endParaRPr>
+          </a:p>
+          <a:p>
+            <a:pPr>
+              <a:lnSpc>
+                <a:spcPct val="100000"/>
+              </a:lnSpc>
+              <a:spcBef>
+                <a:spcPts val="400"/>
+              </a:spcBef>
+              <a:buNone/>
+              <a:tabLst>
+                <a:tab algn="l" pos="0"/>
+              </a:tabLst>
+            </a:pPr>
+            <a:r>
+              <a:rPr b="0" lang="en-US" sz="2000" spc="-1" strike="noStrike">
+                <a:solidFill>
+                  <a:srgbClr val="000000"/>
+                </a:solidFill>
+                <a:latin typeface="Arial"/>
+                <a:ea typeface="SimSun"/>
+              </a:rPr>
+              <a:t>}</a:t>
+            </a:r>
+            <a:endParaRPr b="0" lang="es-AR" sz="2000" spc="-1" strike="noStrike">
+              <a:latin typeface="Arial"/>
+            </a:endParaRPr>
+          </a:p>
+          <a:p>
+            <a:pPr>
+              <a:lnSpc>
+                <a:spcPct val="100000"/>
+              </a:lnSpc>
+              <a:spcBef>
+                <a:spcPts val="400"/>
+              </a:spcBef>
+              <a:buNone/>
+              <a:tabLst>
+                <a:tab algn="l" pos="0"/>
+              </a:tabLst>
+            </a:pPr>
+            <a:endParaRPr b="0" lang="es-AR" sz="2000" spc="-1" strike="noStrike">
+              <a:latin typeface="Arial"/>
+            </a:endParaRPr>
+          </a:p>
+          <a:p>
+            <a:pPr>
+              <a:lnSpc>
+                <a:spcPct val="100000"/>
+              </a:lnSpc>
+              <a:spcBef>
+                <a:spcPts val="400"/>
+              </a:spcBef>
+              <a:buNone/>
+              <a:tabLst>
+                <a:tab algn="l" pos="0"/>
+              </a:tabLst>
+            </a:pPr>
+            <a:r>
+              <a:rPr b="0" lang="en-US" sz="2000" spc="-1" strike="noStrike">
+                <a:solidFill>
+                  <a:srgbClr val="000000"/>
+                </a:solidFill>
+                <a:latin typeface="Arial"/>
+                <a:ea typeface="SimSun"/>
+              </a:rPr>
+              <a:t>El switch puede realizar comparaciones de tipos.</a:t>
+            </a:r>
+            <a:endParaRPr b="0" lang="es-AR" sz="2000" spc="-1" strike="noStrike">
+              <a:latin typeface="Arial"/>
+            </a:endParaRPr>
+          </a:p>
+          <a:p>
+            <a:pPr>
+              <a:lnSpc>
+                <a:spcPct val="100000"/>
+              </a:lnSpc>
+              <a:spcBef>
+                <a:spcPts val="400"/>
+              </a:spcBef>
+              <a:buNone/>
+              <a:tabLst>
+                <a:tab algn="l" pos="0"/>
+              </a:tabLst>
+            </a:pPr>
+            <a:endParaRPr b="0" lang="es-AR" sz="2000" spc="-1" strike="noStrike">
+              <a:latin typeface="Arial"/>
+            </a:endParaRPr>
+          </a:p>
+          <a:p>
+            <a:pPr>
+              <a:lnSpc>
+                <a:spcPct val="100000"/>
+              </a:lnSpc>
+              <a:spcBef>
+                <a:spcPts val="400"/>
+              </a:spcBef>
+              <a:buNone/>
+              <a:tabLst>
+                <a:tab algn="l" pos="0"/>
+              </a:tabLst>
+            </a:pPr>
+            <a:r>
+              <a:rPr b="0" lang="en-US" sz="2000" spc="-1" strike="noStrike">
+                <a:solidFill>
+                  <a:srgbClr val="000000"/>
+                </a:solidFill>
+                <a:latin typeface="Arial"/>
+                <a:ea typeface="SimSun"/>
+              </a:rPr>
+              <a:t>switch (obj)</a:t>
+            </a:r>
+            <a:endParaRPr b="0" lang="es-AR" sz="2000" spc="-1" strike="noStrike">
+              <a:latin typeface="Arial"/>
+            </a:endParaRPr>
+          </a:p>
+          <a:p>
+            <a:pPr>
+              <a:lnSpc>
+                <a:spcPct val="100000"/>
+              </a:lnSpc>
+              <a:spcBef>
+                <a:spcPts val="400"/>
+              </a:spcBef>
+              <a:buNone/>
+              <a:tabLst>
+                <a:tab algn="l" pos="0"/>
+              </a:tabLst>
+            </a:pPr>
+            <a:r>
+              <a:rPr b="0" lang="en-US" sz="2000" spc="-1" strike="noStrike">
+                <a:solidFill>
+                  <a:srgbClr val="000000"/>
+                </a:solidFill>
+                <a:latin typeface="Arial"/>
+                <a:ea typeface="SimSun"/>
+              </a:rPr>
+              <a:t>{</a:t>
+            </a:r>
+            <a:endParaRPr b="0" lang="es-AR" sz="2000" spc="-1" strike="noStrike">
+              <a:latin typeface="Arial"/>
+            </a:endParaRPr>
+          </a:p>
+          <a:p>
+            <a:pPr>
+              <a:lnSpc>
+                <a:spcPct val="100000"/>
+              </a:lnSpc>
+              <a:spcBef>
+                <a:spcPts val="400"/>
+              </a:spcBef>
+              <a:buNone/>
+              <a:tabLst>
+                <a:tab algn="l" pos="0"/>
+              </a:tabLst>
+            </a:pPr>
+            <a:r>
+              <a:rPr b="0" lang="en-US" sz="2000" spc="-1" strike="noStrike">
+                <a:solidFill>
+                  <a:srgbClr val="000000"/>
+                </a:solidFill>
+                <a:latin typeface="Arial"/>
+                <a:ea typeface="SimSun"/>
+              </a:rPr>
+              <a:t>    </a:t>
+            </a:r>
+            <a:r>
+              <a:rPr b="0" lang="en-US" sz="2000" spc="-1" strike="noStrike">
+                <a:solidFill>
+                  <a:srgbClr val="000000"/>
+                </a:solidFill>
+                <a:latin typeface="Arial"/>
+                <a:ea typeface="SimSun"/>
+              </a:rPr>
+              <a:t>case int i:</a:t>
+            </a:r>
+            <a:endParaRPr b="0" lang="es-AR" sz="2000" spc="-1" strike="noStrike">
+              <a:latin typeface="Arial"/>
+            </a:endParaRPr>
+          </a:p>
+          <a:p>
+            <a:pPr>
+              <a:lnSpc>
+                <a:spcPct val="100000"/>
+              </a:lnSpc>
+              <a:spcBef>
+                <a:spcPts val="400"/>
+              </a:spcBef>
+              <a:buNone/>
+              <a:tabLst>
+                <a:tab algn="l" pos="0"/>
+              </a:tabLst>
+            </a:pPr>
+            <a:r>
+              <a:rPr b="0" lang="en-US" sz="2000" spc="-1" strike="noStrike">
+                <a:solidFill>
+                  <a:srgbClr val="000000"/>
+                </a:solidFill>
+                <a:latin typeface="Arial"/>
+                <a:ea typeface="SimSun"/>
+              </a:rPr>
+              <a:t>        </a:t>
+            </a:r>
+            <a:r>
+              <a:rPr b="0" lang="en-US" sz="2000" spc="-1" strike="noStrike">
+                <a:solidFill>
+                  <a:srgbClr val="000000"/>
+                </a:solidFill>
+                <a:latin typeface="Arial"/>
+                <a:ea typeface="SimSun"/>
+              </a:rPr>
+              <a:t>Console.WriteLine(i);  // Desde C# 7.0</a:t>
+            </a:r>
+            <a:endParaRPr b="0" lang="es-AR" sz="2000" spc="-1" strike="noStrike">
+              <a:latin typeface="Arial"/>
+            </a:endParaRPr>
+          </a:p>
+          <a:p>
+            <a:pPr>
+              <a:lnSpc>
+                <a:spcPct val="100000"/>
+              </a:lnSpc>
+              <a:spcBef>
+                <a:spcPts val="400"/>
+              </a:spcBef>
+              <a:buNone/>
+              <a:tabLst>
+                <a:tab algn="l" pos="0"/>
+              </a:tabLst>
+            </a:pPr>
+            <a:r>
+              <a:rPr b="0" lang="en-US" sz="2000" spc="-1" strike="noStrike">
+                <a:solidFill>
+                  <a:srgbClr val="000000"/>
+                </a:solidFill>
+                <a:latin typeface="Arial"/>
+                <a:ea typeface="SimSun"/>
+              </a:rPr>
+              <a:t>        </a:t>
+            </a:r>
+            <a:r>
+              <a:rPr b="0" lang="en-US" sz="2000" spc="-1" strike="noStrike">
+                <a:solidFill>
+                  <a:srgbClr val="000000"/>
+                </a:solidFill>
+                <a:latin typeface="Arial"/>
+                <a:ea typeface="SimSun"/>
+              </a:rPr>
+              <a:t>break;</a:t>
+            </a:r>
+            <a:endParaRPr b="0" lang="es-AR" sz="2000" spc="-1" strike="noStrike">
+              <a:latin typeface="Arial"/>
+            </a:endParaRPr>
+          </a:p>
+          <a:p>
+            <a:pPr>
+              <a:lnSpc>
+                <a:spcPct val="100000"/>
+              </a:lnSpc>
+              <a:spcBef>
+                <a:spcPts val="400"/>
+              </a:spcBef>
+              <a:buNone/>
+              <a:tabLst>
+                <a:tab algn="l" pos="0"/>
+              </a:tabLst>
+            </a:pPr>
+            <a:r>
+              <a:rPr b="0" lang="en-US" sz="2000" spc="-1" strike="noStrike">
+                <a:solidFill>
+                  <a:srgbClr val="000000"/>
+                </a:solidFill>
+                <a:latin typeface="Arial"/>
+                <a:ea typeface="SimSun"/>
+              </a:rPr>
+              <a:t>}</a:t>
+            </a:r>
+            <a:endParaRPr b="0" lang="es-AR" sz="2000" spc="-1" strike="noStrike">
+              <a:latin typeface="Arial"/>
+            </a:endParaRPr>
+          </a:p>
+        </p:txBody>
+      </p:sp>
+    </p:spTree>
+  </p:cSld>
+  <mc:AlternateContent>
+    <mc:Choice Requires="p14">
+      <p:transition spd="slow" p14:dur="2000"/>
+    </mc:Choice>
+    <mc:Fallback>
+      <p:transition spd="slow"/>
+    </mc:Fallback>
+  </mc:AlternateContent>
+</p:sld>
+</file>
+
+<file path=ppt/slides/slide34.xml><?xml version="1.0" encoding="utf-8"?>
+<p:sld xmlns:a="http://schemas.openxmlformats.org/drawingml/2006/main" xmlns:p="http://schemas.openxmlformats.org/presentationml/2006/main" xmlns:r="http://schemas.openxmlformats.org/officeDocument/2006/relationships" xmlns:p14="http://schemas.microsoft.com/office/powerpoint/2010/main" xmlns:p15="http://schemas.microsoft.com/office/powerpoint/2012/main" xmlns:mc="http://schemas.openxmlformats.org/markup-compatibility/2006">
+  <p:cSld>
+    <p:spTree>
+      <p:nvGrpSpPr>
+        <p:cNvPr id="1" name=""/>
+        <p:cNvGrpSpPr/>
+        <p:nvPr/>
+      </p:nvGrpSpPr>
+      <p:grpSpPr>
+        <a:xfrm>
+          <a:off x="0" y="0"/>
+          <a:ext cx="0" cy="0"/>
+          <a:chOff x="0" y="0"/>
+          <a:chExt cx="0" cy="0"/>
+        </a:xfrm>
+      </p:grpSpPr>
+      <p:sp>
+        <p:nvSpPr>
+          <p:cNvPr id="157" name="PlaceHolder 1"/>
+          <p:cNvSpPr>
+            <a:spLocks noGrp="1"/>
+          </p:cNvSpPr>
+          <p:nvPr>
+            <p:ph type="title"/>
+          </p:nvPr>
+        </p:nvSpPr>
+        <p:spPr>
+          <a:xfrm>
+            <a:off x="457200" y="190440"/>
+            <a:ext cx="8228520" cy="581400"/>
+          </a:xfrm>
+          <a:prstGeom prst="rect">
+            <a:avLst/>
+          </a:prstGeom>
+          <a:noFill/>
+          <a:ln w="9360">
+            <a:noFill/>
+          </a:ln>
+        </p:spPr>
+        <p:txBody>
+          <a:bodyPr lIns="90000" rIns="90000" tIns="45000" bIns="45000" anchor="ctr">
+            <a:noAutofit/>
+          </a:bodyPr>
+          <a:p>
+            <a:pPr>
+              <a:lnSpc>
+                <a:spcPct val="100000"/>
+              </a:lnSpc>
+              <a:buNone/>
+            </a:pPr>
+            <a:r>
+              <a:rPr b="0" lang="en-US" sz="3600" spc="-1" strike="noStrike">
+                <a:solidFill>
+                  <a:srgbClr val="000000"/>
+                </a:solidFill>
+                <a:latin typeface="Arial"/>
+                <a:ea typeface="SimSun"/>
+              </a:rPr>
+              <a:t>Property Pattern (C# 8.0)</a:t>
+            </a:r>
+            <a:endParaRPr b="0" lang="es-AR" sz="3600" spc="-1" strike="noStrike">
+              <a:latin typeface="Arial"/>
+            </a:endParaRPr>
+          </a:p>
+        </p:txBody>
+      </p:sp>
+      <p:sp>
+        <p:nvSpPr>
+          <p:cNvPr id="158" name="PlaceHolder 2"/>
+          <p:cNvSpPr>
+            <a:spLocks noGrp="1"/>
+          </p:cNvSpPr>
+          <p:nvPr>
+            <p:ph/>
+          </p:nvPr>
+        </p:nvSpPr>
+        <p:spPr>
+          <a:xfrm>
+            <a:off x="457200" y="1160280"/>
+            <a:ext cx="8228520" cy="4951800"/>
+          </a:xfrm>
+          <a:prstGeom prst="rect">
+            <a:avLst/>
+          </a:prstGeom>
+          <a:noFill/>
+          <a:ln w="9360">
+            <a:noFill/>
+          </a:ln>
+        </p:spPr>
+        <p:txBody>
+          <a:bodyPr lIns="90000" rIns="90000" tIns="45000" bIns="45000" anchor="t">
+            <a:noAutofit/>
+          </a:bodyPr>
+          <a:p>
+            <a:pPr>
+              <a:lnSpc>
+                <a:spcPct val="100000"/>
+              </a:lnSpc>
+              <a:spcBef>
+                <a:spcPts val="400"/>
+              </a:spcBef>
+              <a:buNone/>
+              <a:tabLst>
+                <a:tab algn="l" pos="0"/>
+              </a:tabLst>
+            </a:pPr>
+            <a:r>
+              <a:rPr b="0" lang="en-US" sz="2000" spc="-1" strike="noStrike">
+                <a:solidFill>
+                  <a:srgbClr val="000000"/>
+                </a:solidFill>
+                <a:latin typeface="Arial"/>
+                <a:ea typeface="SimSun"/>
+              </a:rPr>
+              <a:t>var person = new Person("John", 30);</a:t>
+            </a:r>
+            <a:endParaRPr b="0" lang="es-AR" sz="2000" spc="-1" strike="noStrike">
+              <a:latin typeface="Arial"/>
+            </a:endParaRPr>
+          </a:p>
+          <a:p>
+            <a:pPr>
+              <a:lnSpc>
+                <a:spcPct val="100000"/>
+              </a:lnSpc>
+              <a:spcBef>
+                <a:spcPts val="400"/>
+              </a:spcBef>
+              <a:buNone/>
+              <a:tabLst>
+                <a:tab algn="l" pos="0"/>
+              </a:tabLst>
+            </a:pPr>
+            <a:r>
+              <a:rPr b="0" lang="en-US" sz="2000" spc="-1" strike="noStrike">
+                <a:solidFill>
+                  <a:srgbClr val="000000"/>
+                </a:solidFill>
+                <a:latin typeface="Arial"/>
+                <a:ea typeface="SimSun"/>
+              </a:rPr>
+              <a:t>var result = person switch</a:t>
+            </a:r>
+            <a:endParaRPr b="0" lang="es-AR" sz="2000" spc="-1" strike="noStrike">
+              <a:latin typeface="Arial"/>
+            </a:endParaRPr>
+          </a:p>
+          <a:p>
+            <a:pPr>
+              <a:lnSpc>
+                <a:spcPct val="100000"/>
+              </a:lnSpc>
+              <a:spcBef>
+                <a:spcPts val="400"/>
+              </a:spcBef>
+              <a:buNone/>
+              <a:tabLst>
+                <a:tab algn="l" pos="0"/>
+              </a:tabLst>
+            </a:pPr>
+            <a:r>
+              <a:rPr b="0" lang="en-US" sz="2000" spc="-1" strike="noStrike">
+                <a:solidFill>
+                  <a:srgbClr val="000000"/>
+                </a:solidFill>
+                <a:latin typeface="Arial"/>
+                <a:ea typeface="SimSun"/>
+              </a:rPr>
+              <a:t>{</a:t>
+            </a:r>
+            <a:endParaRPr b="0" lang="es-AR" sz="2000" spc="-1" strike="noStrike">
+              <a:latin typeface="Arial"/>
+            </a:endParaRPr>
+          </a:p>
+          <a:p>
+            <a:pPr>
+              <a:lnSpc>
+                <a:spcPct val="100000"/>
+              </a:lnSpc>
+              <a:spcBef>
+                <a:spcPts val="400"/>
+              </a:spcBef>
+              <a:buNone/>
+              <a:tabLst>
+                <a:tab algn="l" pos="0"/>
+              </a:tabLst>
+            </a:pPr>
+            <a:r>
+              <a:rPr b="0" lang="en-US" sz="2000" spc="-1" strike="noStrike">
+                <a:solidFill>
+                  <a:srgbClr val="000000"/>
+                </a:solidFill>
+                <a:latin typeface="Arial"/>
+                <a:ea typeface="SimSun"/>
+              </a:rPr>
+              <a:t>    </a:t>
+            </a:r>
+            <a:r>
+              <a:rPr b="0" lang="en-US" sz="2000" spc="-1" strike="noStrike">
+                <a:solidFill>
+                  <a:srgbClr val="000000"/>
+                </a:solidFill>
+                <a:latin typeface="Arial"/>
+                <a:ea typeface="SimSun"/>
+              </a:rPr>
+              <a:t>{ Name: "John", Age: 30 } =&gt; "Matched!", // Desde C# 8.0</a:t>
+            </a:r>
+            <a:endParaRPr b="0" lang="es-AR" sz="2000" spc="-1" strike="noStrike">
+              <a:latin typeface="Arial"/>
+            </a:endParaRPr>
+          </a:p>
+          <a:p>
+            <a:pPr>
+              <a:lnSpc>
+                <a:spcPct val="100000"/>
+              </a:lnSpc>
+              <a:spcBef>
+                <a:spcPts val="400"/>
+              </a:spcBef>
+              <a:buNone/>
+              <a:tabLst>
+                <a:tab algn="l" pos="0"/>
+              </a:tabLst>
+            </a:pPr>
+            <a:r>
+              <a:rPr b="0" lang="en-US" sz="2000" spc="-1" strike="noStrike">
+                <a:solidFill>
+                  <a:srgbClr val="000000"/>
+                </a:solidFill>
+                <a:latin typeface="Arial"/>
+                <a:ea typeface="SimSun"/>
+              </a:rPr>
+              <a:t>    </a:t>
+            </a:r>
+            <a:r>
+              <a:rPr b="0" lang="en-US" sz="2000" spc="-1" strike="noStrike">
+                <a:solidFill>
+                  <a:srgbClr val="000000"/>
+                </a:solidFill>
+                <a:latin typeface="Arial"/>
+                <a:ea typeface="SimSun"/>
+              </a:rPr>
+              <a:t>_ =&gt; "No Match"</a:t>
+            </a:r>
+            <a:endParaRPr b="0" lang="es-AR" sz="2000" spc="-1" strike="noStrike">
+              <a:latin typeface="Arial"/>
+            </a:endParaRPr>
+          </a:p>
+          <a:p>
+            <a:pPr>
+              <a:lnSpc>
+                <a:spcPct val="100000"/>
+              </a:lnSpc>
+              <a:spcBef>
+                <a:spcPts val="400"/>
+              </a:spcBef>
+              <a:buNone/>
+              <a:tabLst>
+                <a:tab algn="l" pos="0"/>
+              </a:tabLst>
+            </a:pPr>
+            <a:r>
+              <a:rPr b="0" lang="en-US" sz="2000" spc="-1" strike="noStrike">
+                <a:solidFill>
+                  <a:srgbClr val="000000"/>
+                </a:solidFill>
+                <a:latin typeface="Arial"/>
+                <a:ea typeface="SimSun"/>
+              </a:rPr>
+              <a:t>};</a:t>
+            </a:r>
+            <a:endParaRPr b="0" lang="es-AR" sz="2000" spc="-1" strike="noStrike">
+              <a:latin typeface="Arial"/>
+            </a:endParaRPr>
+          </a:p>
+        </p:txBody>
+      </p:sp>
+    </p:spTree>
+  </p:cSld>
+  <mc:AlternateContent>
+    <mc:Choice Requires="p14">
+      <p:transition spd="slow" p14:dur="2000"/>
+    </mc:Choice>
+    <mc:Fallback>
+      <p:transition spd="slow"/>
+    </mc:Fallback>
+  </mc:AlternateContent>
+</p:sld>
+</file>
+
+<file path=ppt/slides/slide35.xml><?xml version="1.0" encoding="utf-8"?>
+<p:sld xmlns:a="http://schemas.openxmlformats.org/drawingml/2006/main" xmlns:p="http://schemas.openxmlformats.org/presentationml/2006/main" xmlns:r="http://schemas.openxmlformats.org/officeDocument/2006/relationships" xmlns:p14="http://schemas.microsoft.com/office/powerpoint/2010/main" xmlns:p15="http://schemas.microsoft.com/office/powerpoint/2012/main" xmlns:mc="http://schemas.openxmlformats.org/markup-compatibility/2006">
+  <p:cSld>
+    <p:spTree>
+      <p:nvGrpSpPr>
+        <p:cNvPr id="1" name=""/>
+        <p:cNvGrpSpPr/>
+        <p:nvPr/>
+      </p:nvGrpSpPr>
+      <p:grpSpPr>
+        <a:xfrm>
+          <a:off x="0" y="0"/>
+          <a:ext cx="0" cy="0"/>
+          <a:chOff x="0" y="0"/>
+          <a:chExt cx="0" cy="0"/>
+        </a:xfrm>
+      </p:grpSpPr>
+      <p:sp>
+        <p:nvSpPr>
+          <p:cNvPr id="159" name="PlaceHolder 1"/>
+          <p:cNvSpPr>
+            <a:spLocks noGrp="1"/>
+          </p:cNvSpPr>
+          <p:nvPr>
+            <p:ph type="title"/>
+          </p:nvPr>
+        </p:nvSpPr>
+        <p:spPr>
+          <a:xfrm>
+            <a:off x="457200" y="190440"/>
+            <a:ext cx="8228520" cy="581400"/>
+          </a:xfrm>
+          <a:prstGeom prst="rect">
+            <a:avLst/>
+          </a:prstGeom>
+          <a:noFill/>
+          <a:ln w="9360">
+            <a:noFill/>
+          </a:ln>
+        </p:spPr>
+        <p:txBody>
+          <a:bodyPr lIns="90000" rIns="90000" tIns="45000" bIns="45000" anchor="ctr">
+            <a:noAutofit/>
+          </a:bodyPr>
+          <a:p>
+            <a:pPr>
+              <a:lnSpc>
+                <a:spcPct val="100000"/>
+              </a:lnSpc>
+              <a:buNone/>
+            </a:pPr>
+            <a:r>
+              <a:rPr b="0" lang="en-US" sz="3600" spc="-1" strike="noStrike">
+                <a:solidFill>
+                  <a:srgbClr val="000000"/>
+                </a:solidFill>
+                <a:latin typeface="Arial"/>
+                <a:ea typeface="SimSun"/>
+              </a:rPr>
+              <a:t>Positional Pattern (C# 8.0)</a:t>
+            </a:r>
+            <a:endParaRPr b="0" lang="es-AR" sz="3600" spc="-1" strike="noStrike">
+              <a:latin typeface="Arial"/>
+            </a:endParaRPr>
+          </a:p>
+        </p:txBody>
+      </p:sp>
+      <p:sp>
+        <p:nvSpPr>
+          <p:cNvPr id="160" name="PlaceHolder 2"/>
+          <p:cNvSpPr>
+            <a:spLocks noGrp="1"/>
+          </p:cNvSpPr>
+          <p:nvPr>
+            <p:ph/>
+          </p:nvPr>
+        </p:nvSpPr>
+        <p:spPr>
+          <a:xfrm>
+            <a:off x="457200" y="1160280"/>
+            <a:ext cx="8228520" cy="4951800"/>
+          </a:xfrm>
+          <a:prstGeom prst="rect">
+            <a:avLst/>
+          </a:prstGeom>
+          <a:noFill/>
+          <a:ln w="9360">
+            <a:noFill/>
+          </a:ln>
+        </p:spPr>
+        <p:txBody>
+          <a:bodyPr lIns="90000" rIns="90000" tIns="45000" bIns="45000" anchor="t">
+            <a:noAutofit/>
+          </a:bodyPr>
+          <a:p>
+            <a:pPr>
+              <a:lnSpc>
+                <a:spcPct val="100000"/>
+              </a:lnSpc>
+              <a:spcBef>
+                <a:spcPts val="400"/>
+              </a:spcBef>
+              <a:buNone/>
+              <a:tabLst>
+                <a:tab algn="l" pos="0"/>
+              </a:tabLst>
+            </a:pPr>
+            <a:r>
+              <a:rPr b="0" lang="en-US" sz="2000" spc="-1" strike="noStrike">
+                <a:solidFill>
+                  <a:srgbClr val="000000"/>
+                </a:solidFill>
+                <a:latin typeface="Arial"/>
+                <a:ea typeface="SimSun"/>
+              </a:rPr>
+              <a:t>public record Point(int X, int Y);</a:t>
+            </a:r>
+            <a:endParaRPr b="0" lang="es-AR" sz="2000" spc="-1" strike="noStrike">
+              <a:latin typeface="Arial"/>
+            </a:endParaRPr>
+          </a:p>
+          <a:p>
+            <a:pPr>
+              <a:lnSpc>
+                <a:spcPct val="100000"/>
+              </a:lnSpc>
+              <a:spcBef>
+                <a:spcPts val="400"/>
+              </a:spcBef>
+              <a:buNone/>
+              <a:tabLst>
+                <a:tab algn="l" pos="0"/>
+              </a:tabLst>
+            </a:pPr>
+            <a:endParaRPr b="0" lang="es-AR" sz="2000" spc="-1" strike="noStrike">
+              <a:latin typeface="Arial"/>
+            </a:endParaRPr>
+          </a:p>
+          <a:p>
+            <a:pPr>
+              <a:lnSpc>
+                <a:spcPct val="100000"/>
+              </a:lnSpc>
+              <a:spcBef>
+                <a:spcPts val="400"/>
+              </a:spcBef>
+              <a:buNone/>
+              <a:tabLst>
+                <a:tab algn="l" pos="0"/>
+              </a:tabLst>
+            </a:pPr>
+            <a:r>
+              <a:rPr b="0" lang="en-US" sz="2000" spc="-1" strike="noStrike">
+                <a:solidFill>
+                  <a:srgbClr val="000000"/>
+                </a:solidFill>
+                <a:latin typeface="Arial"/>
+                <a:ea typeface="SimSun"/>
+              </a:rPr>
+              <a:t>var point = new Point(1, 2);</a:t>
+            </a:r>
+            <a:endParaRPr b="0" lang="es-AR" sz="2000" spc="-1" strike="noStrike">
+              <a:latin typeface="Arial"/>
+            </a:endParaRPr>
+          </a:p>
+          <a:p>
+            <a:pPr>
+              <a:lnSpc>
+                <a:spcPct val="100000"/>
+              </a:lnSpc>
+              <a:spcBef>
+                <a:spcPts val="400"/>
+              </a:spcBef>
+              <a:buNone/>
+              <a:tabLst>
+                <a:tab algn="l" pos="0"/>
+              </a:tabLst>
+            </a:pPr>
+            <a:r>
+              <a:rPr b="0" lang="en-US" sz="2000" spc="-1" strike="noStrike">
+                <a:solidFill>
+                  <a:srgbClr val="000000"/>
+                </a:solidFill>
+                <a:latin typeface="Arial"/>
+                <a:ea typeface="SimSun"/>
+              </a:rPr>
+              <a:t>string description = point switch</a:t>
+            </a:r>
+            <a:endParaRPr b="0" lang="es-AR" sz="2000" spc="-1" strike="noStrike">
+              <a:latin typeface="Arial"/>
+            </a:endParaRPr>
+          </a:p>
+          <a:p>
+            <a:pPr>
+              <a:lnSpc>
+                <a:spcPct val="100000"/>
+              </a:lnSpc>
+              <a:spcBef>
+                <a:spcPts val="400"/>
+              </a:spcBef>
+              <a:buNone/>
+              <a:tabLst>
+                <a:tab algn="l" pos="0"/>
+              </a:tabLst>
+            </a:pPr>
+            <a:r>
+              <a:rPr b="0" lang="en-US" sz="2000" spc="-1" strike="noStrike">
+                <a:solidFill>
+                  <a:srgbClr val="000000"/>
+                </a:solidFill>
+                <a:latin typeface="Arial"/>
+                <a:ea typeface="SimSun"/>
+              </a:rPr>
+              <a:t>{</a:t>
+            </a:r>
+            <a:endParaRPr b="0" lang="es-AR" sz="2000" spc="-1" strike="noStrike">
+              <a:latin typeface="Arial"/>
+            </a:endParaRPr>
+          </a:p>
+          <a:p>
+            <a:pPr>
+              <a:lnSpc>
+                <a:spcPct val="100000"/>
+              </a:lnSpc>
+              <a:spcBef>
+                <a:spcPts val="400"/>
+              </a:spcBef>
+              <a:buNone/>
+              <a:tabLst>
+                <a:tab algn="l" pos="0"/>
+              </a:tabLst>
+            </a:pPr>
+            <a:r>
+              <a:rPr b="0" lang="en-US" sz="2000" spc="-1" strike="noStrike">
+                <a:solidFill>
+                  <a:srgbClr val="000000"/>
+                </a:solidFill>
+                <a:latin typeface="Arial"/>
+                <a:ea typeface="SimSun"/>
+              </a:rPr>
+              <a:t>    </a:t>
+            </a:r>
+            <a:r>
+              <a:rPr b="0" lang="en-US" sz="2000" spc="-1" strike="noStrike">
+                <a:solidFill>
+                  <a:srgbClr val="000000"/>
+                </a:solidFill>
+                <a:latin typeface="Arial"/>
+                <a:ea typeface="SimSun"/>
+              </a:rPr>
+              <a:t>(1, 2) =&gt; "Point at (1,2)",  // Desde C# 8.0</a:t>
+            </a:r>
+            <a:endParaRPr b="0" lang="es-AR" sz="2000" spc="-1" strike="noStrike">
+              <a:latin typeface="Arial"/>
+            </a:endParaRPr>
+          </a:p>
+          <a:p>
+            <a:pPr>
+              <a:lnSpc>
+                <a:spcPct val="100000"/>
+              </a:lnSpc>
+              <a:spcBef>
+                <a:spcPts val="400"/>
+              </a:spcBef>
+              <a:buNone/>
+              <a:tabLst>
+                <a:tab algn="l" pos="0"/>
+              </a:tabLst>
+            </a:pPr>
+            <a:r>
+              <a:rPr b="0" lang="en-US" sz="2000" spc="-1" strike="noStrike">
+                <a:solidFill>
+                  <a:srgbClr val="000000"/>
+                </a:solidFill>
+                <a:latin typeface="Arial"/>
+                <a:ea typeface="SimSun"/>
+              </a:rPr>
+              <a:t>    </a:t>
+            </a:r>
+            <a:r>
+              <a:rPr b="0" lang="en-US" sz="2000" spc="-1" strike="noStrike">
+                <a:solidFill>
+                  <a:srgbClr val="000000"/>
+                </a:solidFill>
+                <a:latin typeface="Arial"/>
+                <a:ea typeface="SimSun"/>
+              </a:rPr>
+              <a:t>_ =&gt; "Other point"</a:t>
+            </a:r>
+            <a:endParaRPr b="0" lang="es-AR" sz="2000" spc="-1" strike="noStrike">
+              <a:latin typeface="Arial"/>
+            </a:endParaRPr>
+          </a:p>
+          <a:p>
+            <a:pPr>
+              <a:lnSpc>
+                <a:spcPct val="100000"/>
+              </a:lnSpc>
+              <a:spcBef>
+                <a:spcPts val="400"/>
+              </a:spcBef>
+              <a:buNone/>
+              <a:tabLst>
+                <a:tab algn="l" pos="0"/>
+              </a:tabLst>
+            </a:pPr>
+            <a:r>
+              <a:rPr b="0" lang="en-US" sz="2000" spc="-1" strike="noStrike">
+                <a:solidFill>
+                  <a:srgbClr val="000000"/>
+                </a:solidFill>
+                <a:latin typeface="Arial"/>
+                <a:ea typeface="SimSun"/>
+              </a:rPr>
+              <a:t>};</a:t>
+            </a:r>
+            <a:endParaRPr b="0" lang="es-AR" sz="2000" spc="-1" strike="noStrike">
+              <a:latin typeface="Arial"/>
+            </a:endParaRPr>
+          </a:p>
+          <a:p>
+            <a:pPr>
+              <a:lnSpc>
+                <a:spcPct val="100000"/>
+              </a:lnSpc>
+              <a:spcBef>
+                <a:spcPts val="400"/>
+              </a:spcBef>
+              <a:buNone/>
+              <a:tabLst>
+                <a:tab algn="l" pos="0"/>
+              </a:tabLst>
+            </a:pPr>
+            <a:endParaRPr b="0" lang="es-AR" sz="2000" spc="-1" strike="noStrike">
+              <a:latin typeface="Arial"/>
+            </a:endParaRPr>
+          </a:p>
+          <a:p>
+            <a:pPr>
+              <a:lnSpc>
+                <a:spcPct val="100000"/>
+              </a:lnSpc>
+              <a:spcBef>
+                <a:spcPts val="400"/>
+              </a:spcBef>
+              <a:buNone/>
+              <a:tabLst>
+                <a:tab algn="l" pos="0"/>
+              </a:tabLst>
+            </a:pPr>
+            <a:endParaRPr b="0" lang="es-AR" sz="2000" spc="-1" strike="noStrike">
+              <a:latin typeface="Arial"/>
+            </a:endParaRPr>
+          </a:p>
+        </p:txBody>
+      </p:sp>
+    </p:spTree>
+  </p:cSld>
+  <mc:AlternateContent>
+    <mc:Choice Requires="p14">
+      <p:transition spd="slow" p14:dur="2000"/>
+    </mc:Choice>
+    <mc:Fallback>
+      <p:transition spd="slow"/>
+    </mc:Fallback>
+  </mc:AlternateContent>
+</p:sld>
+</file>
+
+<file path=ppt/slides/slide36.xml><?xml version="1.0" encoding="utf-8"?>
+<p:sld xmlns:a="http://schemas.openxmlformats.org/drawingml/2006/main" xmlns:p="http://schemas.openxmlformats.org/presentationml/2006/main" xmlns:r="http://schemas.openxmlformats.org/officeDocument/2006/relationships" xmlns:p14="http://schemas.microsoft.com/office/powerpoint/2010/main" xmlns:p15="http://schemas.microsoft.com/office/powerpoint/2012/main" xmlns:mc="http://schemas.openxmlformats.org/markup-compatibility/2006">
+  <p:cSld>
+    <p:spTree>
+      <p:nvGrpSpPr>
+        <p:cNvPr id="1" name=""/>
+        <p:cNvGrpSpPr/>
+        <p:nvPr/>
+      </p:nvGrpSpPr>
+      <p:grpSpPr>
+        <a:xfrm>
+          <a:off x="0" y="0"/>
+          <a:ext cx="0" cy="0"/>
+          <a:chOff x="0" y="0"/>
+          <a:chExt cx="0" cy="0"/>
+        </a:xfrm>
+      </p:grpSpPr>
+      <p:sp>
+        <p:nvSpPr>
+          <p:cNvPr id="161" name="PlaceHolder 1"/>
+          <p:cNvSpPr>
+            <a:spLocks noGrp="1"/>
+          </p:cNvSpPr>
+          <p:nvPr>
+            <p:ph type="title"/>
+          </p:nvPr>
+        </p:nvSpPr>
+        <p:spPr>
+          <a:xfrm>
+            <a:off x="457200" y="190440"/>
+            <a:ext cx="8228520" cy="581400"/>
+          </a:xfrm>
+          <a:prstGeom prst="rect">
+            <a:avLst/>
+          </a:prstGeom>
+          <a:noFill/>
+          <a:ln w="9360">
+            <a:noFill/>
+          </a:ln>
+        </p:spPr>
+        <p:txBody>
+          <a:bodyPr lIns="90000" rIns="90000" tIns="45000" bIns="45000" anchor="ctr">
+            <a:noAutofit/>
+          </a:bodyPr>
+          <a:p>
+            <a:pPr>
+              <a:lnSpc>
+                <a:spcPct val="100000"/>
+              </a:lnSpc>
+              <a:buNone/>
+            </a:pPr>
+            <a:r>
+              <a:rPr b="0" lang="en-US" sz="3600" spc="-1" strike="noStrike">
+                <a:solidFill>
+                  <a:srgbClr val="000000"/>
+                </a:solidFill>
+                <a:latin typeface="Arial"/>
+                <a:ea typeface="SimSun"/>
+              </a:rPr>
+              <a:t>Logical Patterns (and, or, not) (C# 9.0)</a:t>
+            </a:r>
+            <a:endParaRPr b="0" lang="es-AR" sz="3600" spc="-1" strike="noStrike">
+              <a:latin typeface="Arial"/>
+            </a:endParaRPr>
+          </a:p>
+        </p:txBody>
+      </p:sp>
+      <p:sp>
+        <p:nvSpPr>
+          <p:cNvPr id="162" name="PlaceHolder 2"/>
+          <p:cNvSpPr>
+            <a:spLocks noGrp="1"/>
+          </p:cNvSpPr>
+          <p:nvPr>
+            <p:ph/>
+          </p:nvPr>
+        </p:nvSpPr>
+        <p:spPr>
+          <a:xfrm>
+            <a:off x="457200" y="1160280"/>
+            <a:ext cx="8228520" cy="4951800"/>
+          </a:xfrm>
+          <a:prstGeom prst="rect">
+            <a:avLst/>
+          </a:prstGeom>
+          <a:noFill/>
+          <a:ln w="9360">
+            <a:noFill/>
+          </a:ln>
+        </p:spPr>
+        <p:txBody>
+          <a:bodyPr lIns="90000" rIns="90000" tIns="45000" bIns="45000" anchor="t">
+            <a:noAutofit/>
+          </a:bodyPr>
+          <a:p>
+            <a:pPr>
+              <a:lnSpc>
+                <a:spcPct val="100000"/>
+              </a:lnSpc>
+              <a:spcBef>
+                <a:spcPts val="400"/>
+              </a:spcBef>
+              <a:buNone/>
+              <a:tabLst>
+                <a:tab algn="l" pos="0"/>
+              </a:tabLst>
+            </a:pPr>
+            <a:r>
+              <a:rPr b="0" lang="en-US" sz="2000" spc="-1" strike="noStrike">
+                <a:solidFill>
+                  <a:srgbClr val="000000"/>
+                </a:solidFill>
+                <a:latin typeface="Arial"/>
+                <a:ea typeface="SimSun"/>
+              </a:rPr>
+              <a:t>int x = 5;</a:t>
+            </a:r>
+            <a:endParaRPr b="0" lang="es-AR" sz="2000" spc="-1" strike="noStrike">
+              <a:latin typeface="Arial"/>
+            </a:endParaRPr>
+          </a:p>
+          <a:p>
+            <a:pPr>
+              <a:lnSpc>
+                <a:spcPct val="100000"/>
+              </a:lnSpc>
+              <a:spcBef>
+                <a:spcPts val="400"/>
+              </a:spcBef>
+              <a:buNone/>
+              <a:tabLst>
+                <a:tab algn="l" pos="0"/>
+              </a:tabLst>
+            </a:pPr>
+            <a:r>
+              <a:rPr b="0" lang="en-US" sz="2000" spc="-1" strike="noStrike">
+                <a:solidFill>
+                  <a:srgbClr val="000000"/>
+                </a:solidFill>
+                <a:latin typeface="Arial"/>
+                <a:ea typeface="SimSun"/>
+              </a:rPr>
+              <a:t>string result = x switch</a:t>
+            </a:r>
+            <a:endParaRPr b="0" lang="es-AR" sz="2000" spc="-1" strike="noStrike">
+              <a:latin typeface="Arial"/>
+            </a:endParaRPr>
+          </a:p>
+          <a:p>
+            <a:pPr>
+              <a:lnSpc>
+                <a:spcPct val="100000"/>
+              </a:lnSpc>
+              <a:spcBef>
+                <a:spcPts val="400"/>
+              </a:spcBef>
+              <a:buNone/>
+              <a:tabLst>
+                <a:tab algn="l" pos="0"/>
+              </a:tabLst>
+            </a:pPr>
+            <a:r>
+              <a:rPr b="0" lang="en-US" sz="2000" spc="-1" strike="noStrike">
+                <a:solidFill>
+                  <a:srgbClr val="000000"/>
+                </a:solidFill>
+                <a:latin typeface="Arial"/>
+                <a:ea typeface="SimSun"/>
+              </a:rPr>
+              <a:t>{</a:t>
+            </a:r>
+            <a:endParaRPr b="0" lang="es-AR" sz="2000" spc="-1" strike="noStrike">
+              <a:latin typeface="Arial"/>
+            </a:endParaRPr>
+          </a:p>
+          <a:p>
+            <a:pPr>
+              <a:lnSpc>
+                <a:spcPct val="100000"/>
+              </a:lnSpc>
+              <a:spcBef>
+                <a:spcPts val="400"/>
+              </a:spcBef>
+              <a:buNone/>
+              <a:tabLst>
+                <a:tab algn="l" pos="0"/>
+              </a:tabLst>
+            </a:pPr>
+            <a:r>
+              <a:rPr b="0" lang="en-US" sz="2000" spc="-1" strike="noStrike">
+                <a:solidFill>
+                  <a:srgbClr val="000000"/>
+                </a:solidFill>
+                <a:latin typeface="Arial"/>
+                <a:ea typeface="SimSun"/>
+              </a:rPr>
+              <a:t>    </a:t>
+            </a:r>
+            <a:r>
+              <a:rPr b="0" lang="en-US" sz="2000" spc="-1" strike="noStrike">
+                <a:solidFill>
+                  <a:srgbClr val="000000"/>
+                </a:solidFill>
+                <a:latin typeface="Arial"/>
+                <a:ea typeface="SimSun"/>
+              </a:rPr>
+              <a:t>&gt; 0 and &lt; 10 =&gt; "Between 1 and 9",   // Desde C# 9.0</a:t>
+            </a:r>
+            <a:endParaRPr b="0" lang="es-AR" sz="2000" spc="-1" strike="noStrike">
+              <a:latin typeface="Arial"/>
+            </a:endParaRPr>
+          </a:p>
+          <a:p>
+            <a:pPr>
+              <a:lnSpc>
+                <a:spcPct val="100000"/>
+              </a:lnSpc>
+              <a:spcBef>
+                <a:spcPts val="400"/>
+              </a:spcBef>
+              <a:buNone/>
+              <a:tabLst>
+                <a:tab algn="l" pos="0"/>
+              </a:tabLst>
+            </a:pPr>
+            <a:r>
+              <a:rPr b="0" lang="en-US" sz="2000" spc="-1" strike="noStrike">
+                <a:solidFill>
+                  <a:srgbClr val="000000"/>
+                </a:solidFill>
+                <a:latin typeface="Arial"/>
+                <a:ea typeface="SimSun"/>
+              </a:rPr>
+              <a:t>    </a:t>
+            </a:r>
+            <a:r>
+              <a:rPr b="0" lang="en-US" sz="2000" spc="-1" strike="noStrike">
+                <a:solidFill>
+                  <a:srgbClr val="000000"/>
+                </a:solidFill>
+                <a:latin typeface="Arial"/>
+                <a:ea typeface="SimSun"/>
+              </a:rPr>
+              <a:t>_ =&gt; "Other"</a:t>
+            </a:r>
+            <a:endParaRPr b="0" lang="es-AR" sz="2000" spc="-1" strike="noStrike">
+              <a:latin typeface="Arial"/>
+            </a:endParaRPr>
+          </a:p>
+          <a:p>
+            <a:pPr>
+              <a:lnSpc>
+                <a:spcPct val="100000"/>
+              </a:lnSpc>
+              <a:spcBef>
+                <a:spcPts val="400"/>
+              </a:spcBef>
+              <a:buNone/>
+              <a:tabLst>
+                <a:tab algn="l" pos="0"/>
+              </a:tabLst>
+            </a:pPr>
+            <a:r>
+              <a:rPr b="0" lang="en-US" sz="2000" spc="-1" strike="noStrike">
+                <a:solidFill>
+                  <a:srgbClr val="000000"/>
+                </a:solidFill>
+                <a:latin typeface="Arial"/>
+                <a:ea typeface="SimSun"/>
+              </a:rPr>
+              <a:t>};</a:t>
+            </a:r>
+            <a:endParaRPr b="0" lang="es-AR" sz="2000" spc="-1" strike="noStrike">
+              <a:latin typeface="Arial"/>
+            </a:endParaRPr>
+          </a:p>
+          <a:p>
+            <a:pPr>
+              <a:lnSpc>
+                <a:spcPct val="100000"/>
+              </a:lnSpc>
+              <a:spcBef>
+                <a:spcPts val="400"/>
+              </a:spcBef>
+              <a:buNone/>
+              <a:tabLst>
+                <a:tab algn="l" pos="0"/>
+              </a:tabLst>
+            </a:pPr>
+            <a:endParaRPr b="0" lang="es-AR" sz="2000" spc="-1" strike="noStrike">
+              <a:latin typeface="Arial"/>
+            </a:endParaRPr>
+          </a:p>
+          <a:p>
+            <a:pPr>
+              <a:lnSpc>
+                <a:spcPct val="100000"/>
+              </a:lnSpc>
+              <a:spcBef>
+                <a:spcPts val="400"/>
+              </a:spcBef>
+              <a:buNone/>
+              <a:tabLst>
+                <a:tab algn="l" pos="0"/>
+              </a:tabLst>
+            </a:pPr>
+            <a:endParaRPr b="0" lang="es-AR" sz="2000" spc="-1" strike="noStrike">
+              <a:latin typeface="Arial"/>
+            </a:endParaRPr>
+          </a:p>
+          <a:p>
+            <a:pPr>
+              <a:lnSpc>
+                <a:spcPct val="100000"/>
+              </a:lnSpc>
+              <a:spcBef>
+                <a:spcPts val="400"/>
+              </a:spcBef>
+              <a:buNone/>
+              <a:tabLst>
+                <a:tab algn="l" pos="0"/>
+              </a:tabLst>
+            </a:pPr>
+            <a:endParaRPr b="0" lang="es-AR" sz="2000" spc="-1" strike="noStrike">
+              <a:latin typeface="Arial"/>
+            </a:endParaRPr>
+          </a:p>
+          <a:p>
+            <a:pPr>
+              <a:lnSpc>
+                <a:spcPct val="100000"/>
+              </a:lnSpc>
+              <a:spcBef>
+                <a:spcPts val="400"/>
+              </a:spcBef>
+              <a:buNone/>
+              <a:tabLst>
+                <a:tab algn="l" pos="0"/>
+              </a:tabLst>
+            </a:pPr>
+            <a:endParaRPr b="0" lang="es-AR" sz="2000" spc="-1" strike="noStrike">
+              <a:latin typeface="Arial"/>
+            </a:endParaRPr>
+          </a:p>
+        </p:txBody>
+      </p:sp>
+    </p:spTree>
+  </p:cSld>
+  <mc:AlternateContent>
+    <mc:Choice Requires="p14">
+      <p:transition spd="slow" p14:dur="2000"/>
+    </mc:Choice>
+    <mc:Fallback>
+      <p:transition spd="slow"/>
+    </mc:Fallback>
+  </mc:AlternateContent>
+</p:sld>
+</file>
+
+<file path=ppt/slides/slide37.xml><?xml version="1.0" encoding="utf-8"?>
+<p:sld xmlns:a="http://schemas.openxmlformats.org/drawingml/2006/main" xmlns:p="http://schemas.openxmlformats.org/presentationml/2006/main" xmlns:r="http://schemas.openxmlformats.org/officeDocument/2006/relationships" xmlns:p14="http://schemas.microsoft.com/office/powerpoint/2010/main" xmlns:p15="http://schemas.microsoft.com/office/powerpoint/2012/main" xmlns:mc="http://schemas.openxmlformats.org/markup-compatibility/2006">
+  <p:cSld>
+    <p:spTree>
+      <p:nvGrpSpPr>
+        <p:cNvPr id="1" name=""/>
+        <p:cNvGrpSpPr/>
+        <p:nvPr/>
+      </p:nvGrpSpPr>
+      <p:grpSpPr>
+        <a:xfrm>
+          <a:off x="0" y="0"/>
+          <a:ext cx="0" cy="0"/>
+          <a:chOff x="0" y="0"/>
+          <a:chExt cx="0" cy="0"/>
+        </a:xfrm>
+      </p:grpSpPr>
+      <p:sp>
+        <p:nvSpPr>
+          <p:cNvPr id="163" name="PlaceHolder 1"/>
+          <p:cNvSpPr>
+            <a:spLocks noGrp="1"/>
+          </p:cNvSpPr>
+          <p:nvPr>
+            <p:ph type="title"/>
+          </p:nvPr>
+        </p:nvSpPr>
+        <p:spPr>
+          <a:xfrm>
+            <a:off x="457200" y="190440"/>
+            <a:ext cx="8228520" cy="581400"/>
+          </a:xfrm>
+          <a:prstGeom prst="rect">
+            <a:avLst/>
+          </a:prstGeom>
+          <a:noFill/>
+          <a:ln w="9360">
+            <a:noFill/>
+          </a:ln>
+        </p:spPr>
+        <p:txBody>
+          <a:bodyPr lIns="90000" rIns="90000" tIns="45000" bIns="45000" anchor="ctr">
+            <a:noAutofit/>
+          </a:bodyPr>
+          <a:p>
+            <a:pPr>
+              <a:lnSpc>
+                <a:spcPct val="100000"/>
+              </a:lnSpc>
+              <a:buNone/>
+            </a:pPr>
+            <a:r>
+              <a:rPr b="0" lang="en-US" sz="3600" spc="-1" strike="noStrike">
+                <a:solidFill>
+                  <a:srgbClr val="000000"/>
+                </a:solidFill>
+                <a:latin typeface="Arial"/>
+                <a:ea typeface="SimSun"/>
+              </a:rPr>
+              <a:t>Relational Pattern (C# 9.0)</a:t>
+            </a:r>
+            <a:endParaRPr b="0" lang="es-AR" sz="3600" spc="-1" strike="noStrike">
+              <a:latin typeface="Arial"/>
+            </a:endParaRPr>
+          </a:p>
+        </p:txBody>
+      </p:sp>
+      <p:sp>
+        <p:nvSpPr>
+          <p:cNvPr id="164" name="PlaceHolder 2"/>
+          <p:cNvSpPr>
+            <a:spLocks noGrp="1"/>
+          </p:cNvSpPr>
+          <p:nvPr>
+            <p:ph/>
+          </p:nvPr>
+        </p:nvSpPr>
+        <p:spPr>
+          <a:xfrm>
+            <a:off x="457200" y="1160280"/>
+            <a:ext cx="8228520" cy="4951800"/>
+          </a:xfrm>
+          <a:prstGeom prst="rect">
+            <a:avLst/>
+          </a:prstGeom>
+          <a:noFill/>
+          <a:ln w="9360">
+            <a:noFill/>
+          </a:ln>
+        </p:spPr>
+        <p:txBody>
+          <a:bodyPr lIns="90000" rIns="90000" tIns="45000" bIns="45000" anchor="t">
+            <a:noAutofit/>
+          </a:bodyPr>
+          <a:p>
+            <a:pPr>
+              <a:lnSpc>
+                <a:spcPct val="100000"/>
+              </a:lnSpc>
+              <a:spcBef>
+                <a:spcPts val="400"/>
+              </a:spcBef>
+              <a:buNone/>
+              <a:tabLst>
+                <a:tab algn="l" pos="0"/>
+              </a:tabLst>
+            </a:pPr>
+            <a:r>
+              <a:rPr b="0" lang="en-US" sz="2000" spc="-1" strike="noStrike">
+                <a:solidFill>
+                  <a:srgbClr val="000000"/>
+                </a:solidFill>
+                <a:latin typeface="Arial"/>
+                <a:ea typeface="SimSun"/>
+              </a:rPr>
+              <a:t>int x = 20;</a:t>
+            </a:r>
+            <a:endParaRPr b="0" lang="es-AR" sz="2000" spc="-1" strike="noStrike">
+              <a:latin typeface="Arial"/>
+            </a:endParaRPr>
+          </a:p>
+          <a:p>
+            <a:pPr>
+              <a:lnSpc>
+                <a:spcPct val="100000"/>
+              </a:lnSpc>
+              <a:spcBef>
+                <a:spcPts val="400"/>
+              </a:spcBef>
+              <a:buNone/>
+              <a:tabLst>
+                <a:tab algn="l" pos="0"/>
+              </a:tabLst>
+            </a:pPr>
+            <a:endParaRPr b="0" lang="es-AR" sz="2000" spc="-1" strike="noStrike">
+              <a:latin typeface="Arial"/>
+            </a:endParaRPr>
+          </a:p>
+          <a:p>
+            <a:pPr>
+              <a:lnSpc>
+                <a:spcPct val="100000"/>
+              </a:lnSpc>
+              <a:spcBef>
+                <a:spcPts val="400"/>
+              </a:spcBef>
+              <a:buNone/>
+              <a:tabLst>
+                <a:tab algn="l" pos="0"/>
+              </a:tabLst>
+            </a:pPr>
+            <a:r>
+              <a:rPr b="0" lang="en-US" sz="2000" spc="-1" strike="noStrike">
+                <a:solidFill>
+                  <a:srgbClr val="000000"/>
+                </a:solidFill>
+                <a:latin typeface="Arial"/>
+                <a:ea typeface="SimSun"/>
+              </a:rPr>
+              <a:t>string result = x switch</a:t>
+            </a:r>
+            <a:endParaRPr b="0" lang="es-AR" sz="2000" spc="-1" strike="noStrike">
+              <a:latin typeface="Arial"/>
+            </a:endParaRPr>
+          </a:p>
+          <a:p>
+            <a:pPr>
+              <a:lnSpc>
+                <a:spcPct val="100000"/>
+              </a:lnSpc>
+              <a:spcBef>
+                <a:spcPts val="400"/>
+              </a:spcBef>
+              <a:buNone/>
+              <a:tabLst>
+                <a:tab algn="l" pos="0"/>
+              </a:tabLst>
+            </a:pPr>
+            <a:r>
+              <a:rPr b="0" lang="en-US" sz="2000" spc="-1" strike="noStrike">
+                <a:solidFill>
+                  <a:srgbClr val="000000"/>
+                </a:solidFill>
+                <a:latin typeface="Arial"/>
+                <a:ea typeface="SimSun"/>
+              </a:rPr>
+              <a:t>{</a:t>
+            </a:r>
+            <a:endParaRPr b="0" lang="es-AR" sz="2000" spc="-1" strike="noStrike">
+              <a:latin typeface="Arial"/>
+            </a:endParaRPr>
+          </a:p>
+          <a:p>
+            <a:pPr>
+              <a:lnSpc>
+                <a:spcPct val="100000"/>
+              </a:lnSpc>
+              <a:spcBef>
+                <a:spcPts val="400"/>
+              </a:spcBef>
+              <a:buNone/>
+              <a:tabLst>
+                <a:tab algn="l" pos="0"/>
+              </a:tabLst>
+            </a:pPr>
+            <a:r>
+              <a:rPr b="0" lang="en-US" sz="2000" spc="-1" strike="noStrike">
+                <a:solidFill>
+                  <a:srgbClr val="000000"/>
+                </a:solidFill>
+                <a:latin typeface="Arial"/>
+                <a:ea typeface="SimSun"/>
+              </a:rPr>
+              <a:t>    </a:t>
+            </a:r>
+            <a:r>
+              <a:rPr b="0" lang="en-US" sz="2000" spc="-1" strike="noStrike">
+                <a:solidFill>
+                  <a:srgbClr val="000000"/>
+                </a:solidFill>
+                <a:latin typeface="Arial"/>
+                <a:ea typeface="SimSun"/>
+              </a:rPr>
+              <a:t>&gt; 10 =&gt; "Greater than 10",  // Desde C# 9.0</a:t>
+            </a:r>
+            <a:endParaRPr b="0" lang="es-AR" sz="2000" spc="-1" strike="noStrike">
+              <a:latin typeface="Arial"/>
+            </a:endParaRPr>
+          </a:p>
+          <a:p>
+            <a:pPr>
+              <a:lnSpc>
+                <a:spcPct val="100000"/>
+              </a:lnSpc>
+              <a:spcBef>
+                <a:spcPts val="400"/>
+              </a:spcBef>
+              <a:buNone/>
+              <a:tabLst>
+                <a:tab algn="l" pos="0"/>
+              </a:tabLst>
+            </a:pPr>
+            <a:r>
+              <a:rPr b="0" lang="en-US" sz="2000" spc="-1" strike="noStrike">
+                <a:solidFill>
+                  <a:srgbClr val="000000"/>
+                </a:solidFill>
+                <a:latin typeface="Arial"/>
+                <a:ea typeface="SimSun"/>
+              </a:rPr>
+              <a:t>    </a:t>
+            </a:r>
+            <a:r>
+              <a:rPr b="0" lang="en-US" sz="2000" spc="-1" strike="noStrike">
+                <a:solidFill>
+                  <a:srgbClr val="000000"/>
+                </a:solidFill>
+                <a:latin typeface="Arial"/>
+                <a:ea typeface="SimSun"/>
+              </a:rPr>
+              <a:t>_ =&gt; "10 or less"</a:t>
+            </a:r>
+            <a:endParaRPr b="0" lang="es-AR" sz="2000" spc="-1" strike="noStrike">
+              <a:latin typeface="Arial"/>
+            </a:endParaRPr>
+          </a:p>
+          <a:p>
+            <a:pPr>
+              <a:lnSpc>
+                <a:spcPct val="100000"/>
+              </a:lnSpc>
+              <a:spcBef>
+                <a:spcPts val="400"/>
+              </a:spcBef>
+              <a:buNone/>
+              <a:tabLst>
+                <a:tab algn="l" pos="0"/>
+              </a:tabLst>
+            </a:pPr>
+            <a:r>
+              <a:rPr b="0" lang="en-US" sz="2000" spc="-1" strike="noStrike">
+                <a:solidFill>
+                  <a:srgbClr val="000000"/>
+                </a:solidFill>
+                <a:latin typeface="Arial"/>
+                <a:ea typeface="SimSun"/>
+              </a:rPr>
+              <a:t>};</a:t>
+            </a:r>
+            <a:endParaRPr b="0" lang="es-AR" sz="2000" spc="-1" strike="noStrike">
+              <a:latin typeface="Arial"/>
+            </a:endParaRPr>
+          </a:p>
+          <a:p>
+            <a:pPr>
+              <a:lnSpc>
+                <a:spcPct val="100000"/>
+              </a:lnSpc>
+              <a:spcBef>
+                <a:spcPts val="400"/>
+              </a:spcBef>
+              <a:buNone/>
+              <a:tabLst>
+                <a:tab algn="l" pos="0"/>
+              </a:tabLst>
+            </a:pPr>
+            <a:endParaRPr b="0" lang="es-AR" sz="2000" spc="-1" strike="noStrike">
+              <a:latin typeface="Arial"/>
+            </a:endParaRPr>
+          </a:p>
+          <a:p>
+            <a:pPr>
+              <a:lnSpc>
+                <a:spcPct val="100000"/>
+              </a:lnSpc>
+              <a:spcBef>
+                <a:spcPts val="400"/>
+              </a:spcBef>
+              <a:buNone/>
+              <a:tabLst>
+                <a:tab algn="l" pos="0"/>
+              </a:tabLst>
+            </a:pPr>
+            <a:endParaRPr b="0" lang="es-AR" sz="2000" spc="-1" strike="noStrike">
+              <a:latin typeface="Arial"/>
+            </a:endParaRPr>
+          </a:p>
+          <a:p>
+            <a:pPr>
+              <a:lnSpc>
+                <a:spcPct val="100000"/>
+              </a:lnSpc>
+              <a:spcBef>
+                <a:spcPts val="400"/>
+              </a:spcBef>
+              <a:buNone/>
+              <a:tabLst>
+                <a:tab algn="l" pos="0"/>
+              </a:tabLst>
+            </a:pPr>
+            <a:endParaRPr b="0" lang="es-AR" sz="2000" spc="-1" strike="noStrike">
+              <a:latin typeface="Arial"/>
+            </a:endParaRPr>
+          </a:p>
+          <a:p>
+            <a:pPr>
+              <a:lnSpc>
+                <a:spcPct val="100000"/>
+              </a:lnSpc>
+              <a:spcBef>
+                <a:spcPts val="400"/>
+              </a:spcBef>
+              <a:buNone/>
+              <a:tabLst>
+                <a:tab algn="l" pos="0"/>
+              </a:tabLst>
+            </a:pPr>
+            <a:endParaRPr b="0" lang="es-AR" sz="2000" spc="-1" strike="noStrike">
+              <a:latin typeface="Arial"/>
+            </a:endParaRPr>
+          </a:p>
+        </p:txBody>
+      </p:sp>
+    </p:spTree>
+  </p:cSld>
+  <mc:AlternateContent>
+    <mc:Choice Requires="p14">
+      <p:transition spd="slow" p14:dur="2000"/>
+    </mc:Choice>
+    <mc:Fallback>
+      <p:transition spd="slow"/>
+    </mc:Fallback>
+  </mc:AlternateContent>
+</p:sld>
+</file>
+
+<file path=ppt/slides/slide38.xml><?xml version="1.0" encoding="utf-8"?>
+<p:sld xmlns:a="http://schemas.openxmlformats.org/drawingml/2006/main" xmlns:p="http://schemas.openxmlformats.org/presentationml/2006/main" xmlns:r="http://schemas.openxmlformats.org/officeDocument/2006/relationships" xmlns:p14="http://schemas.microsoft.com/office/powerpoint/2010/main" xmlns:p15="http://schemas.microsoft.com/office/powerpoint/2012/main" xmlns:mc="http://schemas.openxmlformats.org/markup-compatibility/2006">
+  <p:cSld>
+    <p:spTree>
+      <p:nvGrpSpPr>
+        <p:cNvPr id="1" name=""/>
+        <p:cNvGrpSpPr/>
+        <p:nvPr/>
+      </p:nvGrpSpPr>
+      <p:grpSpPr>
+        <a:xfrm>
+          <a:off x="0" y="0"/>
+          <a:ext cx="0" cy="0"/>
+          <a:chOff x="0" y="0"/>
+          <a:chExt cx="0" cy="0"/>
+        </a:xfrm>
+      </p:grpSpPr>
+      <p:sp>
+        <p:nvSpPr>
+          <p:cNvPr id="165" name="PlaceHolder 1"/>
+          <p:cNvSpPr>
+            <a:spLocks noGrp="1"/>
+          </p:cNvSpPr>
+          <p:nvPr>
+            <p:ph type="title"/>
+          </p:nvPr>
+        </p:nvSpPr>
+        <p:spPr>
+          <a:xfrm>
+            <a:off x="457200" y="190440"/>
+            <a:ext cx="8228520" cy="581400"/>
+          </a:xfrm>
+          <a:prstGeom prst="rect">
+            <a:avLst/>
+          </a:prstGeom>
+          <a:noFill/>
+          <a:ln w="9360">
+            <a:noFill/>
+          </a:ln>
+        </p:spPr>
+        <p:txBody>
+          <a:bodyPr lIns="90000" rIns="90000" tIns="45000" bIns="45000" anchor="ctr">
+            <a:noAutofit/>
+          </a:bodyPr>
+          <a:p>
+            <a:pPr>
+              <a:lnSpc>
+                <a:spcPct val="100000"/>
+              </a:lnSpc>
+              <a:buNone/>
+            </a:pPr>
+            <a:r>
+              <a:rPr b="0" lang="en-US" sz="3600" spc="-1" strike="noStrike">
+                <a:solidFill>
+                  <a:srgbClr val="000000"/>
+                </a:solidFill>
+                <a:latin typeface="Arial"/>
+                <a:ea typeface="SimSun"/>
+              </a:rPr>
+              <a:t>List Patterns (C# 11.0)</a:t>
+            </a:r>
+            <a:endParaRPr b="0" lang="es-AR" sz="3600" spc="-1" strike="noStrike">
+              <a:latin typeface="Arial"/>
+            </a:endParaRPr>
+          </a:p>
+        </p:txBody>
+      </p:sp>
+      <p:sp>
+        <p:nvSpPr>
+          <p:cNvPr id="166" name="PlaceHolder 2"/>
+          <p:cNvSpPr>
+            <a:spLocks noGrp="1"/>
+          </p:cNvSpPr>
+          <p:nvPr>
+            <p:ph/>
+          </p:nvPr>
+        </p:nvSpPr>
+        <p:spPr>
+          <a:xfrm>
+            <a:off x="457200" y="1160280"/>
+            <a:ext cx="8228520" cy="4951800"/>
+          </a:xfrm>
+          <a:prstGeom prst="rect">
+            <a:avLst/>
+          </a:prstGeom>
+          <a:noFill/>
+          <a:ln w="9360">
+            <a:noFill/>
+          </a:ln>
+        </p:spPr>
+        <p:txBody>
+          <a:bodyPr lIns="90000" rIns="90000" tIns="45000" bIns="45000" anchor="t">
+            <a:noAutofit/>
+          </a:bodyPr>
+          <a:p>
+            <a:pPr>
+              <a:lnSpc>
+                <a:spcPct val="100000"/>
+              </a:lnSpc>
+              <a:spcBef>
+                <a:spcPts val="400"/>
+              </a:spcBef>
+              <a:buNone/>
+              <a:tabLst>
+                <a:tab algn="l" pos="0"/>
+              </a:tabLst>
+            </a:pPr>
+            <a:r>
+              <a:rPr b="0" lang="en-US" sz="2000" spc="-1" strike="noStrike">
+                <a:solidFill>
+                  <a:srgbClr val="000000"/>
+                </a:solidFill>
+                <a:latin typeface="Arial"/>
+                <a:ea typeface="SimSun"/>
+              </a:rPr>
+              <a:t>int[] numbers = { 1, 2, 3 };</a:t>
+            </a:r>
+            <a:endParaRPr b="0" lang="es-AR" sz="2000" spc="-1" strike="noStrike">
+              <a:latin typeface="Arial"/>
+            </a:endParaRPr>
+          </a:p>
+          <a:p>
+            <a:pPr>
+              <a:lnSpc>
+                <a:spcPct val="100000"/>
+              </a:lnSpc>
+              <a:spcBef>
+                <a:spcPts val="400"/>
+              </a:spcBef>
+              <a:buNone/>
+              <a:tabLst>
+                <a:tab algn="l" pos="0"/>
+              </a:tabLst>
+            </a:pPr>
+            <a:endParaRPr b="0" lang="es-AR" sz="2000" spc="-1" strike="noStrike">
+              <a:latin typeface="Arial"/>
+            </a:endParaRPr>
+          </a:p>
+          <a:p>
+            <a:pPr>
+              <a:lnSpc>
+                <a:spcPct val="100000"/>
+              </a:lnSpc>
+              <a:spcBef>
+                <a:spcPts val="400"/>
+              </a:spcBef>
+              <a:buNone/>
+              <a:tabLst>
+                <a:tab algn="l" pos="0"/>
+              </a:tabLst>
+            </a:pPr>
+            <a:r>
+              <a:rPr b="0" lang="en-US" sz="2000" spc="-1" strike="noStrike">
+                <a:solidFill>
+                  <a:srgbClr val="000000"/>
+                </a:solidFill>
+                <a:latin typeface="Arial"/>
+                <a:ea typeface="SimSun"/>
+              </a:rPr>
+              <a:t>var result = numbers switch</a:t>
+            </a:r>
+            <a:endParaRPr b="0" lang="es-AR" sz="2000" spc="-1" strike="noStrike">
+              <a:latin typeface="Arial"/>
+            </a:endParaRPr>
+          </a:p>
+          <a:p>
+            <a:pPr>
+              <a:lnSpc>
+                <a:spcPct val="100000"/>
+              </a:lnSpc>
+              <a:spcBef>
+                <a:spcPts val="400"/>
+              </a:spcBef>
+              <a:buNone/>
+              <a:tabLst>
+                <a:tab algn="l" pos="0"/>
+              </a:tabLst>
+            </a:pPr>
+            <a:r>
+              <a:rPr b="0" lang="en-US" sz="2000" spc="-1" strike="noStrike">
+                <a:solidFill>
+                  <a:srgbClr val="000000"/>
+                </a:solidFill>
+                <a:latin typeface="Arial"/>
+                <a:ea typeface="SimSun"/>
+              </a:rPr>
+              <a:t>{</a:t>
+            </a:r>
+            <a:endParaRPr b="0" lang="es-AR" sz="2000" spc="-1" strike="noStrike">
+              <a:latin typeface="Arial"/>
+            </a:endParaRPr>
+          </a:p>
+          <a:p>
+            <a:pPr>
+              <a:lnSpc>
+                <a:spcPct val="100000"/>
+              </a:lnSpc>
+              <a:spcBef>
+                <a:spcPts val="400"/>
+              </a:spcBef>
+              <a:buNone/>
+              <a:tabLst>
+                <a:tab algn="l" pos="0"/>
+              </a:tabLst>
+            </a:pPr>
+            <a:r>
+              <a:rPr b="0" lang="en-US" sz="2000" spc="-1" strike="noStrike">
+                <a:solidFill>
+                  <a:srgbClr val="000000"/>
+                </a:solidFill>
+                <a:latin typeface="Arial"/>
+                <a:ea typeface="SimSun"/>
+              </a:rPr>
+              <a:t>    </a:t>
+            </a:r>
+            <a:r>
+              <a:rPr b="0" lang="en-US" sz="2000" spc="-1" strike="noStrike">
+                <a:solidFill>
+                  <a:srgbClr val="000000"/>
+                </a:solidFill>
+                <a:latin typeface="Arial"/>
+                <a:ea typeface="SimSun"/>
+              </a:rPr>
+              <a:t>[1, 2, ..] =&gt; "Starts with 1, 2",  // Desde C# 11.0</a:t>
+            </a:r>
+            <a:endParaRPr b="0" lang="es-AR" sz="2000" spc="-1" strike="noStrike">
+              <a:latin typeface="Arial"/>
+            </a:endParaRPr>
+          </a:p>
+          <a:p>
+            <a:pPr>
+              <a:lnSpc>
+                <a:spcPct val="100000"/>
+              </a:lnSpc>
+              <a:spcBef>
+                <a:spcPts val="400"/>
+              </a:spcBef>
+              <a:buNone/>
+              <a:tabLst>
+                <a:tab algn="l" pos="0"/>
+              </a:tabLst>
+            </a:pPr>
+            <a:r>
+              <a:rPr b="0" lang="en-US" sz="2000" spc="-1" strike="noStrike">
+                <a:solidFill>
+                  <a:srgbClr val="000000"/>
+                </a:solidFill>
+                <a:latin typeface="Arial"/>
+                <a:ea typeface="SimSun"/>
+              </a:rPr>
+              <a:t>    </a:t>
+            </a:r>
+            <a:r>
+              <a:rPr b="0" lang="en-US" sz="2000" spc="-1" strike="noStrike">
+                <a:solidFill>
+                  <a:srgbClr val="000000"/>
+                </a:solidFill>
+                <a:latin typeface="Arial"/>
+                <a:ea typeface="SimSun"/>
+              </a:rPr>
+              <a:t>_ =&gt; "Other"</a:t>
+            </a:r>
+            <a:endParaRPr b="0" lang="es-AR" sz="2000" spc="-1" strike="noStrike">
+              <a:latin typeface="Arial"/>
+            </a:endParaRPr>
+          </a:p>
+          <a:p>
+            <a:pPr>
+              <a:lnSpc>
+                <a:spcPct val="100000"/>
+              </a:lnSpc>
+              <a:spcBef>
+                <a:spcPts val="400"/>
+              </a:spcBef>
+              <a:buNone/>
+              <a:tabLst>
+                <a:tab algn="l" pos="0"/>
+              </a:tabLst>
+            </a:pPr>
+            <a:r>
+              <a:rPr b="0" lang="en-US" sz="2000" spc="-1" strike="noStrike">
+                <a:solidFill>
+                  <a:srgbClr val="000000"/>
+                </a:solidFill>
+                <a:latin typeface="Arial"/>
+                <a:ea typeface="SimSun"/>
+              </a:rPr>
+              <a:t>};</a:t>
+            </a:r>
+            <a:endParaRPr b="0" lang="es-AR" sz="2000" spc="-1" strike="noStrike">
+              <a:latin typeface="Arial"/>
+            </a:endParaRPr>
+          </a:p>
+        </p:txBody>
+      </p:sp>
+    </p:spTree>
+  </p:cSld>
+  <mc:AlternateContent>
+    <mc:Choice Requires="p14">
+      <p:transition spd="slow" p14:dur="2000"/>
+    </mc:Choice>
+    <mc:Fallback>
+      <p:transition spd="slow"/>
+    </mc:Fallback>
+  </mc:AlternateContent>
+</p:sld>
+</file>
+
+<file path=ppt/slides/slide39.xml><?xml version="1.0" encoding="utf-8"?>
+<p:sld xmlns:a="http://schemas.openxmlformats.org/drawingml/2006/main" xmlns:p="http://schemas.openxmlformats.org/presentationml/2006/main" xmlns:r="http://schemas.openxmlformats.org/officeDocument/2006/relationships" xmlns:p14="http://schemas.microsoft.com/office/powerpoint/2010/main" xmlns:p15="http://schemas.microsoft.com/office/powerpoint/2012/main" xmlns:mc="http://schemas.openxmlformats.org/markup-compatibility/2006">
+  <p:cSld>
+    <p:spTree>
+      <p:nvGrpSpPr>
+        <p:cNvPr id="1" name=""/>
+        <p:cNvGrpSpPr/>
+        <p:nvPr/>
+      </p:nvGrpSpPr>
+      <p:grpSpPr>
+        <a:xfrm>
+          <a:off x="0" y="0"/>
+          <a:ext cx="0" cy="0"/>
+          <a:chOff x="0" y="0"/>
+          <a:chExt cx="0" cy="0"/>
+        </a:xfrm>
+      </p:grpSpPr>
+      <p:sp>
+        <p:nvSpPr>
+          <p:cNvPr id="167" name="PlaceHolder 1"/>
+          <p:cNvSpPr>
+            <a:spLocks noGrp="1"/>
+          </p:cNvSpPr>
+          <p:nvPr>
+            <p:ph type="title"/>
+          </p:nvPr>
+        </p:nvSpPr>
+        <p:spPr>
+          <a:xfrm>
+            <a:off x="457200" y="190440"/>
+            <a:ext cx="8228520" cy="581400"/>
+          </a:xfrm>
+          <a:prstGeom prst="rect">
+            <a:avLst/>
+          </a:prstGeom>
+          <a:noFill/>
+          <a:ln w="9360">
+            <a:noFill/>
+          </a:ln>
+        </p:spPr>
+        <p:txBody>
+          <a:bodyPr lIns="90000" rIns="90000" tIns="45000" bIns="45000" anchor="ctr">
+            <a:noAutofit/>
+          </a:bodyPr>
+          <a:p>
+            <a:pPr>
+              <a:lnSpc>
+                <a:spcPct val="100000"/>
+              </a:lnSpc>
+              <a:buNone/>
+            </a:pPr>
+            <a:r>
+              <a:rPr b="0" lang="en-US" sz="3600" spc="-1" strike="noStrike">
+                <a:solidFill>
+                  <a:srgbClr val="000000"/>
+                </a:solidFill>
+                <a:latin typeface="Arial"/>
+                <a:ea typeface="SimSun"/>
+              </a:rPr>
+              <a:t>Slice Patterns (C# 11.0)</a:t>
+            </a:r>
+            <a:endParaRPr b="0" lang="es-AR" sz="3600" spc="-1" strike="noStrike">
+              <a:latin typeface="Arial"/>
+            </a:endParaRPr>
+          </a:p>
+        </p:txBody>
+      </p:sp>
+      <p:sp>
+        <p:nvSpPr>
+          <p:cNvPr id="168" name="PlaceHolder 2"/>
+          <p:cNvSpPr>
+            <a:spLocks noGrp="1"/>
+          </p:cNvSpPr>
+          <p:nvPr>
+            <p:ph/>
+          </p:nvPr>
+        </p:nvSpPr>
+        <p:spPr>
+          <a:xfrm>
+            <a:off x="457200" y="1160280"/>
+            <a:ext cx="8228520" cy="4951800"/>
+          </a:xfrm>
+          <a:prstGeom prst="rect">
+            <a:avLst/>
+          </a:prstGeom>
+          <a:noFill/>
+          <a:ln w="9360">
+            <a:noFill/>
+          </a:ln>
+        </p:spPr>
+        <p:txBody>
+          <a:bodyPr lIns="90000" rIns="90000" tIns="45000" bIns="45000" anchor="t">
+            <a:noAutofit/>
+          </a:bodyPr>
+          <a:p>
+            <a:pPr>
+              <a:lnSpc>
+                <a:spcPct val="100000"/>
+              </a:lnSpc>
+              <a:spcBef>
+                <a:spcPts val="400"/>
+              </a:spcBef>
+              <a:buNone/>
+              <a:tabLst>
+                <a:tab algn="l" pos="0"/>
+              </a:tabLst>
+            </a:pPr>
+            <a:r>
+              <a:rPr b="0" lang="en-US" sz="2000" spc="-1" strike="noStrike">
+                <a:solidFill>
+                  <a:srgbClr val="000000"/>
+                </a:solidFill>
+                <a:latin typeface="Arial"/>
+                <a:ea typeface="SimSun"/>
+              </a:rPr>
+              <a:t>int[] numbers = { 1, 2, 3, 4 };</a:t>
+            </a:r>
+            <a:endParaRPr b="0" lang="es-AR" sz="2000" spc="-1" strike="noStrike">
+              <a:latin typeface="Arial"/>
+            </a:endParaRPr>
+          </a:p>
+          <a:p>
+            <a:pPr>
+              <a:lnSpc>
+                <a:spcPct val="100000"/>
+              </a:lnSpc>
+              <a:spcBef>
+                <a:spcPts val="400"/>
+              </a:spcBef>
+              <a:buNone/>
+              <a:tabLst>
+                <a:tab algn="l" pos="0"/>
+              </a:tabLst>
+            </a:pPr>
+            <a:endParaRPr b="0" lang="es-AR" sz="2000" spc="-1" strike="noStrike">
+              <a:latin typeface="Arial"/>
+            </a:endParaRPr>
+          </a:p>
+          <a:p>
+            <a:pPr>
+              <a:lnSpc>
+                <a:spcPct val="100000"/>
+              </a:lnSpc>
+              <a:spcBef>
+                <a:spcPts val="400"/>
+              </a:spcBef>
+              <a:buNone/>
+              <a:tabLst>
+                <a:tab algn="l" pos="0"/>
+              </a:tabLst>
+            </a:pPr>
+            <a:r>
+              <a:rPr b="0" lang="en-US" sz="2000" spc="-1" strike="noStrike">
+                <a:solidFill>
+                  <a:srgbClr val="000000"/>
+                </a:solidFill>
+                <a:latin typeface="Arial"/>
+                <a:ea typeface="SimSun"/>
+              </a:rPr>
+              <a:t>var result = numbers switch</a:t>
+            </a:r>
+            <a:endParaRPr b="0" lang="es-AR" sz="2000" spc="-1" strike="noStrike">
+              <a:latin typeface="Arial"/>
+            </a:endParaRPr>
+          </a:p>
+          <a:p>
+            <a:pPr>
+              <a:lnSpc>
+                <a:spcPct val="100000"/>
+              </a:lnSpc>
+              <a:spcBef>
+                <a:spcPts val="400"/>
+              </a:spcBef>
+              <a:buNone/>
+              <a:tabLst>
+                <a:tab algn="l" pos="0"/>
+              </a:tabLst>
+            </a:pPr>
+            <a:r>
+              <a:rPr b="0" lang="en-US" sz="2000" spc="-1" strike="noStrike">
+                <a:solidFill>
+                  <a:srgbClr val="000000"/>
+                </a:solidFill>
+                <a:latin typeface="Arial"/>
+                <a:ea typeface="SimSun"/>
+              </a:rPr>
+              <a:t>{</a:t>
+            </a:r>
+            <a:endParaRPr b="0" lang="es-AR" sz="2000" spc="-1" strike="noStrike">
+              <a:latin typeface="Arial"/>
+            </a:endParaRPr>
+          </a:p>
+          <a:p>
+            <a:pPr>
+              <a:lnSpc>
+                <a:spcPct val="100000"/>
+              </a:lnSpc>
+              <a:spcBef>
+                <a:spcPts val="400"/>
+              </a:spcBef>
+              <a:buNone/>
+              <a:tabLst>
+                <a:tab algn="l" pos="0"/>
+              </a:tabLst>
+            </a:pPr>
+            <a:r>
+              <a:rPr b="0" lang="en-US" sz="2000" spc="-1" strike="noStrike">
+                <a:solidFill>
+                  <a:srgbClr val="000000"/>
+                </a:solidFill>
+                <a:latin typeface="Arial"/>
+                <a:ea typeface="SimSun"/>
+              </a:rPr>
+              <a:t>    </a:t>
+            </a:r>
+            <a:r>
+              <a:rPr b="0" lang="en-US" sz="2000" spc="-1" strike="noStrike">
+                <a:solidFill>
+                  <a:srgbClr val="000000"/>
+                </a:solidFill>
+                <a:latin typeface="Arial"/>
+                <a:ea typeface="SimSun"/>
+              </a:rPr>
+              <a:t>[_, _, .. int[] rest] =&gt; $"Rest: {string.Join(", ", rest)}",  // Desde C# 11.0</a:t>
+            </a:r>
+            <a:endParaRPr b="0" lang="es-AR" sz="2000" spc="-1" strike="noStrike">
+              <a:latin typeface="Arial"/>
+            </a:endParaRPr>
+          </a:p>
+          <a:p>
+            <a:pPr>
+              <a:lnSpc>
+                <a:spcPct val="100000"/>
+              </a:lnSpc>
+              <a:spcBef>
+                <a:spcPts val="400"/>
+              </a:spcBef>
+              <a:buNone/>
+              <a:tabLst>
+                <a:tab algn="l" pos="0"/>
+              </a:tabLst>
+            </a:pPr>
+            <a:r>
+              <a:rPr b="0" lang="en-US" sz="2000" spc="-1" strike="noStrike">
+                <a:solidFill>
+                  <a:srgbClr val="000000"/>
+                </a:solidFill>
+                <a:latin typeface="Arial"/>
+                <a:ea typeface="SimSun"/>
+              </a:rPr>
+              <a:t>    </a:t>
+            </a:r>
+            <a:r>
+              <a:rPr b="0" lang="en-US" sz="2000" spc="-1" strike="noStrike">
+                <a:solidFill>
+                  <a:srgbClr val="000000"/>
+                </a:solidFill>
+                <a:latin typeface="Arial"/>
+                <a:ea typeface="SimSun"/>
+              </a:rPr>
+              <a:t>_ =&gt; "No Match"</a:t>
+            </a:r>
+            <a:endParaRPr b="0" lang="es-AR" sz="2000" spc="-1" strike="noStrike">
+              <a:latin typeface="Arial"/>
+            </a:endParaRPr>
+          </a:p>
+          <a:p>
+            <a:pPr>
+              <a:lnSpc>
+                <a:spcPct val="100000"/>
+              </a:lnSpc>
+              <a:spcBef>
+                <a:spcPts val="400"/>
+              </a:spcBef>
+              <a:buNone/>
+              <a:tabLst>
+                <a:tab algn="l" pos="0"/>
+              </a:tabLst>
+            </a:pPr>
+            <a:r>
+              <a:rPr b="0" lang="en-US" sz="2000" spc="-1" strike="noStrike">
+                <a:solidFill>
+                  <a:srgbClr val="000000"/>
+                </a:solidFill>
+                <a:latin typeface="Arial"/>
+                <a:ea typeface="SimSun"/>
+              </a:rPr>
+              <a:t>};</a:t>
+            </a:r>
+            <a:endParaRPr b="0" lang="es-AR" sz="2000" spc="-1" strike="noStrike">
+              <a:latin typeface="Arial"/>
+            </a:endParaRPr>
+          </a:p>
+          <a:p>
+            <a:pPr>
+              <a:lnSpc>
+                <a:spcPct val="100000"/>
+              </a:lnSpc>
+              <a:spcBef>
+                <a:spcPts val="400"/>
+              </a:spcBef>
+              <a:buNone/>
+              <a:tabLst>
+                <a:tab algn="l" pos="0"/>
+              </a:tabLst>
+            </a:pPr>
+            <a:endParaRPr b="0" lang="es-AR" sz="2000" spc="-1" strike="noStrike">
+              <a:latin typeface="Arial"/>
+            </a:endParaRPr>
+          </a:p>
+          <a:p>
+            <a:pPr>
+              <a:lnSpc>
+                <a:spcPct val="100000"/>
+              </a:lnSpc>
+              <a:spcBef>
+                <a:spcPts val="400"/>
+              </a:spcBef>
+              <a:buNone/>
+              <a:tabLst>
+                <a:tab algn="l" pos="0"/>
+              </a:tabLst>
+            </a:pPr>
+            <a:endParaRPr b="0" lang="es-AR" sz="2000" spc="-1" strike="noStrike">
+              <a:latin typeface="Arial"/>
+            </a:endParaRPr>
+          </a:p>
+          <a:p>
+            <a:pPr>
+              <a:lnSpc>
+                <a:spcPct val="100000"/>
+              </a:lnSpc>
+              <a:spcBef>
+                <a:spcPts val="400"/>
+              </a:spcBef>
+              <a:buNone/>
+              <a:tabLst>
+                <a:tab algn="l" pos="0"/>
+              </a:tabLst>
+            </a:pPr>
+            <a:endParaRPr b="0" lang="es-AR" sz="2000" spc="-1" strike="noStrike">
+              <a:latin typeface="Arial"/>
+            </a:endParaRPr>
+          </a:p>
+          <a:p>
+            <a:pPr>
+              <a:lnSpc>
+                <a:spcPct val="100000"/>
+              </a:lnSpc>
+              <a:spcBef>
+                <a:spcPts val="400"/>
+              </a:spcBef>
+              <a:buNone/>
+              <a:tabLst>
+                <a:tab algn="l" pos="0"/>
+              </a:tabLst>
+            </a:pPr>
+            <a:endParaRPr b="0" lang="es-AR" sz="2000" spc="-1" strike="noStrike">
+              <a:latin typeface="Arial"/>
+            </a:endParaRPr>
+          </a:p>
+          <a:p>
+            <a:pPr>
+              <a:lnSpc>
+                <a:spcPct val="100000"/>
+              </a:lnSpc>
+              <a:spcBef>
+                <a:spcPts val="400"/>
+              </a:spcBef>
+              <a:buNone/>
+              <a:tabLst>
+                <a:tab algn="l" pos="0"/>
+              </a:tabLst>
+            </a:pPr>
+            <a:endParaRPr b="0" lang="es-AR" sz="2000" spc="-1" strike="noStrike">
+              <a:latin typeface="Arial"/>
+            </a:endParaRPr>
+          </a:p>
+          <a:p>
+            <a:pPr>
+              <a:lnSpc>
+                <a:spcPct val="100000"/>
+              </a:lnSpc>
+              <a:spcBef>
+                <a:spcPts val="400"/>
+              </a:spcBef>
+              <a:buNone/>
+              <a:tabLst>
+                <a:tab algn="l" pos="0"/>
+              </a:tabLst>
+            </a:pPr>
+            <a:endParaRPr b="0" lang="es-AR" sz="2000" spc="-1" strike="noStrike">
               <a:latin typeface="Arial"/>
             </a:endParaRPr>
           </a:p>
@@ -13686,7 +18446,7 @@
         <p:spPr>
           <a:xfrm>
             <a:off x="456480" y="273960"/>
-            <a:ext cx="8227440" cy="1144080"/>
+            <a:ext cx="8227080" cy="1143720"/>
           </a:xfrm>
           <a:prstGeom prst="rect">
             <a:avLst/>
@@ -13758,7 +18518,7 @@
         <p:spPr>
           <a:xfrm>
             <a:off x="456480" y="1604520"/>
-            <a:ext cx="8227440" cy="3976560"/>
+            <a:ext cx="8227080" cy="3976200"/>
           </a:xfrm>
           <a:prstGeom prst="rect">
             <a:avLst/>
@@ -13817,7 +18577,17 @@
                 <a:latin typeface="Arial"/>
                 <a:ea typeface="SimSun"/>
               </a:rPr>
-              <a:t>A partir de java 5 , C#, haskell ... se introduce el concepto de clases genéricas</a:t>
+              <a:t>A partir de java 5 , C#, haskell ... se </a:t>
+            </a:r>
+            <a:r>
+              <a:rPr b="0" lang="es-AR" sz="3200" spc="-1" strike="noStrike">
+                <a:solidFill>
+                  <a:srgbClr val="000000"/>
+                </a:solidFill>
+                <a:latin typeface="Arial"/>
+                <a:ea typeface="SimSun"/>
+              </a:rPr>
+              <a:t>introduce el concepto de clases genéricas</a:t>
             </a:r>
             <a:endParaRPr b="0" lang="es-AR" sz="3200" spc="-1" strike="noStrike">
               <a:latin typeface="Arial"/>
@@ -13868,9 +18638,36 @@
                 <a:latin typeface="Arial"/>
                 <a:ea typeface="SimSun"/>
               </a:rPr>
-              <a:t>Permiten utilizar y programar estructuras genéricas, las cuales  se les indica el tipo:</a:t>
+              <a:t>Permiten utilizar y programar estructuras </a:t>
+            </a:r>
+            <a:r>
+              <a:rPr b="0" lang="es-AR" sz="3200" spc="-1" strike="noStrike">
+                <a:solidFill>
+                  <a:srgbClr val="000000"/>
+                </a:solidFill>
+                <a:latin typeface="Arial"/>
+                <a:ea typeface="SimSun"/>
+              </a:rPr>
+              <a:t>genéricas, las cuales  se les indica el tipo:</a:t>
             </a:r>
             <a:endParaRPr b="0" lang="es-AR" sz="3200" spc="-1" strike="noStrike">
+              <a:latin typeface="Arial"/>
+            </a:endParaRPr>
+          </a:p>
+          <a:p>
+            <a:pPr marL="431640" indent="-324000">
+              <a:lnSpc>
+                <a:spcPct val="100000"/>
+              </a:lnSpc>
+              <a:spcBef>
+                <a:spcPts val="473"/>
+              </a:spcBef>
+              <a:buNone/>
+              <a:tabLst>
+                <a:tab algn="l" pos="0"/>
+              </a:tabLst>
+            </a:pPr>
+            <a:endParaRPr b="0" lang="es-AR" sz="2360" spc="-1" strike="noStrike">
               <a:latin typeface="Arial"/>
             </a:endParaRPr>
           </a:p>
@@ -13975,6 +18772,143 @@
     </mc:Choice>
     <mc:Fallback>
       <p:transition spd="slow"/>
+    </mc:Fallback>
+  </mc:AlternateContent>
+</p:sld>
+</file>
+
+<file path=ppt/slides/slide40.xml><?xml version="1.0" encoding="utf-8"?>
+<p:sld xmlns:a="http://schemas.openxmlformats.org/drawingml/2006/main" xmlns:p="http://schemas.openxmlformats.org/presentationml/2006/main" xmlns:r="http://schemas.openxmlformats.org/officeDocument/2006/relationships" xmlns:p14="http://schemas.microsoft.com/office/powerpoint/2010/main" xmlns:p15="http://schemas.microsoft.com/office/powerpoint/2012/main" xmlns:mc="http://schemas.openxmlformats.org/markup-compatibility/2006">
+  <p:cSld>
+    <p:spTree>
+      <p:nvGrpSpPr>
+        <p:cNvPr id="1" name=""/>
+        <p:cNvGrpSpPr/>
+        <p:nvPr/>
+      </p:nvGrpSpPr>
+      <p:grpSpPr>
+        <a:xfrm>
+          <a:off x="0" y="0"/>
+          <a:ext cx="0" cy="0"/>
+          <a:chOff x="0" y="0"/>
+          <a:chExt cx="0" cy="0"/>
+        </a:xfrm>
+      </p:grpSpPr>
+      <p:pic>
+        <p:nvPicPr>
+          <p:cNvPr id="169" name="Google Shape;232;p33" descr="imagen.jpg"/>
+          <p:cNvPicPr/>
+          <p:nvPr/>
+        </p:nvPicPr>
+        <p:blipFill>
+          <a:blip r:embed="rId1"/>
+          <a:stretch/>
+        </p:blipFill>
+        <p:spPr>
+          <a:xfrm>
+            <a:off x="0" y="0"/>
+            <a:ext cx="9142920" cy="6856920"/>
+          </a:xfrm>
+          <a:prstGeom prst="rect">
+            <a:avLst/>
+          </a:prstGeom>
+          <a:ln w="0">
+            <a:noFill/>
+          </a:ln>
+        </p:spPr>
+      </p:pic>
+      <p:sp>
+        <p:nvSpPr>
+          <p:cNvPr id="170" name="Google Shape;233;p33"/>
+          <p:cNvSpPr/>
+          <p:nvPr/>
+        </p:nvSpPr>
+        <p:spPr>
+          <a:xfrm>
+            <a:off x="0" y="6603840"/>
+            <a:ext cx="9142920" cy="253080"/>
+          </a:xfrm>
+          <a:prstGeom prst="rect">
+            <a:avLst/>
+          </a:prstGeom>
+          <a:solidFill>
+            <a:schemeClr val="lt1"/>
+          </a:solidFill>
+          <a:ln w="0">
+            <a:noFill/>
+          </a:ln>
+        </p:spPr>
+        <p:style>
+          <a:lnRef idx="0"/>
+          <a:fillRef idx="0"/>
+          <a:effectRef idx="0"/>
+          <a:fontRef idx="minor"/>
+        </p:style>
+        <p:txBody>
+          <a:bodyPr lIns="90000" rIns="90000" tIns="45000" bIns="45000" anchor="ctr">
+            <a:noAutofit/>
+          </a:bodyPr>
+          <a:p>
+            <a:pPr algn="ctr">
+              <a:lnSpc>
+                <a:spcPct val="100000"/>
+              </a:lnSpc>
+              <a:buNone/>
+              <a:tabLst>
+                <a:tab algn="l" pos="0"/>
+              </a:tabLst>
+            </a:pPr>
+            <a:r>
+              <a:rPr b="0" lang="es-AR" sz="1800" spc="-1" strike="noStrike">
+                <a:solidFill>
+                  <a:srgbClr val="ffffff"/>
+                </a:solidFill>
+                <a:latin typeface="Calibri"/>
+                <a:ea typeface="Calibri"/>
+              </a:rPr>
+              <a:t> </a:t>
+            </a:r>
+            <a:endParaRPr b="0" lang="es-AR" sz="1800" spc="-1" strike="noStrike">
+              <a:latin typeface="Arial"/>
+            </a:endParaRPr>
+          </a:p>
+        </p:txBody>
+      </p:sp>
+      <p:pic>
+        <p:nvPicPr>
+          <p:cNvPr id="171" name="Google Shape;234;p33" descr="logo solo-08.jpg"/>
+          <p:cNvPicPr/>
+          <p:nvPr/>
+        </p:nvPicPr>
+        <p:blipFill>
+          <a:blip r:embed="rId2"/>
+          <a:stretch/>
+        </p:blipFill>
+        <p:spPr>
+          <a:xfrm>
+            <a:off x="7505640" y="5885640"/>
+            <a:ext cx="840240" cy="980280"/>
+          </a:xfrm>
+          <a:prstGeom prst="rect">
+            <a:avLst/>
+          </a:prstGeom>
+          <a:ln w="0">
+            <a:noFill/>
+          </a:ln>
+        </p:spPr>
+      </p:pic>
+    </p:spTree>
+  </p:cSld>
+  <mc:AlternateContent>
+    <mc:Choice Requires="p14">
+      <p:transition spd="med" p14:dur="700">
+        <p:fade/>
+      </p:transition>
+    </mc:Choice>
+    <mc:Fallback>
+      <p:transition spd="med">
+        <p:fade/>
+      </p:transition>
     </mc:Fallback>
   </mc:AlternateContent>
 </p:sld>
@@ -14010,7 +18944,7 @@
         <p:spPr>
           <a:xfrm>
             <a:off x="456480" y="273960"/>
-            <a:ext cx="8227440" cy="1144080"/>
+            <a:ext cx="8227080" cy="1143720"/>
           </a:xfrm>
           <a:prstGeom prst="rect">
             <a:avLst/>
@@ -14082,7 +19016,7 @@
         <p:spPr>
           <a:xfrm>
             <a:off x="456480" y="1604520"/>
-            <a:ext cx="8227440" cy="3976560"/>
+            <a:ext cx="8227080" cy="3976200"/>
           </a:xfrm>
           <a:prstGeom prst="rect">
             <a:avLst/>
@@ -14396,7 +19330,7 @@
         <p:spPr>
           <a:xfrm>
             <a:off x="456480" y="273960"/>
-            <a:ext cx="8227440" cy="1144080"/>
+            <a:ext cx="8227080" cy="1143720"/>
           </a:xfrm>
           <a:prstGeom prst="rect">
             <a:avLst/>
@@ -14468,7 +19402,7 @@
         <p:spPr>
           <a:xfrm>
             <a:off x="456480" y="1604520"/>
-            <a:ext cx="8227440" cy="3976560"/>
+            <a:ext cx="8227080" cy="3976200"/>
           </a:xfrm>
           <a:prstGeom prst="rect">
             <a:avLst/>
@@ -14797,7 +19731,7 @@
         <p:spPr>
           <a:xfrm>
             <a:off x="456480" y="273960"/>
-            <a:ext cx="8227440" cy="1144080"/>
+            <a:ext cx="8227080" cy="1143720"/>
           </a:xfrm>
           <a:prstGeom prst="rect">
             <a:avLst/>
@@ -14869,7 +19803,7 @@
         <p:spPr>
           <a:xfrm>
             <a:off x="456480" y="1604520"/>
-            <a:ext cx="8227440" cy="3976560"/>
+            <a:ext cx="8227080" cy="3976200"/>
           </a:xfrm>
           <a:prstGeom prst="rect">
             <a:avLst/>
@@ -15043,7 +19977,7 @@
         <p:spPr>
           <a:xfrm>
             <a:off x="457200" y="190440"/>
-            <a:ext cx="8228880" cy="581760"/>
+            <a:ext cx="8228520" cy="581400"/>
           </a:xfrm>
           <a:prstGeom prst="rect">
             <a:avLst/>
@@ -15093,7 +20027,7 @@
         <p:spPr>
           <a:xfrm>
             <a:off x="457200" y="1174680"/>
-            <a:ext cx="8228880" cy="4952160"/>
+            <a:ext cx="8228520" cy="4951800"/>
           </a:xfrm>
           <a:prstGeom prst="rect">
             <a:avLst/>
@@ -15492,13 +20426,13 @@
       <p:sp>
         <p:nvSpPr>
           <p:cNvPr id="108" name="PlaceHolder 4"/>
-          <p:cNvSpPr txBox="1"/>
+          <p:cNvSpPr/>
           <p:nvPr/>
         </p:nvSpPr>
         <p:spPr>
           <a:xfrm>
             <a:off x="457200" y="190440"/>
-            <a:ext cx="8228880" cy="581760"/>
+            <a:ext cx="8228520" cy="581400"/>
           </a:xfrm>
           <a:prstGeom prst="rect">
             <a:avLst/>
@@ -15508,6 +20442,12 @@
             <a:noFill/>
           </a:ln>
         </p:spPr>
+        <p:style>
+          <a:lnRef idx="0"/>
+          <a:fillRef idx="0"/>
+          <a:effectRef idx="0"/>
+          <a:fontRef idx="minor"/>
+        </p:style>
         <p:txBody>
           <a:bodyPr lIns="90000" rIns="90000" tIns="45000" bIns="45000" anchor="ctr">
             <a:noAutofit/>
@@ -15538,13 +20478,13 @@
       <p:sp>
         <p:nvSpPr>
           <p:cNvPr id="109" name="PlaceHolder 5"/>
-          <p:cNvSpPr txBox="1"/>
+          <p:cNvSpPr/>
           <p:nvPr/>
         </p:nvSpPr>
         <p:spPr>
           <a:xfrm>
             <a:off x="457200" y="1174680"/>
-            <a:ext cx="8228880" cy="4952160"/>
+            <a:ext cx="8228520" cy="4951800"/>
           </a:xfrm>
           <a:prstGeom prst="rect">
             <a:avLst/>
@@ -15554,6 +20494,12 @@
             <a:noFill/>
           </a:ln>
         </p:spPr>
+        <p:style>
+          <a:lnRef idx="0"/>
+          <a:fillRef idx="0"/>
+          <a:effectRef idx="0"/>
+          <a:fontRef idx="minor"/>
+        </p:style>
         <p:txBody>
           <a:bodyPr lIns="90000" rIns="90000" tIns="45000" bIns="45000" anchor="t">
             <a:noAutofit/>
